--- a/Presentation/lesson-11.pptx
+++ b/Presentation/lesson-11.pptx
@@ -196,7 +196,7 @@
           <a:p>
             <a:fld id="{B24A7054-7FFB-49F4-A126-5DF6E687FF53}" type="datetimeFigureOut">
               <a:rPr lang="ru-RU" smtClean="0"/>
-              <a:t>26.08.2012</a:t>
+              <a:t>01.11.2012</a:t>
             </a:fld>
             <a:endParaRPr lang="ru-RU"/>
           </a:p>
@@ -1478,7 +1478,7 @@
           <a:p>
             <a:fld id="{8E6E6A2A-E9D3-4A0D-B04A-ABDD367A1E08}" type="datetimeFigureOut">
               <a:rPr lang="ru-RU" smtClean="0"/>
-              <a:t>26.08.2012</a:t>
+              <a:t>01.11.2012</a:t>
             </a:fld>
             <a:endParaRPr lang="ru-RU"/>
           </a:p>
@@ -2923,7 +2923,7 @@
           <a:p>
             <a:fld id="{AC3D3127-B7C4-45E3-9797-C527EC9FDD78}" type="datetimeFigureOut">
               <a:rPr lang="ru-RU" smtClean="0"/>
-              <a:t>26.08.2012</a:t>
+              <a:t>01.11.2012</a:t>
             </a:fld>
             <a:endParaRPr lang="ru-RU"/>
           </a:p>
@@ -3486,6 +3486,40 @@
                 <a:schemeClr val="bg1"/>
               </a:solidFill>
             </a:endParaRPr>
+          </a:p>
+        </p:txBody>
+      </p:sp>
+      <p:sp>
+        <p:nvSpPr>
+          <p:cNvPr id="8" name="TextBox 7"/>
+          <p:cNvSpPr txBox="1"/>
+          <p:nvPr/>
+        </p:nvSpPr>
+        <p:spPr>
+          <a:xfrm>
+            <a:off x="3120449" y="5589240"/>
+            <a:ext cx="2903102" cy="369332"/>
+          </a:xfrm>
+          <a:prstGeom prst="rect">
+            <a:avLst/>
+          </a:prstGeom>
+          <a:noFill/>
+        </p:spPr>
+        <p:txBody>
+          <a:bodyPr wrap="none" rtlCol="0">
+            <a:spAutoFit/>
+          </a:bodyPr>
+          <a:lstStyle/>
+          <a:p>
+            <a:r>
+              <a:rPr lang="en-US" dirty="0">
+                <a:solidFill>
+                  <a:schemeClr val="bg1"/>
+                </a:solidFill>
+              </a:rPr>
+              <a:t>http://vk.com/club33848893</a:t>
+            </a:r>
+            <a:endParaRPr lang="en-US" dirty="0"/>
           </a:p>
         </p:txBody>
       </p:sp>

--- a/Presentation/lesson-11.pptx
+++ b/Presentation/lesson-11.pptx
@@ -196,7 +196,7 @@
           <a:p>
             <a:fld id="{B24A7054-7FFB-49F4-A126-5DF6E687FF53}" type="datetimeFigureOut">
               <a:rPr lang="ru-RU" smtClean="0"/>
-              <a:t>01.11.2012</a:t>
+              <a:t>06.11.2012</a:t>
             </a:fld>
             <a:endParaRPr lang="ru-RU"/>
           </a:p>
@@ -1478,7 +1478,7 @@
           <a:p>
             <a:fld id="{8E6E6A2A-E9D3-4A0D-B04A-ABDD367A1E08}" type="datetimeFigureOut">
               <a:rPr lang="ru-RU" smtClean="0"/>
-              <a:t>01.11.2012</a:t>
+              <a:t>06.11.2012</a:t>
             </a:fld>
             <a:endParaRPr lang="ru-RU"/>
           </a:p>
@@ -2923,7 +2923,7 @@
           <a:p>
             <a:fld id="{AC3D3127-B7C4-45E3-9797-C527EC9FDD78}" type="datetimeFigureOut">
               <a:rPr lang="ru-RU" smtClean="0"/>
-              <a:t>01.11.2012</a:t>
+              <a:t>06.11.2012</a:t>
             </a:fld>
             <a:endParaRPr lang="ru-RU"/>
           </a:p>
@@ -3458,15 +3458,15 @@
               <a:t>№</a:t>
             </a:r>
             <a:r>
-              <a:rPr lang="ru-RU" sz="2400" dirty="0">
+              <a:rPr lang="en-US" sz="2400" smtClean="0">
                 <a:solidFill>
                   <a:schemeClr val="bg1"/>
                 </a:solidFill>
               </a:rPr>
-              <a:t>8</a:t>
-            </a:r>
-            <a:r>
-              <a:rPr lang="ru-RU" sz="2400" dirty="0" smtClean="0">
+              <a:t>11</a:t>
+            </a:r>
+            <a:r>
+              <a:rPr lang="ru-RU" sz="2400" smtClean="0">
                 <a:solidFill>
                   <a:schemeClr val="bg1"/>
                 </a:solidFill>

--- a/Presentation/lesson-11.pptx
+++ b/Presentation/lesson-11.pptx
@@ -196,7 +196,7 @@
           <a:p>
             <a:fld id="{B24A7054-7FFB-49F4-A126-5DF6E687FF53}" type="datetimeFigureOut">
               <a:rPr lang="ru-RU" smtClean="0"/>
-              <a:t>06.11.2012</a:t>
+              <a:t>31.01.2013</a:t>
             </a:fld>
             <a:endParaRPr lang="ru-RU"/>
           </a:p>
@@ -1478,7 +1478,7 @@
           <a:p>
             <a:fld id="{8E6E6A2A-E9D3-4A0D-B04A-ABDD367A1E08}" type="datetimeFigureOut">
               <a:rPr lang="ru-RU" smtClean="0"/>
-              <a:t>06.11.2012</a:t>
+              <a:t>31.01.2013</a:t>
             </a:fld>
             <a:endParaRPr lang="ru-RU"/>
           </a:p>
@@ -2923,7 +2923,7 @@
           <a:p>
             <a:fld id="{AC3D3127-B7C4-45E3-9797-C527EC9FDD78}" type="datetimeFigureOut">
               <a:rPr lang="ru-RU" smtClean="0"/>
-              <a:t>06.11.2012</a:t>
+              <a:t>31.01.2013</a:t>
             </a:fld>
             <a:endParaRPr lang="ru-RU"/>
           </a:p>
@@ -3489,40 +3489,6 @@
           </a:p>
         </p:txBody>
       </p:sp>
-      <p:sp>
-        <p:nvSpPr>
-          <p:cNvPr id="8" name="TextBox 7"/>
-          <p:cNvSpPr txBox="1"/>
-          <p:nvPr/>
-        </p:nvSpPr>
-        <p:spPr>
-          <a:xfrm>
-            <a:off x="3120449" y="5589240"/>
-            <a:ext cx="2903102" cy="369332"/>
-          </a:xfrm>
-          <a:prstGeom prst="rect">
-            <a:avLst/>
-          </a:prstGeom>
-          <a:noFill/>
-        </p:spPr>
-        <p:txBody>
-          <a:bodyPr wrap="none" rtlCol="0">
-            <a:spAutoFit/>
-          </a:bodyPr>
-          <a:lstStyle/>
-          <a:p>
-            <a:r>
-              <a:rPr lang="en-US" dirty="0">
-                <a:solidFill>
-                  <a:schemeClr val="bg1"/>
-                </a:solidFill>
-              </a:rPr>
-              <a:t>http://vk.com/club33848893</a:t>
-            </a:r>
-            <a:endParaRPr lang="en-US" dirty="0"/>
-          </a:p>
-        </p:txBody>
-      </p:sp>
     </p:spTree>
     <p:extLst>
       <p:ext uri="{BB962C8B-B14F-4D97-AF65-F5344CB8AC3E}">
@@ -3599,9 +3565,10 @@
           <a:lstStyle/>
           <a:p>
             <a:r>
-              <a:rPr lang="en-US" dirty="0"/>
-              <a:t>?</a:t>
-            </a:r>
+              <a:rPr lang="en-US" smtClean="0"/>
+              <a:t>LINQ in C# 2010</a:t>
+            </a:r>
+            <a:endParaRPr lang="en-US" dirty="0"/>
           </a:p>
         </p:txBody>
       </p:sp>

--- a/Presentation/lesson-11.pptx
+++ b/Presentation/lesson-11.pptx
@@ -5,14 +5,20 @@
     <p:sldMasterId id="2147483648" r:id="rId1"/>
   </p:sldMasterIdLst>
   <p:notesMasterIdLst>
-    <p:notesMasterId r:id="rId7"/>
+    <p:notesMasterId r:id="rId13"/>
   </p:notesMasterIdLst>
   <p:sldIdLst>
     <p:sldId id="256" r:id="rId2"/>
     <p:sldId id="257" r:id="rId3"/>
     <p:sldId id="258" r:id="rId4"/>
-    <p:sldId id="259" r:id="rId5"/>
-    <p:sldId id="260" r:id="rId6"/>
+    <p:sldId id="266" r:id="rId5"/>
+    <p:sldId id="259" r:id="rId6"/>
+    <p:sldId id="265" r:id="rId7"/>
+    <p:sldId id="261" r:id="rId8"/>
+    <p:sldId id="260" r:id="rId9"/>
+    <p:sldId id="264" r:id="rId10"/>
+    <p:sldId id="262" r:id="rId11"/>
+    <p:sldId id="263" r:id="rId12"/>
   </p:sldIdLst>
   <p:sldSz cx="9144000" cy="6858000" type="screen4x3"/>
   <p:notesSz cx="6858000" cy="9144000"/>
@@ -196,7 +202,7 @@
           <a:p>
             <a:fld id="{B24A7054-7FFB-49F4-A126-5DF6E687FF53}" type="datetimeFigureOut">
               <a:rPr lang="ru-RU" smtClean="0"/>
-              <a:t>31.01.2013</a:t>
+              <a:t>04.03.2013</a:t>
             </a:fld>
             <a:endParaRPr lang="ru-RU"/>
           </a:p>
@@ -1478,7 +1484,7 @@
           <a:p>
             <a:fld id="{8E6E6A2A-E9D3-4A0D-B04A-ABDD367A1E08}" type="datetimeFigureOut">
               <a:rPr lang="ru-RU" smtClean="0"/>
-              <a:t>31.01.2013</a:t>
+              <a:t>04.03.2013</a:t>
             </a:fld>
             <a:endParaRPr lang="ru-RU"/>
           </a:p>
@@ -2923,7 +2929,7 @@
           <a:p>
             <a:fld id="{AC3D3127-B7C4-45E3-9797-C527EC9FDD78}" type="datetimeFigureOut">
               <a:rPr lang="ru-RU" smtClean="0"/>
-              <a:t>31.01.2013</a:t>
+              <a:t>04.03.2013</a:t>
             </a:fld>
             <a:endParaRPr lang="ru-RU"/>
           </a:p>
@@ -3509,6 +3515,4627 @@
 </p:sld>
 </file>
 
+<file path=ppt/slides/slide10.xml><?xml version="1.0" encoding="utf-8"?>
+<p:sld xmlns:a="http://schemas.openxmlformats.org/drawingml/2006/main" xmlns:r="http://schemas.openxmlformats.org/officeDocument/2006/relationships" xmlns:p="http://schemas.openxmlformats.org/presentationml/2006/main">
+  <p:cSld>
+    <p:spTree>
+      <p:nvGrpSpPr>
+        <p:cNvPr id="1" name=""/>
+        <p:cNvGrpSpPr/>
+        <p:nvPr/>
+      </p:nvGrpSpPr>
+      <p:grpSpPr>
+        <a:xfrm>
+          <a:off x="0" y="0"/>
+          <a:ext cx="0" cy="0"/>
+          <a:chOff x="0" y="0"/>
+          <a:chExt cx="0" cy="0"/>
+        </a:xfrm>
+      </p:grpSpPr>
+      <p:sp>
+        <p:nvSpPr>
+          <p:cNvPr id="2" name="Title 1"/>
+          <p:cNvSpPr>
+            <a:spLocks noGrp="1"/>
+          </p:cNvSpPr>
+          <p:nvPr>
+            <p:ph type="title"/>
+          </p:nvPr>
+        </p:nvSpPr>
+        <p:spPr>
+          <a:xfrm>
+            <a:off x="457200" y="-99392"/>
+            <a:ext cx="8229600" cy="1143000"/>
+          </a:xfrm>
+        </p:spPr>
+        <p:txBody>
+          <a:bodyPr/>
+          <a:lstStyle/>
+          <a:p>
+            <a:r>
+              <a:rPr lang="ru-RU" dirty="0"/>
+              <a:t>Методы </a:t>
+            </a:r>
+            <a:r>
+              <a:rPr lang="ru-RU" dirty="0" smtClean="0"/>
+              <a:t>из библиотеки </a:t>
+            </a:r>
+            <a:r>
+              <a:rPr lang="en-US" dirty="0" smtClean="0"/>
+              <a:t>morelinq</a:t>
+            </a:r>
+            <a:r>
+              <a:rPr lang="ru-RU" dirty="0" smtClean="0"/>
+              <a:t> </a:t>
+            </a:r>
+            <a:endParaRPr lang="en-US" dirty="0"/>
+          </a:p>
+        </p:txBody>
+      </p:sp>
+      <p:graphicFrame>
+        <p:nvGraphicFramePr>
+          <p:cNvPr id="9" name="Table 8"/>
+          <p:cNvGraphicFramePr>
+            <a:graphicFrameLocks noGrp="1"/>
+          </p:cNvGraphicFramePr>
+          <p:nvPr>
+            <p:extLst>
+              <p:ext uri="{D42A27DB-BD31-4B8C-83A1-F6EECF244321}">
+                <p14:modId xmlns:p14="http://schemas.microsoft.com/office/powerpoint/2010/main" val="995054926"/>
+              </p:ext>
+            </p:extLst>
+          </p:nvPr>
+        </p:nvGraphicFramePr>
+        <p:xfrm>
+          <a:off x="395536" y="886086"/>
+          <a:ext cx="8352928" cy="5673594"/>
+        </p:xfrm>
+        <a:graphic>
+          <a:graphicData uri="http://schemas.openxmlformats.org/drawingml/2006/table">
+            <a:tbl>
+              <a:tblPr firstRow="1" firstCol="1" bandRow="1">
+                <a:tableStyleId>{5C22544A-7EE6-4342-B048-85BDC9FD1C3A}</a:tableStyleId>
+              </a:tblPr>
+              <a:tblGrid>
+                <a:gridCol w="1368152"/>
+                <a:gridCol w="6984776"/>
+              </a:tblGrid>
+              <a:tr h="265666">
+                <a:tc>
+                  <a:txBody>
+                    <a:bodyPr/>
+                    <a:lstStyle/>
+                    <a:p>
+                      <a:pPr>
+                        <a:lnSpc>
+                          <a:spcPct val="115000"/>
+                        </a:lnSpc>
+                        <a:spcAft>
+                          <a:spcPts val="1000"/>
+                        </a:spcAft>
+                      </a:pPr>
+                      <a:r>
+                        <a:rPr lang="en-US" sz="1400" dirty="0">
+                          <a:effectLst/>
+                        </a:rPr>
+                        <a:t>Batch</a:t>
+                      </a:r>
+                      <a:endParaRPr lang="en-US" sz="1400" dirty="0">
+                        <a:effectLst/>
+                        <a:latin typeface="Calibri"/>
+                        <a:ea typeface="Calibri"/>
+                        <a:cs typeface="Times New Roman"/>
+                      </a:endParaRPr>
+                    </a:p>
+                  </a:txBody>
+                  <a:tcPr marL="594" marR="594" marT="594" marB="594" anchor="ctr">
+                    <a:lnL w="12700" cap="flat" cmpd="sng" algn="ctr">
+                      <a:noFill/>
+                      <a:prstDash val="solid"/>
+                      <a:round/>
+                      <a:headEnd type="none" w="med" len="med"/>
+                      <a:tailEnd type="none" w="med" len="med"/>
+                    </a:lnL>
+                    <a:lnR w="12700" cap="flat" cmpd="sng" algn="ctr">
+                      <a:noFill/>
+                      <a:prstDash val="solid"/>
+                      <a:round/>
+                      <a:headEnd type="none" w="med" len="med"/>
+                      <a:tailEnd type="none" w="med" len="med"/>
+                    </a:lnR>
+                    <a:lnT w="12700" cap="flat" cmpd="sng" algn="ctr">
+                      <a:solidFill>
+                        <a:schemeClr val="tx1"/>
+                      </a:solidFill>
+                      <a:prstDash val="solid"/>
+                      <a:round/>
+                      <a:headEnd type="none" w="med" len="med"/>
+                      <a:tailEnd type="none" w="med" len="med"/>
+                    </a:lnT>
+                    <a:lnB w="12700" cap="flat" cmpd="sng" algn="ctr">
+                      <a:solidFill>
+                        <a:schemeClr val="tx1"/>
+                      </a:solidFill>
+                      <a:prstDash val="solid"/>
+                      <a:round/>
+                      <a:headEnd type="none" w="med" len="med"/>
+                      <a:tailEnd type="none" w="med" len="med"/>
+                    </a:lnB>
+                    <a:lnTlToBr w="12700" cmpd="sng">
+                      <a:noFill/>
+                      <a:prstDash val="solid"/>
+                    </a:lnTlToBr>
+                    <a:lnBlToTr w="12700" cmpd="sng">
+                      <a:noFill/>
+                      <a:prstDash val="solid"/>
+                    </a:lnBlToTr>
+                    <a:noFill/>
+                  </a:tcPr>
+                </a:tc>
+                <a:tc>
+                  <a:txBody>
+                    <a:bodyPr/>
+                    <a:lstStyle/>
+                    <a:p>
+                      <a:pPr>
+                        <a:lnSpc>
+                          <a:spcPct val="115000"/>
+                        </a:lnSpc>
+                        <a:spcAft>
+                          <a:spcPts val="1000"/>
+                        </a:spcAft>
+                      </a:pPr>
+                      <a:r>
+                        <a:rPr lang="ru-RU" sz="1400" b="0" dirty="0" smtClean="0">
+                          <a:effectLst/>
+                        </a:rPr>
+                        <a:t>Превращает </a:t>
+                      </a:r>
+                      <a:r>
+                        <a:rPr lang="ru-RU" sz="1400" b="0" dirty="0">
+                          <a:effectLst/>
+                        </a:rPr>
+                        <a:t>одну последовательность в несколько последовательностей по </a:t>
+                      </a:r>
+                      <a:r>
+                        <a:rPr lang="en-US" sz="1400" b="0" dirty="0">
+                          <a:effectLst/>
+                        </a:rPr>
+                        <a:t>n</a:t>
+                      </a:r>
+                      <a:r>
+                        <a:rPr lang="ru-RU" sz="1400" b="0" dirty="0">
+                          <a:effectLst/>
+                        </a:rPr>
+                        <a:t> элементов.</a:t>
+                      </a:r>
+                      <a:endParaRPr lang="en-US" sz="1400" b="0" dirty="0">
+                        <a:effectLst/>
+                        <a:latin typeface="Calibri"/>
+                        <a:ea typeface="Calibri"/>
+                        <a:cs typeface="Times New Roman"/>
+                      </a:endParaRPr>
+                    </a:p>
+                  </a:txBody>
+                  <a:tcPr marL="594" marR="594" marT="594" marB="594" anchor="ctr">
+                    <a:lnL w="12700" cap="flat" cmpd="sng" algn="ctr">
+                      <a:noFill/>
+                      <a:prstDash val="solid"/>
+                      <a:round/>
+                      <a:headEnd type="none" w="med" len="med"/>
+                      <a:tailEnd type="none" w="med" len="med"/>
+                    </a:lnL>
+                    <a:lnR w="12700" cap="flat" cmpd="sng" algn="ctr">
+                      <a:noFill/>
+                      <a:prstDash val="solid"/>
+                      <a:round/>
+                      <a:headEnd type="none" w="med" len="med"/>
+                      <a:tailEnd type="none" w="med" len="med"/>
+                    </a:lnR>
+                    <a:lnT w="12700" cap="flat" cmpd="sng" algn="ctr">
+                      <a:solidFill>
+                        <a:schemeClr val="tx1"/>
+                      </a:solidFill>
+                      <a:prstDash val="solid"/>
+                      <a:round/>
+                      <a:headEnd type="none" w="med" len="med"/>
+                      <a:tailEnd type="none" w="med" len="med"/>
+                    </a:lnT>
+                    <a:lnB w="12700" cap="flat" cmpd="sng" algn="ctr">
+                      <a:solidFill>
+                        <a:schemeClr val="tx1"/>
+                      </a:solidFill>
+                      <a:prstDash val="solid"/>
+                      <a:round/>
+                      <a:headEnd type="none" w="med" len="med"/>
+                      <a:tailEnd type="none" w="med" len="med"/>
+                    </a:lnB>
+                    <a:lnTlToBr w="12700" cmpd="sng">
+                      <a:noFill/>
+                      <a:prstDash val="solid"/>
+                    </a:lnTlToBr>
+                    <a:lnBlToTr w="12700" cmpd="sng">
+                      <a:noFill/>
+                      <a:prstDash val="solid"/>
+                    </a:lnBlToTr>
+                    <a:noFill/>
+                  </a:tcPr>
+                </a:tc>
+              </a:tr>
+              <a:tr h="217579">
+                <a:tc>
+                  <a:txBody>
+                    <a:bodyPr/>
+                    <a:lstStyle/>
+                    <a:p>
+                      <a:pPr>
+                        <a:lnSpc>
+                          <a:spcPct val="115000"/>
+                        </a:lnSpc>
+                        <a:spcAft>
+                          <a:spcPts val="1000"/>
+                        </a:spcAft>
+                      </a:pPr>
+                      <a:r>
+                        <a:rPr lang="en-US" sz="1400" dirty="0" err="1">
+                          <a:effectLst/>
+                        </a:rPr>
+                        <a:t>Concat</a:t>
+                      </a:r>
+                      <a:endParaRPr lang="en-US" sz="1400" dirty="0">
+                        <a:effectLst/>
+                        <a:latin typeface="Calibri"/>
+                        <a:ea typeface="Calibri"/>
+                        <a:cs typeface="Times New Roman"/>
+                      </a:endParaRPr>
+                    </a:p>
+                  </a:txBody>
+                  <a:tcPr marL="594" marR="594" marT="594" marB="594" anchor="ctr">
+                    <a:lnL w="12700" cap="flat" cmpd="sng" algn="ctr">
+                      <a:noFill/>
+                      <a:prstDash val="solid"/>
+                      <a:round/>
+                      <a:headEnd type="none" w="med" len="med"/>
+                      <a:tailEnd type="none" w="med" len="med"/>
+                    </a:lnL>
+                    <a:lnR w="12700" cap="flat" cmpd="sng" algn="ctr">
+                      <a:noFill/>
+                      <a:prstDash val="solid"/>
+                      <a:round/>
+                      <a:headEnd type="none" w="med" len="med"/>
+                      <a:tailEnd type="none" w="med" len="med"/>
+                    </a:lnR>
+                    <a:lnT w="12700" cap="flat" cmpd="sng" algn="ctr">
+                      <a:solidFill>
+                        <a:schemeClr val="tx1"/>
+                      </a:solidFill>
+                      <a:prstDash val="solid"/>
+                      <a:round/>
+                      <a:headEnd type="none" w="med" len="med"/>
+                      <a:tailEnd type="none" w="med" len="med"/>
+                    </a:lnT>
+                    <a:lnB w="12700" cap="flat" cmpd="sng" algn="ctr">
+                      <a:solidFill>
+                        <a:schemeClr val="tx1"/>
+                      </a:solidFill>
+                      <a:prstDash val="solid"/>
+                      <a:round/>
+                      <a:headEnd type="none" w="med" len="med"/>
+                      <a:tailEnd type="none" w="med" len="med"/>
+                    </a:lnB>
+                    <a:lnTlToBr w="12700" cmpd="sng">
+                      <a:noFill/>
+                      <a:prstDash val="solid"/>
+                    </a:lnTlToBr>
+                    <a:lnBlToTr w="12700" cmpd="sng">
+                      <a:noFill/>
+                      <a:prstDash val="solid"/>
+                    </a:lnBlToTr>
+                    <a:noFill/>
+                  </a:tcPr>
+                </a:tc>
+                <a:tc>
+                  <a:txBody>
+                    <a:bodyPr/>
+                    <a:lstStyle/>
+                    <a:p>
+                      <a:pPr>
+                        <a:lnSpc>
+                          <a:spcPct val="115000"/>
+                        </a:lnSpc>
+                        <a:spcAft>
+                          <a:spcPts val="1000"/>
+                        </a:spcAft>
+                      </a:pPr>
+                      <a:r>
+                        <a:rPr lang="ru-RU" sz="1400" dirty="0" smtClean="0">
+                          <a:effectLst/>
+                        </a:rPr>
+                        <a:t>Присоединяет </a:t>
+                      </a:r>
+                      <a:r>
+                        <a:rPr lang="ru-RU" sz="1400" dirty="0">
+                          <a:effectLst/>
+                        </a:rPr>
+                        <a:t>элемент к коллекции либо коллекцию к элементу.</a:t>
+                      </a:r>
+                      <a:endParaRPr lang="en-US" sz="1400" dirty="0">
+                        <a:effectLst/>
+                        <a:latin typeface="Calibri"/>
+                        <a:ea typeface="Calibri"/>
+                        <a:cs typeface="Times New Roman"/>
+                      </a:endParaRPr>
+                    </a:p>
+                  </a:txBody>
+                  <a:tcPr marL="594" marR="594" marT="594" marB="594" anchor="ctr">
+                    <a:lnL w="12700" cap="flat" cmpd="sng" algn="ctr">
+                      <a:noFill/>
+                      <a:prstDash val="solid"/>
+                      <a:round/>
+                      <a:headEnd type="none" w="med" len="med"/>
+                      <a:tailEnd type="none" w="med" len="med"/>
+                    </a:lnL>
+                    <a:lnR w="12700" cap="flat" cmpd="sng" algn="ctr">
+                      <a:noFill/>
+                      <a:prstDash val="solid"/>
+                      <a:round/>
+                      <a:headEnd type="none" w="med" len="med"/>
+                      <a:tailEnd type="none" w="med" len="med"/>
+                    </a:lnR>
+                    <a:lnT w="12700" cap="flat" cmpd="sng" algn="ctr">
+                      <a:solidFill>
+                        <a:schemeClr val="tx1"/>
+                      </a:solidFill>
+                      <a:prstDash val="solid"/>
+                      <a:round/>
+                      <a:headEnd type="none" w="med" len="med"/>
+                      <a:tailEnd type="none" w="med" len="med"/>
+                    </a:lnT>
+                    <a:lnB w="12700" cap="flat" cmpd="sng" algn="ctr">
+                      <a:solidFill>
+                        <a:schemeClr val="tx1"/>
+                      </a:solidFill>
+                      <a:prstDash val="solid"/>
+                      <a:round/>
+                      <a:headEnd type="none" w="med" len="med"/>
+                      <a:tailEnd type="none" w="med" len="med"/>
+                    </a:lnB>
+                    <a:lnTlToBr w="12700" cmpd="sng">
+                      <a:noFill/>
+                      <a:prstDash val="solid"/>
+                    </a:lnTlToBr>
+                    <a:lnBlToTr w="12700" cmpd="sng">
+                      <a:noFill/>
+                      <a:prstDash val="solid"/>
+                    </a:lnBlToTr>
+                    <a:noFill/>
+                  </a:tcPr>
+                </a:tc>
+              </a:tr>
+              <a:tr h="229601">
+                <a:tc>
+                  <a:txBody>
+                    <a:bodyPr/>
+                    <a:lstStyle/>
+                    <a:p>
+                      <a:pPr>
+                        <a:lnSpc>
+                          <a:spcPct val="115000"/>
+                        </a:lnSpc>
+                        <a:spcAft>
+                          <a:spcPts val="1000"/>
+                        </a:spcAft>
+                      </a:pPr>
+                      <a:r>
+                        <a:rPr lang="en-US" sz="1400" dirty="0">
+                          <a:effectLst/>
+                        </a:rPr>
+                        <a:t>Consume</a:t>
+                      </a:r>
+                      <a:endParaRPr lang="en-US" sz="1400" dirty="0">
+                        <a:effectLst/>
+                        <a:latin typeface="Calibri"/>
+                        <a:ea typeface="Calibri"/>
+                        <a:cs typeface="Times New Roman"/>
+                      </a:endParaRPr>
+                    </a:p>
+                  </a:txBody>
+                  <a:tcPr marL="594" marR="594" marT="594" marB="594" anchor="ctr">
+                    <a:lnL w="12700" cap="flat" cmpd="sng" algn="ctr">
+                      <a:noFill/>
+                      <a:prstDash val="solid"/>
+                      <a:round/>
+                      <a:headEnd type="none" w="med" len="med"/>
+                      <a:tailEnd type="none" w="med" len="med"/>
+                    </a:lnL>
+                    <a:lnR w="12700" cap="flat" cmpd="sng" algn="ctr">
+                      <a:noFill/>
+                      <a:prstDash val="solid"/>
+                      <a:round/>
+                      <a:headEnd type="none" w="med" len="med"/>
+                      <a:tailEnd type="none" w="med" len="med"/>
+                    </a:lnR>
+                    <a:lnT w="12700" cap="flat" cmpd="sng" algn="ctr">
+                      <a:solidFill>
+                        <a:schemeClr val="tx1"/>
+                      </a:solidFill>
+                      <a:prstDash val="solid"/>
+                      <a:round/>
+                      <a:headEnd type="none" w="med" len="med"/>
+                      <a:tailEnd type="none" w="med" len="med"/>
+                    </a:lnT>
+                    <a:lnB w="12700" cap="flat" cmpd="sng" algn="ctr">
+                      <a:solidFill>
+                        <a:schemeClr val="tx1"/>
+                      </a:solidFill>
+                      <a:prstDash val="solid"/>
+                      <a:round/>
+                      <a:headEnd type="none" w="med" len="med"/>
+                      <a:tailEnd type="none" w="med" len="med"/>
+                    </a:lnB>
+                    <a:lnTlToBr w="12700" cmpd="sng">
+                      <a:noFill/>
+                      <a:prstDash val="solid"/>
+                    </a:lnTlToBr>
+                    <a:lnBlToTr w="12700" cmpd="sng">
+                      <a:noFill/>
+                      <a:prstDash val="solid"/>
+                    </a:lnBlToTr>
+                    <a:noFill/>
+                  </a:tcPr>
+                </a:tc>
+                <a:tc>
+                  <a:txBody>
+                    <a:bodyPr/>
+                    <a:lstStyle/>
+                    <a:p>
+                      <a:pPr>
+                        <a:lnSpc>
+                          <a:spcPct val="115000"/>
+                        </a:lnSpc>
+                        <a:spcAft>
+                          <a:spcPts val="1000"/>
+                        </a:spcAft>
+                      </a:pPr>
+                      <a:r>
+                        <a:rPr lang="ru-RU" sz="1400" dirty="0" smtClean="0">
+                          <a:effectLst/>
+                        </a:rPr>
+                        <a:t>«</a:t>
+                      </a:r>
+                      <a:r>
+                        <a:rPr lang="ru-RU" sz="1400" dirty="0">
+                          <a:effectLst/>
+                        </a:rPr>
+                        <a:t>Поглощает» коллекцию, не производя никаких действий над элементами.</a:t>
+                      </a:r>
+                      <a:endParaRPr lang="en-US" sz="1400" dirty="0">
+                        <a:effectLst/>
+                        <a:latin typeface="Calibri"/>
+                        <a:ea typeface="Calibri"/>
+                        <a:cs typeface="Times New Roman"/>
+                      </a:endParaRPr>
+                    </a:p>
+                  </a:txBody>
+                  <a:tcPr marL="594" marR="594" marT="594" marB="594" anchor="ctr">
+                    <a:lnL w="12700" cap="flat" cmpd="sng" algn="ctr">
+                      <a:noFill/>
+                      <a:prstDash val="solid"/>
+                      <a:round/>
+                      <a:headEnd type="none" w="med" len="med"/>
+                      <a:tailEnd type="none" w="med" len="med"/>
+                    </a:lnL>
+                    <a:lnR w="12700" cap="flat" cmpd="sng" algn="ctr">
+                      <a:noFill/>
+                      <a:prstDash val="solid"/>
+                      <a:round/>
+                      <a:headEnd type="none" w="med" len="med"/>
+                      <a:tailEnd type="none" w="med" len="med"/>
+                    </a:lnR>
+                    <a:lnT w="12700" cap="flat" cmpd="sng" algn="ctr">
+                      <a:solidFill>
+                        <a:schemeClr val="tx1"/>
+                      </a:solidFill>
+                      <a:prstDash val="solid"/>
+                      <a:round/>
+                      <a:headEnd type="none" w="med" len="med"/>
+                      <a:tailEnd type="none" w="med" len="med"/>
+                    </a:lnT>
+                    <a:lnB w="12700" cap="flat" cmpd="sng" algn="ctr">
+                      <a:solidFill>
+                        <a:schemeClr val="tx1"/>
+                      </a:solidFill>
+                      <a:prstDash val="solid"/>
+                      <a:round/>
+                      <a:headEnd type="none" w="med" len="med"/>
+                      <a:tailEnd type="none" w="med" len="med"/>
+                    </a:lnB>
+                    <a:lnTlToBr w="12700" cmpd="sng">
+                      <a:noFill/>
+                      <a:prstDash val="solid"/>
+                    </a:lnTlToBr>
+                    <a:lnBlToTr w="12700" cmpd="sng">
+                      <a:noFill/>
+                      <a:prstDash val="solid"/>
+                    </a:lnBlToTr>
+                    <a:noFill/>
+                  </a:tcPr>
+                </a:tc>
+              </a:tr>
+              <a:tr h="217579">
+                <a:tc>
+                  <a:txBody>
+                    <a:bodyPr/>
+                    <a:lstStyle/>
+                    <a:p>
+                      <a:pPr>
+                        <a:lnSpc>
+                          <a:spcPct val="115000"/>
+                        </a:lnSpc>
+                        <a:spcAft>
+                          <a:spcPts val="1000"/>
+                        </a:spcAft>
+                      </a:pPr>
+                      <a:r>
+                        <a:rPr lang="en-US" sz="1400" dirty="0" err="1">
+                          <a:effectLst/>
+                        </a:rPr>
+                        <a:t>DistinctBy</a:t>
+                      </a:r>
+                      <a:endParaRPr lang="en-US" sz="1400" dirty="0">
+                        <a:effectLst/>
+                        <a:latin typeface="Calibri"/>
+                        <a:ea typeface="Calibri"/>
+                        <a:cs typeface="Times New Roman"/>
+                      </a:endParaRPr>
+                    </a:p>
+                  </a:txBody>
+                  <a:tcPr marL="594" marR="594" marT="594" marB="594" anchor="ctr">
+                    <a:lnL w="12700" cap="flat" cmpd="sng" algn="ctr">
+                      <a:noFill/>
+                      <a:prstDash val="solid"/>
+                      <a:round/>
+                      <a:headEnd type="none" w="med" len="med"/>
+                      <a:tailEnd type="none" w="med" len="med"/>
+                    </a:lnL>
+                    <a:lnR w="12700" cap="flat" cmpd="sng" algn="ctr">
+                      <a:noFill/>
+                      <a:prstDash val="solid"/>
+                      <a:round/>
+                      <a:headEnd type="none" w="med" len="med"/>
+                      <a:tailEnd type="none" w="med" len="med"/>
+                    </a:lnR>
+                    <a:lnT w="12700" cap="flat" cmpd="sng" algn="ctr">
+                      <a:solidFill>
+                        <a:schemeClr val="tx1"/>
+                      </a:solidFill>
+                      <a:prstDash val="solid"/>
+                      <a:round/>
+                      <a:headEnd type="none" w="med" len="med"/>
+                      <a:tailEnd type="none" w="med" len="med"/>
+                    </a:lnT>
+                    <a:lnB w="12700" cap="flat" cmpd="sng" algn="ctr">
+                      <a:solidFill>
+                        <a:schemeClr val="tx1"/>
+                      </a:solidFill>
+                      <a:prstDash val="solid"/>
+                      <a:round/>
+                      <a:headEnd type="none" w="med" len="med"/>
+                      <a:tailEnd type="none" w="med" len="med"/>
+                    </a:lnB>
+                    <a:lnTlToBr w="12700" cmpd="sng">
+                      <a:noFill/>
+                      <a:prstDash val="solid"/>
+                    </a:lnTlToBr>
+                    <a:lnBlToTr w="12700" cmpd="sng">
+                      <a:noFill/>
+                      <a:prstDash val="solid"/>
+                    </a:lnBlToTr>
+                    <a:noFill/>
+                  </a:tcPr>
+                </a:tc>
+                <a:tc>
+                  <a:txBody>
+                    <a:bodyPr/>
+                    <a:lstStyle/>
+                    <a:p>
+                      <a:pPr>
+                        <a:lnSpc>
+                          <a:spcPct val="115000"/>
+                        </a:lnSpc>
+                        <a:spcAft>
+                          <a:spcPts val="1000"/>
+                        </a:spcAft>
+                      </a:pPr>
+                      <a:r>
+                        <a:rPr lang="ru-RU" sz="1400" dirty="0" smtClean="0">
+                          <a:effectLst/>
+                        </a:rPr>
+                        <a:t>Возвращает </a:t>
+                      </a:r>
+                      <a:r>
+                        <a:rPr lang="ru-RU" sz="1400" dirty="0">
+                          <a:effectLst/>
+                        </a:rPr>
+                        <a:t>только уникальные элементы (по заданному критерию).</a:t>
+                      </a:r>
+                      <a:endParaRPr lang="en-US" sz="1400" dirty="0">
+                        <a:effectLst/>
+                        <a:latin typeface="Calibri"/>
+                        <a:ea typeface="Calibri"/>
+                        <a:cs typeface="Times New Roman"/>
+                      </a:endParaRPr>
+                    </a:p>
+                  </a:txBody>
+                  <a:tcPr marL="594" marR="594" marT="594" marB="594" anchor="ctr">
+                    <a:lnL w="12700" cap="flat" cmpd="sng" algn="ctr">
+                      <a:noFill/>
+                      <a:prstDash val="solid"/>
+                      <a:round/>
+                      <a:headEnd type="none" w="med" len="med"/>
+                      <a:tailEnd type="none" w="med" len="med"/>
+                    </a:lnL>
+                    <a:lnR w="12700" cap="flat" cmpd="sng" algn="ctr">
+                      <a:noFill/>
+                      <a:prstDash val="solid"/>
+                      <a:round/>
+                      <a:headEnd type="none" w="med" len="med"/>
+                      <a:tailEnd type="none" w="med" len="med"/>
+                    </a:lnR>
+                    <a:lnT w="12700" cap="flat" cmpd="sng" algn="ctr">
+                      <a:solidFill>
+                        <a:schemeClr val="tx1"/>
+                      </a:solidFill>
+                      <a:prstDash val="solid"/>
+                      <a:round/>
+                      <a:headEnd type="none" w="med" len="med"/>
+                      <a:tailEnd type="none" w="med" len="med"/>
+                    </a:lnT>
+                    <a:lnB w="12700" cap="flat" cmpd="sng" algn="ctr">
+                      <a:solidFill>
+                        <a:schemeClr val="tx1"/>
+                      </a:solidFill>
+                      <a:prstDash val="solid"/>
+                      <a:round/>
+                      <a:headEnd type="none" w="med" len="med"/>
+                      <a:tailEnd type="none" w="med" len="med"/>
+                    </a:lnB>
+                    <a:lnTlToBr w="12700" cmpd="sng">
+                      <a:noFill/>
+                      <a:prstDash val="solid"/>
+                    </a:lnTlToBr>
+                    <a:lnBlToTr w="12700" cmpd="sng">
+                      <a:noFill/>
+                      <a:prstDash val="solid"/>
+                    </a:lnBlToTr>
+                    <a:noFill/>
+                  </a:tcPr>
+                </a:tc>
+              </a:tr>
+              <a:tr h="601488">
+                <a:tc>
+                  <a:txBody>
+                    <a:bodyPr/>
+                    <a:lstStyle/>
+                    <a:p>
+                      <a:pPr>
+                        <a:lnSpc>
+                          <a:spcPct val="115000"/>
+                        </a:lnSpc>
+                        <a:spcAft>
+                          <a:spcPts val="1000"/>
+                        </a:spcAft>
+                      </a:pPr>
+                      <a:r>
+                        <a:rPr lang="en-US" sz="1400" dirty="0" err="1">
+                          <a:effectLst/>
+                        </a:rPr>
+                        <a:t>EquiZip</a:t>
+                      </a:r>
+                      <a:endParaRPr lang="en-US" sz="1400" dirty="0">
+                        <a:effectLst/>
+                        <a:latin typeface="Calibri"/>
+                        <a:ea typeface="Calibri"/>
+                        <a:cs typeface="Times New Roman"/>
+                      </a:endParaRPr>
+                    </a:p>
+                  </a:txBody>
+                  <a:tcPr marL="594" marR="594" marT="594" marB="594" anchor="ctr">
+                    <a:lnL w="12700" cap="flat" cmpd="sng" algn="ctr">
+                      <a:noFill/>
+                      <a:prstDash val="solid"/>
+                      <a:round/>
+                      <a:headEnd type="none" w="med" len="med"/>
+                      <a:tailEnd type="none" w="med" len="med"/>
+                    </a:lnL>
+                    <a:lnR w="12700" cap="flat" cmpd="sng" algn="ctr">
+                      <a:noFill/>
+                      <a:prstDash val="solid"/>
+                      <a:round/>
+                      <a:headEnd type="none" w="med" len="med"/>
+                      <a:tailEnd type="none" w="med" len="med"/>
+                    </a:lnR>
+                    <a:lnT w="12700" cap="flat" cmpd="sng" algn="ctr">
+                      <a:solidFill>
+                        <a:schemeClr val="tx1"/>
+                      </a:solidFill>
+                      <a:prstDash val="solid"/>
+                      <a:round/>
+                      <a:headEnd type="none" w="med" len="med"/>
+                      <a:tailEnd type="none" w="med" len="med"/>
+                    </a:lnT>
+                    <a:lnB w="12700" cap="flat" cmpd="sng" algn="ctr">
+                      <a:solidFill>
+                        <a:schemeClr val="tx1"/>
+                      </a:solidFill>
+                      <a:prstDash val="solid"/>
+                      <a:round/>
+                      <a:headEnd type="none" w="med" len="med"/>
+                      <a:tailEnd type="none" w="med" len="med"/>
+                    </a:lnB>
+                    <a:lnTlToBr w="12700" cmpd="sng">
+                      <a:noFill/>
+                      <a:prstDash val="solid"/>
+                    </a:lnTlToBr>
+                    <a:lnBlToTr w="12700" cmpd="sng">
+                      <a:noFill/>
+                      <a:prstDash val="solid"/>
+                    </a:lnBlToTr>
+                    <a:noFill/>
+                  </a:tcPr>
+                </a:tc>
+                <a:tc>
+                  <a:txBody>
+                    <a:bodyPr/>
+                    <a:lstStyle/>
+                    <a:p>
+                      <a:pPr>
+                        <a:lnSpc>
+                          <a:spcPct val="115000"/>
+                        </a:lnSpc>
+                        <a:spcAft>
+                          <a:spcPts val="1000"/>
+                        </a:spcAft>
+                      </a:pPr>
+                      <a:r>
+                        <a:rPr lang="ru-RU" sz="1400" dirty="0" smtClean="0">
+                          <a:effectLst/>
+                        </a:rPr>
+                        <a:t>Создает </a:t>
+                      </a:r>
+                      <a:r>
+                        <a:rPr lang="ru-RU" sz="1400" dirty="0">
+                          <a:effectLst/>
+                        </a:rPr>
+                        <a:t>новую последовательность, где каждый элемент создается на основе соответствующих элементов исходных последовательностей</a:t>
+                      </a:r>
+                      <a:r>
+                        <a:rPr lang="ru-RU" sz="1400" dirty="0" smtClean="0">
+                          <a:effectLst/>
+                        </a:rPr>
+                        <a:t>.</a:t>
+                      </a:r>
+                      <a:endParaRPr lang="en-US" sz="1400" dirty="0">
+                        <a:effectLst/>
+                        <a:latin typeface="Calibri"/>
+                        <a:ea typeface="Calibri"/>
+                        <a:cs typeface="Times New Roman"/>
+                      </a:endParaRPr>
+                    </a:p>
+                  </a:txBody>
+                  <a:tcPr marL="594" marR="594" marT="594" marB="594" anchor="ctr">
+                    <a:lnL w="12700" cap="flat" cmpd="sng" algn="ctr">
+                      <a:noFill/>
+                      <a:prstDash val="solid"/>
+                      <a:round/>
+                      <a:headEnd type="none" w="med" len="med"/>
+                      <a:tailEnd type="none" w="med" len="med"/>
+                    </a:lnL>
+                    <a:lnR w="12700" cap="flat" cmpd="sng" algn="ctr">
+                      <a:noFill/>
+                      <a:prstDash val="solid"/>
+                      <a:round/>
+                      <a:headEnd type="none" w="med" len="med"/>
+                      <a:tailEnd type="none" w="med" len="med"/>
+                    </a:lnR>
+                    <a:lnT w="12700" cap="flat" cmpd="sng" algn="ctr">
+                      <a:solidFill>
+                        <a:schemeClr val="tx1"/>
+                      </a:solidFill>
+                      <a:prstDash val="solid"/>
+                      <a:round/>
+                      <a:headEnd type="none" w="med" len="med"/>
+                      <a:tailEnd type="none" w="med" len="med"/>
+                    </a:lnT>
+                    <a:lnB w="12700" cap="flat" cmpd="sng" algn="ctr">
+                      <a:solidFill>
+                        <a:schemeClr val="tx1"/>
+                      </a:solidFill>
+                      <a:prstDash val="solid"/>
+                      <a:round/>
+                      <a:headEnd type="none" w="med" len="med"/>
+                      <a:tailEnd type="none" w="med" len="med"/>
+                    </a:lnB>
+                    <a:lnTlToBr w="12700" cmpd="sng">
+                      <a:noFill/>
+                      <a:prstDash val="solid"/>
+                    </a:lnTlToBr>
+                    <a:lnBlToTr w="12700" cmpd="sng">
+                      <a:noFill/>
+                      <a:prstDash val="solid"/>
+                    </a:lnBlToTr>
+                    <a:noFill/>
+                  </a:tcPr>
+                </a:tc>
+              </a:tr>
+              <a:tr h="349818">
+                <a:tc>
+                  <a:txBody>
+                    <a:bodyPr/>
+                    <a:lstStyle/>
+                    <a:p>
+                      <a:pPr>
+                        <a:lnSpc>
+                          <a:spcPct val="115000"/>
+                        </a:lnSpc>
+                        <a:spcAft>
+                          <a:spcPts val="1000"/>
+                        </a:spcAft>
+                      </a:pPr>
+                      <a:r>
+                        <a:rPr lang="en-US" sz="1400" dirty="0" err="1">
+                          <a:effectLst/>
+                        </a:rPr>
+                        <a:t>ExceptBy</a:t>
+                      </a:r>
+                      <a:endParaRPr lang="en-US" sz="1400" dirty="0">
+                        <a:effectLst/>
+                        <a:latin typeface="Calibri"/>
+                        <a:ea typeface="Calibri"/>
+                        <a:cs typeface="Times New Roman"/>
+                      </a:endParaRPr>
+                    </a:p>
+                  </a:txBody>
+                  <a:tcPr marL="594" marR="594" marT="594" marB="594" anchor="ctr">
+                    <a:lnL w="12700" cap="flat" cmpd="sng" algn="ctr">
+                      <a:noFill/>
+                      <a:prstDash val="solid"/>
+                      <a:round/>
+                      <a:headEnd type="none" w="med" len="med"/>
+                      <a:tailEnd type="none" w="med" len="med"/>
+                    </a:lnL>
+                    <a:lnR w="12700" cap="flat" cmpd="sng" algn="ctr">
+                      <a:noFill/>
+                      <a:prstDash val="solid"/>
+                      <a:round/>
+                      <a:headEnd type="none" w="med" len="med"/>
+                      <a:tailEnd type="none" w="med" len="med"/>
+                    </a:lnR>
+                    <a:lnT w="12700" cap="flat" cmpd="sng" algn="ctr">
+                      <a:solidFill>
+                        <a:schemeClr val="tx1"/>
+                      </a:solidFill>
+                      <a:prstDash val="solid"/>
+                      <a:round/>
+                      <a:headEnd type="none" w="med" len="med"/>
+                      <a:tailEnd type="none" w="med" len="med"/>
+                    </a:lnT>
+                    <a:lnB w="12700" cap="flat" cmpd="sng" algn="ctr">
+                      <a:solidFill>
+                        <a:schemeClr val="tx1"/>
+                      </a:solidFill>
+                      <a:prstDash val="solid"/>
+                      <a:round/>
+                      <a:headEnd type="none" w="med" len="med"/>
+                      <a:tailEnd type="none" w="med" len="med"/>
+                    </a:lnB>
+                    <a:lnTlToBr w="12700" cmpd="sng">
+                      <a:noFill/>
+                      <a:prstDash val="solid"/>
+                    </a:lnTlToBr>
+                    <a:lnBlToTr w="12700" cmpd="sng">
+                      <a:noFill/>
+                      <a:prstDash val="solid"/>
+                    </a:lnBlToTr>
+                    <a:noFill/>
+                  </a:tcPr>
+                </a:tc>
+                <a:tc>
+                  <a:txBody>
+                    <a:bodyPr/>
+                    <a:lstStyle/>
+                    <a:p>
+                      <a:pPr>
+                        <a:lnSpc>
+                          <a:spcPct val="115000"/>
+                        </a:lnSpc>
+                        <a:spcAft>
+                          <a:spcPts val="1000"/>
+                        </a:spcAft>
+                      </a:pPr>
+                      <a:r>
+                        <a:rPr lang="ru-RU" sz="1400" dirty="0">
+                          <a:effectLst/>
+                        </a:rPr>
+                        <a:t>Возвращает элементы первой последовательности, которые не содержатся во второй (по заданному критерию).</a:t>
+                      </a:r>
+                      <a:endParaRPr lang="en-US" sz="1400" dirty="0">
+                        <a:effectLst/>
+                        <a:latin typeface="Calibri"/>
+                        <a:ea typeface="Calibri"/>
+                        <a:cs typeface="Times New Roman"/>
+                      </a:endParaRPr>
+                    </a:p>
+                  </a:txBody>
+                  <a:tcPr marL="594" marR="594" marT="594" marB="594" anchor="ctr">
+                    <a:lnL w="12700" cap="flat" cmpd="sng" algn="ctr">
+                      <a:noFill/>
+                      <a:prstDash val="solid"/>
+                      <a:round/>
+                      <a:headEnd type="none" w="med" len="med"/>
+                      <a:tailEnd type="none" w="med" len="med"/>
+                    </a:lnL>
+                    <a:lnR w="12700" cap="flat" cmpd="sng" algn="ctr">
+                      <a:noFill/>
+                      <a:prstDash val="solid"/>
+                      <a:round/>
+                      <a:headEnd type="none" w="med" len="med"/>
+                      <a:tailEnd type="none" w="med" len="med"/>
+                    </a:lnR>
+                    <a:lnT w="12700" cap="flat" cmpd="sng" algn="ctr">
+                      <a:solidFill>
+                        <a:schemeClr val="tx1"/>
+                      </a:solidFill>
+                      <a:prstDash val="solid"/>
+                      <a:round/>
+                      <a:headEnd type="none" w="med" len="med"/>
+                      <a:tailEnd type="none" w="med" len="med"/>
+                    </a:lnT>
+                    <a:lnB w="12700" cap="flat" cmpd="sng" algn="ctr">
+                      <a:solidFill>
+                        <a:schemeClr val="tx1"/>
+                      </a:solidFill>
+                      <a:prstDash val="solid"/>
+                      <a:round/>
+                      <a:headEnd type="none" w="med" len="med"/>
+                      <a:tailEnd type="none" w="med" len="med"/>
+                    </a:lnB>
+                    <a:lnTlToBr w="12700" cmpd="sng">
+                      <a:noFill/>
+                      <a:prstDash val="solid"/>
+                    </a:lnTlToBr>
+                    <a:lnBlToTr w="12700" cmpd="sng">
+                      <a:noFill/>
+                      <a:prstDash val="solid"/>
+                    </a:lnBlToTr>
+                    <a:noFill/>
+                  </a:tcPr>
+                </a:tc>
+              </a:tr>
+              <a:tr h="193535">
+                <a:tc>
+                  <a:txBody>
+                    <a:bodyPr/>
+                    <a:lstStyle/>
+                    <a:p>
+                      <a:pPr>
+                        <a:lnSpc>
+                          <a:spcPct val="115000"/>
+                        </a:lnSpc>
+                        <a:spcAft>
+                          <a:spcPts val="1000"/>
+                        </a:spcAft>
+                      </a:pPr>
+                      <a:r>
+                        <a:rPr lang="en-US" sz="1400" dirty="0" err="1">
+                          <a:effectLst/>
+                        </a:rPr>
+                        <a:t>ForEach</a:t>
+                      </a:r>
+                      <a:endParaRPr lang="en-US" sz="1400" dirty="0">
+                        <a:effectLst/>
+                        <a:latin typeface="Calibri"/>
+                        <a:ea typeface="Calibri"/>
+                        <a:cs typeface="Times New Roman"/>
+                      </a:endParaRPr>
+                    </a:p>
+                  </a:txBody>
+                  <a:tcPr marL="594" marR="594" marT="594" marB="594" anchor="ctr">
+                    <a:lnL w="12700" cap="flat" cmpd="sng" algn="ctr">
+                      <a:noFill/>
+                      <a:prstDash val="solid"/>
+                      <a:round/>
+                      <a:headEnd type="none" w="med" len="med"/>
+                      <a:tailEnd type="none" w="med" len="med"/>
+                    </a:lnL>
+                    <a:lnR w="12700" cap="flat" cmpd="sng" algn="ctr">
+                      <a:noFill/>
+                      <a:prstDash val="solid"/>
+                      <a:round/>
+                      <a:headEnd type="none" w="med" len="med"/>
+                      <a:tailEnd type="none" w="med" len="med"/>
+                    </a:lnR>
+                    <a:lnT w="12700" cap="flat" cmpd="sng" algn="ctr">
+                      <a:solidFill>
+                        <a:schemeClr val="tx1"/>
+                      </a:solidFill>
+                      <a:prstDash val="solid"/>
+                      <a:round/>
+                      <a:headEnd type="none" w="med" len="med"/>
+                      <a:tailEnd type="none" w="med" len="med"/>
+                    </a:lnT>
+                    <a:lnB w="12700" cap="flat" cmpd="sng" algn="ctr">
+                      <a:solidFill>
+                        <a:schemeClr val="tx1"/>
+                      </a:solidFill>
+                      <a:prstDash val="solid"/>
+                      <a:round/>
+                      <a:headEnd type="none" w="med" len="med"/>
+                      <a:tailEnd type="none" w="med" len="med"/>
+                    </a:lnB>
+                    <a:lnTlToBr w="12700" cmpd="sng">
+                      <a:noFill/>
+                      <a:prstDash val="solid"/>
+                    </a:lnTlToBr>
+                    <a:lnBlToTr w="12700" cmpd="sng">
+                      <a:noFill/>
+                      <a:prstDash val="solid"/>
+                    </a:lnBlToTr>
+                    <a:noFill/>
+                  </a:tcPr>
+                </a:tc>
+                <a:tc>
+                  <a:txBody>
+                    <a:bodyPr/>
+                    <a:lstStyle/>
+                    <a:p>
+                      <a:pPr>
+                        <a:lnSpc>
+                          <a:spcPct val="115000"/>
+                        </a:lnSpc>
+                        <a:spcAft>
+                          <a:spcPts val="1000"/>
+                        </a:spcAft>
+                      </a:pPr>
+                      <a:r>
+                        <a:rPr lang="ru-RU" sz="1400" dirty="0">
+                          <a:effectLst/>
+                        </a:rPr>
+                        <a:t>Выполняет действие над каждым элементом последовательности.</a:t>
+                      </a:r>
+                      <a:endParaRPr lang="en-US" sz="1400" dirty="0">
+                        <a:effectLst/>
+                        <a:latin typeface="Calibri"/>
+                        <a:ea typeface="Calibri"/>
+                        <a:cs typeface="Times New Roman"/>
+                      </a:endParaRPr>
+                    </a:p>
+                  </a:txBody>
+                  <a:tcPr marL="594" marR="594" marT="594" marB="594" anchor="ctr">
+                    <a:lnL w="12700" cap="flat" cmpd="sng" algn="ctr">
+                      <a:noFill/>
+                      <a:prstDash val="solid"/>
+                      <a:round/>
+                      <a:headEnd type="none" w="med" len="med"/>
+                      <a:tailEnd type="none" w="med" len="med"/>
+                    </a:lnL>
+                    <a:lnR w="12700" cap="flat" cmpd="sng" algn="ctr">
+                      <a:noFill/>
+                      <a:prstDash val="solid"/>
+                      <a:round/>
+                      <a:headEnd type="none" w="med" len="med"/>
+                      <a:tailEnd type="none" w="med" len="med"/>
+                    </a:lnR>
+                    <a:lnT w="12700" cap="flat" cmpd="sng" algn="ctr">
+                      <a:solidFill>
+                        <a:schemeClr val="tx1"/>
+                      </a:solidFill>
+                      <a:prstDash val="solid"/>
+                      <a:round/>
+                      <a:headEnd type="none" w="med" len="med"/>
+                      <a:tailEnd type="none" w="med" len="med"/>
+                    </a:lnT>
+                    <a:lnB w="12700" cap="flat" cmpd="sng" algn="ctr">
+                      <a:solidFill>
+                        <a:schemeClr val="tx1"/>
+                      </a:solidFill>
+                      <a:prstDash val="solid"/>
+                      <a:round/>
+                      <a:headEnd type="none" w="med" len="med"/>
+                      <a:tailEnd type="none" w="med" len="med"/>
+                    </a:lnB>
+                    <a:lnTlToBr w="12700" cmpd="sng">
+                      <a:noFill/>
+                      <a:prstDash val="solid"/>
+                    </a:lnTlToBr>
+                    <a:lnBlToTr w="12700" cmpd="sng">
+                      <a:noFill/>
+                      <a:prstDash val="solid"/>
+                    </a:lnBlToTr>
+                    <a:noFill/>
+                  </a:tcPr>
+                </a:tc>
+              </a:tr>
+              <a:tr h="253644">
+                <a:tc>
+                  <a:txBody>
+                    <a:bodyPr/>
+                    <a:lstStyle/>
+                    <a:p>
+                      <a:pPr>
+                        <a:lnSpc>
+                          <a:spcPct val="115000"/>
+                        </a:lnSpc>
+                        <a:spcAft>
+                          <a:spcPts val="1000"/>
+                        </a:spcAft>
+                      </a:pPr>
+                      <a:r>
+                        <a:rPr lang="en-US" sz="1400" dirty="0">
+                          <a:effectLst/>
+                        </a:rPr>
+                        <a:t>Generate</a:t>
+                      </a:r>
+                      <a:endParaRPr lang="en-US" sz="1400" dirty="0">
+                        <a:effectLst/>
+                        <a:latin typeface="Calibri"/>
+                        <a:ea typeface="Calibri"/>
+                        <a:cs typeface="Times New Roman"/>
+                      </a:endParaRPr>
+                    </a:p>
+                  </a:txBody>
+                  <a:tcPr marL="594" marR="594" marT="594" marB="594" anchor="ctr">
+                    <a:lnL w="12700" cap="flat" cmpd="sng" algn="ctr">
+                      <a:noFill/>
+                      <a:prstDash val="solid"/>
+                      <a:round/>
+                      <a:headEnd type="none" w="med" len="med"/>
+                      <a:tailEnd type="none" w="med" len="med"/>
+                    </a:lnL>
+                    <a:lnR w="12700" cap="flat" cmpd="sng" algn="ctr">
+                      <a:noFill/>
+                      <a:prstDash val="solid"/>
+                      <a:round/>
+                      <a:headEnd type="none" w="med" len="med"/>
+                      <a:tailEnd type="none" w="med" len="med"/>
+                    </a:lnR>
+                    <a:lnT w="12700" cap="flat" cmpd="sng" algn="ctr">
+                      <a:solidFill>
+                        <a:schemeClr val="tx1"/>
+                      </a:solidFill>
+                      <a:prstDash val="solid"/>
+                      <a:round/>
+                      <a:headEnd type="none" w="med" len="med"/>
+                      <a:tailEnd type="none" w="med" len="med"/>
+                    </a:lnT>
+                    <a:lnB w="12700" cap="flat" cmpd="sng" algn="ctr">
+                      <a:solidFill>
+                        <a:schemeClr val="tx1"/>
+                      </a:solidFill>
+                      <a:prstDash val="solid"/>
+                      <a:round/>
+                      <a:headEnd type="none" w="med" len="med"/>
+                      <a:tailEnd type="none" w="med" len="med"/>
+                    </a:lnB>
+                    <a:lnTlToBr w="12700" cmpd="sng">
+                      <a:noFill/>
+                      <a:prstDash val="solid"/>
+                    </a:lnTlToBr>
+                    <a:lnBlToTr w="12700" cmpd="sng">
+                      <a:noFill/>
+                      <a:prstDash val="solid"/>
+                    </a:lnBlToTr>
+                    <a:noFill/>
+                  </a:tcPr>
+                </a:tc>
+                <a:tc>
+                  <a:txBody>
+                    <a:bodyPr/>
+                    <a:lstStyle/>
+                    <a:p>
+                      <a:pPr>
+                        <a:lnSpc>
+                          <a:spcPct val="115000"/>
+                        </a:lnSpc>
+                        <a:spcAft>
+                          <a:spcPts val="1000"/>
+                        </a:spcAft>
+                      </a:pPr>
+                      <a:r>
+                        <a:rPr lang="ru-RU" sz="1400" dirty="0">
+                          <a:effectLst/>
+                        </a:rPr>
+                        <a:t>Генерирует последовательности по начальному элементу и функции-генератору.</a:t>
+                      </a:r>
+                      <a:endParaRPr lang="en-US" sz="1400" dirty="0">
+                        <a:effectLst/>
+                        <a:latin typeface="Calibri"/>
+                        <a:ea typeface="Calibri"/>
+                        <a:cs typeface="Times New Roman"/>
+                      </a:endParaRPr>
+                    </a:p>
+                  </a:txBody>
+                  <a:tcPr marL="594" marR="594" marT="594" marB="594" anchor="ctr">
+                    <a:lnL w="12700" cap="flat" cmpd="sng" algn="ctr">
+                      <a:noFill/>
+                      <a:prstDash val="solid"/>
+                      <a:round/>
+                      <a:headEnd type="none" w="med" len="med"/>
+                      <a:tailEnd type="none" w="med" len="med"/>
+                    </a:lnL>
+                    <a:lnR w="12700" cap="flat" cmpd="sng" algn="ctr">
+                      <a:noFill/>
+                      <a:prstDash val="solid"/>
+                      <a:round/>
+                      <a:headEnd type="none" w="med" len="med"/>
+                      <a:tailEnd type="none" w="med" len="med"/>
+                    </a:lnR>
+                    <a:lnT w="12700" cap="flat" cmpd="sng" algn="ctr">
+                      <a:solidFill>
+                        <a:schemeClr val="tx1"/>
+                      </a:solidFill>
+                      <a:prstDash val="solid"/>
+                      <a:round/>
+                      <a:headEnd type="none" w="med" len="med"/>
+                      <a:tailEnd type="none" w="med" len="med"/>
+                    </a:lnT>
+                    <a:lnB w="12700" cap="flat" cmpd="sng" algn="ctr">
+                      <a:solidFill>
+                        <a:schemeClr val="tx1"/>
+                      </a:solidFill>
+                      <a:prstDash val="solid"/>
+                      <a:round/>
+                      <a:headEnd type="none" w="med" len="med"/>
+                      <a:tailEnd type="none" w="med" len="med"/>
+                    </a:lnB>
+                    <a:lnTlToBr w="12700" cmpd="sng">
+                      <a:noFill/>
+                      <a:prstDash val="solid"/>
+                    </a:lnTlToBr>
+                    <a:lnBlToTr w="12700" cmpd="sng">
+                      <a:noFill/>
+                      <a:prstDash val="solid"/>
+                    </a:lnBlToTr>
+                    <a:noFill/>
+                  </a:tcPr>
+                </a:tc>
+              </a:tr>
+              <a:tr h="181514">
+                <a:tc>
+                  <a:txBody>
+                    <a:bodyPr/>
+                    <a:lstStyle/>
+                    <a:p>
+                      <a:pPr>
+                        <a:lnSpc>
+                          <a:spcPct val="115000"/>
+                        </a:lnSpc>
+                        <a:spcAft>
+                          <a:spcPts val="1000"/>
+                        </a:spcAft>
+                      </a:pPr>
+                      <a:r>
+                        <a:rPr lang="en-US" sz="1400" dirty="0" err="1">
+                          <a:effectLst/>
+                        </a:rPr>
+                        <a:t>GenerateByIndex</a:t>
+                      </a:r>
+                      <a:endParaRPr lang="en-US" sz="1400" dirty="0">
+                        <a:effectLst/>
+                        <a:latin typeface="Calibri"/>
+                        <a:ea typeface="Calibri"/>
+                        <a:cs typeface="Times New Roman"/>
+                      </a:endParaRPr>
+                    </a:p>
+                  </a:txBody>
+                  <a:tcPr marL="594" marR="594" marT="594" marB="594" anchor="ctr">
+                    <a:lnL w="12700" cap="flat" cmpd="sng" algn="ctr">
+                      <a:noFill/>
+                      <a:prstDash val="solid"/>
+                      <a:round/>
+                      <a:headEnd type="none" w="med" len="med"/>
+                      <a:tailEnd type="none" w="med" len="med"/>
+                    </a:lnL>
+                    <a:lnR w="12700" cap="flat" cmpd="sng" algn="ctr">
+                      <a:noFill/>
+                      <a:prstDash val="solid"/>
+                      <a:round/>
+                      <a:headEnd type="none" w="med" len="med"/>
+                      <a:tailEnd type="none" w="med" len="med"/>
+                    </a:lnR>
+                    <a:lnT w="12700" cap="flat" cmpd="sng" algn="ctr">
+                      <a:solidFill>
+                        <a:schemeClr val="tx1"/>
+                      </a:solidFill>
+                      <a:prstDash val="solid"/>
+                      <a:round/>
+                      <a:headEnd type="none" w="med" len="med"/>
+                      <a:tailEnd type="none" w="med" len="med"/>
+                    </a:lnT>
+                    <a:lnB w="12700" cap="flat" cmpd="sng" algn="ctr">
+                      <a:solidFill>
+                        <a:schemeClr val="tx1"/>
+                      </a:solidFill>
+                      <a:prstDash val="solid"/>
+                      <a:round/>
+                      <a:headEnd type="none" w="med" len="med"/>
+                      <a:tailEnd type="none" w="med" len="med"/>
+                    </a:lnB>
+                    <a:lnTlToBr w="12700" cmpd="sng">
+                      <a:noFill/>
+                      <a:prstDash val="solid"/>
+                    </a:lnTlToBr>
+                    <a:lnBlToTr w="12700" cmpd="sng">
+                      <a:noFill/>
+                      <a:prstDash val="solid"/>
+                    </a:lnBlToTr>
+                    <a:noFill/>
+                  </a:tcPr>
+                </a:tc>
+                <a:tc>
+                  <a:txBody>
+                    <a:bodyPr/>
+                    <a:lstStyle/>
+                    <a:p>
+                      <a:pPr>
+                        <a:lnSpc>
+                          <a:spcPct val="115000"/>
+                        </a:lnSpc>
+                        <a:spcAft>
+                          <a:spcPts val="1000"/>
+                        </a:spcAft>
+                      </a:pPr>
+                      <a:r>
+                        <a:rPr lang="ru-RU" sz="1400" dirty="0">
+                          <a:effectLst/>
+                        </a:rPr>
+                        <a:t>Генерирует последовательность по индексам элементов.</a:t>
+                      </a:r>
+                      <a:endParaRPr lang="en-US" sz="1400" dirty="0">
+                        <a:effectLst/>
+                        <a:latin typeface="Calibri"/>
+                        <a:ea typeface="Calibri"/>
+                        <a:cs typeface="Times New Roman"/>
+                      </a:endParaRPr>
+                    </a:p>
+                  </a:txBody>
+                  <a:tcPr marL="594" marR="594" marT="594" marB="594" anchor="ctr">
+                    <a:lnL w="12700" cap="flat" cmpd="sng" algn="ctr">
+                      <a:noFill/>
+                      <a:prstDash val="solid"/>
+                      <a:round/>
+                      <a:headEnd type="none" w="med" len="med"/>
+                      <a:tailEnd type="none" w="med" len="med"/>
+                    </a:lnL>
+                    <a:lnR w="12700" cap="flat" cmpd="sng" algn="ctr">
+                      <a:noFill/>
+                      <a:prstDash val="solid"/>
+                      <a:round/>
+                      <a:headEnd type="none" w="med" len="med"/>
+                      <a:tailEnd type="none" w="med" len="med"/>
+                    </a:lnR>
+                    <a:lnT w="12700" cap="flat" cmpd="sng" algn="ctr">
+                      <a:solidFill>
+                        <a:schemeClr val="tx1"/>
+                      </a:solidFill>
+                      <a:prstDash val="solid"/>
+                      <a:round/>
+                      <a:headEnd type="none" w="med" len="med"/>
+                      <a:tailEnd type="none" w="med" len="med"/>
+                    </a:lnT>
+                    <a:lnB w="12700" cap="flat" cmpd="sng" algn="ctr">
+                      <a:solidFill>
+                        <a:schemeClr val="tx1"/>
+                      </a:solidFill>
+                      <a:prstDash val="solid"/>
+                      <a:round/>
+                      <a:headEnd type="none" w="med" len="med"/>
+                      <a:tailEnd type="none" w="med" len="med"/>
+                    </a:lnB>
+                    <a:lnTlToBr w="12700" cmpd="sng">
+                      <a:noFill/>
+                      <a:prstDash val="solid"/>
+                    </a:lnTlToBr>
+                    <a:lnBlToTr w="12700" cmpd="sng">
+                      <a:noFill/>
+                      <a:prstDash val="solid"/>
+                    </a:lnBlToTr>
+                    <a:noFill/>
+                  </a:tcPr>
+                </a:tc>
+              </a:tr>
+              <a:tr h="241622">
+                <a:tc>
+                  <a:txBody>
+                    <a:bodyPr/>
+                    <a:lstStyle/>
+                    <a:p>
+                      <a:pPr>
+                        <a:lnSpc>
+                          <a:spcPct val="115000"/>
+                        </a:lnSpc>
+                        <a:spcAft>
+                          <a:spcPts val="1000"/>
+                        </a:spcAft>
+                      </a:pPr>
+                      <a:r>
+                        <a:rPr lang="en-US" sz="1400" dirty="0" err="1">
+                          <a:effectLst/>
+                        </a:rPr>
+                        <a:t>GroupAdjacent</a:t>
+                      </a:r>
+                      <a:endParaRPr lang="en-US" sz="1400" dirty="0">
+                        <a:effectLst/>
+                        <a:latin typeface="Calibri"/>
+                        <a:ea typeface="Calibri"/>
+                        <a:cs typeface="Times New Roman"/>
+                      </a:endParaRPr>
+                    </a:p>
+                  </a:txBody>
+                  <a:tcPr marL="594" marR="594" marT="594" marB="594" anchor="ctr">
+                    <a:lnL w="12700" cap="flat" cmpd="sng" algn="ctr">
+                      <a:noFill/>
+                      <a:prstDash val="solid"/>
+                      <a:round/>
+                      <a:headEnd type="none" w="med" len="med"/>
+                      <a:tailEnd type="none" w="med" len="med"/>
+                    </a:lnL>
+                    <a:lnR w="12700" cap="flat" cmpd="sng" algn="ctr">
+                      <a:noFill/>
+                      <a:prstDash val="solid"/>
+                      <a:round/>
+                      <a:headEnd type="none" w="med" len="med"/>
+                      <a:tailEnd type="none" w="med" len="med"/>
+                    </a:lnR>
+                    <a:lnT w="12700" cap="flat" cmpd="sng" algn="ctr">
+                      <a:solidFill>
+                        <a:schemeClr val="tx1"/>
+                      </a:solidFill>
+                      <a:prstDash val="solid"/>
+                      <a:round/>
+                      <a:headEnd type="none" w="med" len="med"/>
+                      <a:tailEnd type="none" w="med" len="med"/>
+                    </a:lnT>
+                    <a:lnB w="12700" cap="flat" cmpd="sng" algn="ctr">
+                      <a:solidFill>
+                        <a:schemeClr val="tx1"/>
+                      </a:solidFill>
+                      <a:prstDash val="solid"/>
+                      <a:round/>
+                      <a:headEnd type="none" w="med" len="med"/>
+                      <a:tailEnd type="none" w="med" len="med"/>
+                    </a:lnB>
+                    <a:lnTlToBr w="12700" cmpd="sng">
+                      <a:noFill/>
+                      <a:prstDash val="solid"/>
+                    </a:lnTlToBr>
+                    <a:lnBlToTr w="12700" cmpd="sng">
+                      <a:noFill/>
+                      <a:prstDash val="solid"/>
+                    </a:lnBlToTr>
+                    <a:noFill/>
+                  </a:tcPr>
+                </a:tc>
+                <a:tc>
+                  <a:txBody>
+                    <a:bodyPr/>
+                    <a:lstStyle/>
+                    <a:p>
+                      <a:pPr>
+                        <a:lnSpc>
+                          <a:spcPct val="115000"/>
+                        </a:lnSpc>
+                        <a:spcAft>
+                          <a:spcPts val="1000"/>
+                        </a:spcAft>
+                      </a:pPr>
+                      <a:r>
+                        <a:rPr lang="ru-RU" sz="1400" dirty="0">
+                          <a:effectLst/>
+                        </a:rPr>
+                        <a:t>Подобен </a:t>
+                      </a:r>
+                      <a:r>
+                        <a:rPr lang="en-US" sz="1400" dirty="0" err="1">
+                          <a:effectLst/>
+                        </a:rPr>
+                        <a:t>GroupBy</a:t>
+                      </a:r>
+                      <a:r>
+                        <a:rPr lang="ru-RU" sz="1400" dirty="0">
+                          <a:effectLst/>
+                        </a:rPr>
+                        <a:t>, но в группу попадают только идущие подряд элементы.</a:t>
+                      </a:r>
+                      <a:endParaRPr lang="en-US" sz="1400" dirty="0">
+                        <a:effectLst/>
+                        <a:latin typeface="Calibri"/>
+                        <a:ea typeface="Calibri"/>
+                        <a:cs typeface="Times New Roman"/>
+                      </a:endParaRPr>
+                    </a:p>
+                  </a:txBody>
+                  <a:tcPr marL="594" marR="594" marT="594" marB="594" anchor="ctr">
+                    <a:lnL w="12700" cap="flat" cmpd="sng" algn="ctr">
+                      <a:noFill/>
+                      <a:prstDash val="solid"/>
+                      <a:round/>
+                      <a:headEnd type="none" w="med" len="med"/>
+                      <a:tailEnd type="none" w="med" len="med"/>
+                    </a:lnL>
+                    <a:lnR w="12700" cap="flat" cmpd="sng" algn="ctr">
+                      <a:noFill/>
+                      <a:prstDash val="solid"/>
+                      <a:round/>
+                      <a:headEnd type="none" w="med" len="med"/>
+                      <a:tailEnd type="none" w="med" len="med"/>
+                    </a:lnR>
+                    <a:lnT w="12700" cap="flat" cmpd="sng" algn="ctr">
+                      <a:solidFill>
+                        <a:schemeClr val="tx1"/>
+                      </a:solidFill>
+                      <a:prstDash val="solid"/>
+                      <a:round/>
+                      <a:headEnd type="none" w="med" len="med"/>
+                      <a:tailEnd type="none" w="med" len="med"/>
+                    </a:lnT>
+                    <a:lnB w="12700" cap="flat" cmpd="sng" algn="ctr">
+                      <a:solidFill>
+                        <a:schemeClr val="tx1"/>
+                      </a:solidFill>
+                      <a:prstDash val="solid"/>
+                      <a:round/>
+                      <a:headEnd type="none" w="med" len="med"/>
+                      <a:tailEnd type="none" w="med" len="med"/>
+                    </a:lnB>
+                    <a:lnTlToBr w="12700" cmpd="sng">
+                      <a:noFill/>
+                      <a:prstDash val="solid"/>
+                    </a:lnTlToBr>
+                    <a:lnBlToTr w="12700" cmpd="sng">
+                      <a:noFill/>
+                      <a:prstDash val="solid"/>
+                    </a:lnBlToTr>
+                    <a:noFill/>
+                  </a:tcPr>
+                </a:tc>
+              </a:tr>
+              <a:tr h="169492">
+                <a:tc>
+                  <a:txBody>
+                    <a:bodyPr/>
+                    <a:lstStyle/>
+                    <a:p>
+                      <a:pPr>
+                        <a:lnSpc>
+                          <a:spcPct val="115000"/>
+                        </a:lnSpc>
+                        <a:spcAft>
+                          <a:spcPts val="1000"/>
+                        </a:spcAft>
+                      </a:pPr>
+                      <a:r>
+                        <a:rPr lang="en-US" sz="1400" dirty="0">
+                          <a:effectLst/>
+                        </a:rPr>
+                        <a:t>Index</a:t>
+                      </a:r>
+                      <a:endParaRPr lang="en-US" sz="1400" dirty="0">
+                        <a:effectLst/>
+                        <a:latin typeface="Calibri"/>
+                        <a:ea typeface="Calibri"/>
+                        <a:cs typeface="Times New Roman"/>
+                      </a:endParaRPr>
+                    </a:p>
+                  </a:txBody>
+                  <a:tcPr marL="594" marR="594" marT="594" marB="594" anchor="ctr">
+                    <a:lnL w="12700" cap="flat" cmpd="sng" algn="ctr">
+                      <a:noFill/>
+                      <a:prstDash val="solid"/>
+                      <a:round/>
+                      <a:headEnd type="none" w="med" len="med"/>
+                      <a:tailEnd type="none" w="med" len="med"/>
+                    </a:lnL>
+                    <a:lnR w="12700" cap="flat" cmpd="sng" algn="ctr">
+                      <a:noFill/>
+                      <a:prstDash val="solid"/>
+                      <a:round/>
+                      <a:headEnd type="none" w="med" len="med"/>
+                      <a:tailEnd type="none" w="med" len="med"/>
+                    </a:lnR>
+                    <a:lnT w="12700" cap="flat" cmpd="sng" algn="ctr">
+                      <a:solidFill>
+                        <a:schemeClr val="tx1"/>
+                      </a:solidFill>
+                      <a:prstDash val="solid"/>
+                      <a:round/>
+                      <a:headEnd type="none" w="med" len="med"/>
+                      <a:tailEnd type="none" w="med" len="med"/>
+                    </a:lnT>
+                    <a:lnB w="12700" cap="flat" cmpd="sng" algn="ctr">
+                      <a:solidFill>
+                        <a:schemeClr val="tx1"/>
+                      </a:solidFill>
+                      <a:prstDash val="solid"/>
+                      <a:round/>
+                      <a:headEnd type="none" w="med" len="med"/>
+                      <a:tailEnd type="none" w="med" len="med"/>
+                    </a:lnB>
+                    <a:lnTlToBr w="12700" cmpd="sng">
+                      <a:noFill/>
+                      <a:prstDash val="solid"/>
+                    </a:lnTlToBr>
+                    <a:lnBlToTr w="12700" cmpd="sng">
+                      <a:noFill/>
+                      <a:prstDash val="solid"/>
+                    </a:lnBlToTr>
+                    <a:noFill/>
+                  </a:tcPr>
+                </a:tc>
+                <a:tc>
+                  <a:txBody>
+                    <a:bodyPr/>
+                    <a:lstStyle/>
+                    <a:p>
+                      <a:pPr>
+                        <a:lnSpc>
+                          <a:spcPct val="115000"/>
+                        </a:lnSpc>
+                        <a:spcAft>
+                          <a:spcPts val="1000"/>
+                        </a:spcAft>
+                      </a:pPr>
+                      <a:r>
+                        <a:rPr lang="ru-RU" sz="1400" dirty="0">
+                          <a:effectLst/>
+                        </a:rPr>
+                        <a:t>Возвращает последовательность пар индекс-значение.</a:t>
+                      </a:r>
+                      <a:endParaRPr lang="en-US" sz="1400" dirty="0">
+                        <a:effectLst/>
+                        <a:latin typeface="Calibri"/>
+                        <a:ea typeface="Calibri"/>
+                        <a:cs typeface="Times New Roman"/>
+                      </a:endParaRPr>
+                    </a:p>
+                  </a:txBody>
+                  <a:tcPr marL="594" marR="594" marT="594" marB="594" anchor="ctr">
+                    <a:lnL w="12700" cap="flat" cmpd="sng" algn="ctr">
+                      <a:noFill/>
+                      <a:prstDash val="solid"/>
+                      <a:round/>
+                      <a:headEnd type="none" w="med" len="med"/>
+                      <a:tailEnd type="none" w="med" len="med"/>
+                    </a:lnL>
+                    <a:lnR w="12700" cap="flat" cmpd="sng" algn="ctr">
+                      <a:noFill/>
+                      <a:prstDash val="solid"/>
+                      <a:round/>
+                      <a:headEnd type="none" w="med" len="med"/>
+                      <a:tailEnd type="none" w="med" len="med"/>
+                    </a:lnR>
+                    <a:lnT w="12700" cap="flat" cmpd="sng" algn="ctr">
+                      <a:solidFill>
+                        <a:schemeClr val="tx1"/>
+                      </a:solidFill>
+                      <a:prstDash val="solid"/>
+                      <a:round/>
+                      <a:headEnd type="none" w="med" len="med"/>
+                      <a:tailEnd type="none" w="med" len="med"/>
+                    </a:lnT>
+                    <a:lnB w="12700" cap="flat" cmpd="sng" algn="ctr">
+                      <a:solidFill>
+                        <a:schemeClr val="tx1"/>
+                      </a:solidFill>
+                      <a:prstDash val="solid"/>
+                      <a:round/>
+                      <a:headEnd type="none" w="med" len="med"/>
+                      <a:tailEnd type="none" w="med" len="med"/>
+                    </a:lnB>
+                    <a:lnTlToBr w="12700" cmpd="sng">
+                      <a:noFill/>
+                      <a:prstDash val="solid"/>
+                    </a:lnTlToBr>
+                    <a:lnBlToTr w="12700" cmpd="sng">
+                      <a:noFill/>
+                      <a:prstDash val="solid"/>
+                    </a:lnBlToTr>
+                    <a:noFill/>
+                  </a:tcPr>
+                </a:tc>
+              </a:tr>
+              <a:tr h="265666">
+                <a:tc>
+                  <a:txBody>
+                    <a:bodyPr/>
+                    <a:lstStyle/>
+                    <a:p>
+                      <a:pPr>
+                        <a:lnSpc>
+                          <a:spcPct val="115000"/>
+                        </a:lnSpc>
+                        <a:spcAft>
+                          <a:spcPts val="1000"/>
+                        </a:spcAft>
+                      </a:pPr>
+                      <a:r>
+                        <a:rPr lang="en-US" sz="1400" dirty="0" err="1">
+                          <a:effectLst/>
+                        </a:rPr>
+                        <a:t>MaxBy</a:t>
+                      </a:r>
+                      <a:endParaRPr lang="en-US" sz="1400" dirty="0">
+                        <a:effectLst/>
+                        <a:latin typeface="Calibri"/>
+                        <a:ea typeface="Calibri"/>
+                        <a:cs typeface="Times New Roman"/>
+                      </a:endParaRPr>
+                    </a:p>
+                  </a:txBody>
+                  <a:tcPr marL="594" marR="594" marT="594" marB="594" anchor="ctr">
+                    <a:lnL w="12700" cap="flat" cmpd="sng" algn="ctr">
+                      <a:noFill/>
+                      <a:prstDash val="solid"/>
+                      <a:round/>
+                      <a:headEnd type="none" w="med" len="med"/>
+                      <a:tailEnd type="none" w="med" len="med"/>
+                    </a:lnL>
+                    <a:lnR w="12700" cap="flat" cmpd="sng" algn="ctr">
+                      <a:noFill/>
+                      <a:prstDash val="solid"/>
+                      <a:round/>
+                      <a:headEnd type="none" w="med" len="med"/>
+                      <a:tailEnd type="none" w="med" len="med"/>
+                    </a:lnR>
+                    <a:lnT w="12700" cap="flat" cmpd="sng" algn="ctr">
+                      <a:solidFill>
+                        <a:schemeClr val="tx1"/>
+                      </a:solidFill>
+                      <a:prstDash val="solid"/>
+                      <a:round/>
+                      <a:headEnd type="none" w="med" len="med"/>
+                      <a:tailEnd type="none" w="med" len="med"/>
+                    </a:lnT>
+                    <a:lnB w="12700" cap="flat" cmpd="sng" algn="ctr">
+                      <a:solidFill>
+                        <a:schemeClr val="tx1"/>
+                      </a:solidFill>
+                      <a:prstDash val="solid"/>
+                      <a:round/>
+                      <a:headEnd type="none" w="med" len="med"/>
+                      <a:tailEnd type="none" w="med" len="med"/>
+                    </a:lnB>
+                    <a:lnTlToBr w="12700" cmpd="sng">
+                      <a:noFill/>
+                      <a:prstDash val="solid"/>
+                    </a:lnTlToBr>
+                    <a:lnBlToTr w="12700" cmpd="sng">
+                      <a:noFill/>
+                      <a:prstDash val="solid"/>
+                    </a:lnBlToTr>
+                    <a:noFill/>
+                  </a:tcPr>
+                </a:tc>
+                <a:tc>
+                  <a:txBody>
+                    <a:bodyPr/>
+                    <a:lstStyle/>
+                    <a:p>
+                      <a:pPr>
+                        <a:lnSpc>
+                          <a:spcPct val="115000"/>
+                        </a:lnSpc>
+                        <a:spcAft>
+                          <a:spcPts val="1000"/>
+                        </a:spcAft>
+                      </a:pPr>
+                      <a:r>
+                        <a:rPr lang="ru-RU" sz="1400" dirty="0">
+                          <a:effectLst/>
+                        </a:rPr>
+                        <a:t>Возвращает максимальный элемент последовательности по заданному критерию.</a:t>
+                      </a:r>
+                      <a:endParaRPr lang="en-US" sz="1400" dirty="0">
+                        <a:effectLst/>
+                        <a:latin typeface="Calibri"/>
+                        <a:ea typeface="Calibri"/>
+                        <a:cs typeface="Times New Roman"/>
+                      </a:endParaRPr>
+                    </a:p>
+                  </a:txBody>
+                  <a:tcPr marL="594" marR="594" marT="594" marB="594" anchor="ctr">
+                    <a:lnL w="12700" cap="flat" cmpd="sng" algn="ctr">
+                      <a:noFill/>
+                      <a:prstDash val="solid"/>
+                      <a:round/>
+                      <a:headEnd type="none" w="med" len="med"/>
+                      <a:tailEnd type="none" w="med" len="med"/>
+                    </a:lnL>
+                    <a:lnR w="12700" cap="flat" cmpd="sng" algn="ctr">
+                      <a:noFill/>
+                      <a:prstDash val="solid"/>
+                      <a:round/>
+                      <a:headEnd type="none" w="med" len="med"/>
+                      <a:tailEnd type="none" w="med" len="med"/>
+                    </a:lnR>
+                    <a:lnT w="12700" cap="flat" cmpd="sng" algn="ctr">
+                      <a:solidFill>
+                        <a:schemeClr val="tx1"/>
+                      </a:solidFill>
+                      <a:prstDash val="solid"/>
+                      <a:round/>
+                      <a:headEnd type="none" w="med" len="med"/>
+                      <a:tailEnd type="none" w="med" len="med"/>
+                    </a:lnT>
+                    <a:lnB w="12700" cap="flat" cmpd="sng" algn="ctr">
+                      <a:solidFill>
+                        <a:schemeClr val="tx1"/>
+                      </a:solidFill>
+                      <a:prstDash val="solid"/>
+                      <a:round/>
+                      <a:headEnd type="none" w="med" len="med"/>
+                      <a:tailEnd type="none" w="med" len="med"/>
+                    </a:lnB>
+                    <a:lnTlToBr w="12700" cmpd="sng">
+                      <a:noFill/>
+                      <a:prstDash val="solid"/>
+                    </a:lnTlToBr>
+                    <a:lnBlToTr w="12700" cmpd="sng">
+                      <a:noFill/>
+                      <a:prstDash val="solid"/>
+                    </a:lnBlToTr>
+                    <a:noFill/>
+                  </a:tcPr>
+                </a:tc>
+              </a:tr>
+              <a:tr h="265666">
+                <a:tc>
+                  <a:txBody>
+                    <a:bodyPr/>
+                    <a:lstStyle/>
+                    <a:p>
+                      <a:pPr>
+                        <a:lnSpc>
+                          <a:spcPct val="115000"/>
+                        </a:lnSpc>
+                        <a:spcAft>
+                          <a:spcPts val="1000"/>
+                        </a:spcAft>
+                      </a:pPr>
+                      <a:r>
+                        <a:rPr lang="en-US" sz="1400" dirty="0" err="1">
+                          <a:effectLst/>
+                        </a:rPr>
+                        <a:t>MinBy</a:t>
+                      </a:r>
+                      <a:endParaRPr lang="en-US" sz="1400" dirty="0">
+                        <a:effectLst/>
+                        <a:latin typeface="Calibri"/>
+                        <a:ea typeface="Calibri"/>
+                        <a:cs typeface="Times New Roman"/>
+                      </a:endParaRPr>
+                    </a:p>
+                  </a:txBody>
+                  <a:tcPr marL="594" marR="594" marT="594" marB="594" anchor="ctr">
+                    <a:lnL w="12700" cap="flat" cmpd="sng" algn="ctr">
+                      <a:noFill/>
+                      <a:prstDash val="solid"/>
+                      <a:round/>
+                      <a:headEnd type="none" w="med" len="med"/>
+                      <a:tailEnd type="none" w="med" len="med"/>
+                    </a:lnL>
+                    <a:lnR w="12700" cap="flat" cmpd="sng" algn="ctr">
+                      <a:noFill/>
+                      <a:prstDash val="solid"/>
+                      <a:round/>
+                      <a:headEnd type="none" w="med" len="med"/>
+                      <a:tailEnd type="none" w="med" len="med"/>
+                    </a:lnR>
+                    <a:lnT w="12700" cap="flat" cmpd="sng" algn="ctr">
+                      <a:solidFill>
+                        <a:schemeClr val="tx1"/>
+                      </a:solidFill>
+                      <a:prstDash val="solid"/>
+                      <a:round/>
+                      <a:headEnd type="none" w="med" len="med"/>
+                      <a:tailEnd type="none" w="med" len="med"/>
+                    </a:lnT>
+                    <a:lnB w="12700" cap="flat" cmpd="sng" algn="ctr">
+                      <a:solidFill>
+                        <a:schemeClr val="tx1"/>
+                      </a:solidFill>
+                      <a:prstDash val="solid"/>
+                      <a:round/>
+                      <a:headEnd type="none" w="med" len="med"/>
+                      <a:tailEnd type="none" w="med" len="med"/>
+                    </a:lnB>
+                    <a:lnTlToBr w="12700" cmpd="sng">
+                      <a:noFill/>
+                      <a:prstDash val="solid"/>
+                    </a:lnTlToBr>
+                    <a:lnBlToTr w="12700" cmpd="sng">
+                      <a:noFill/>
+                      <a:prstDash val="solid"/>
+                    </a:lnBlToTr>
+                    <a:noFill/>
+                  </a:tcPr>
+                </a:tc>
+                <a:tc>
+                  <a:txBody>
+                    <a:bodyPr/>
+                    <a:lstStyle/>
+                    <a:p>
+                      <a:pPr>
+                        <a:lnSpc>
+                          <a:spcPct val="115000"/>
+                        </a:lnSpc>
+                        <a:spcAft>
+                          <a:spcPts val="1000"/>
+                        </a:spcAft>
+                      </a:pPr>
+                      <a:r>
+                        <a:rPr lang="ru-RU" sz="1400" dirty="0">
+                          <a:effectLst/>
+                        </a:rPr>
+                        <a:t>Возвращает минимальный элемент последовательности по заданному критерию.</a:t>
+                      </a:r>
+                      <a:endParaRPr lang="en-US" sz="1400" dirty="0">
+                        <a:effectLst/>
+                        <a:latin typeface="Calibri"/>
+                        <a:ea typeface="Calibri"/>
+                        <a:cs typeface="Times New Roman"/>
+                      </a:endParaRPr>
+                    </a:p>
+                  </a:txBody>
+                  <a:tcPr marL="594" marR="594" marT="594" marB="594" anchor="ctr">
+                    <a:lnL w="12700" cap="flat" cmpd="sng" algn="ctr">
+                      <a:noFill/>
+                      <a:prstDash val="solid"/>
+                      <a:round/>
+                      <a:headEnd type="none" w="med" len="med"/>
+                      <a:tailEnd type="none" w="med" len="med"/>
+                    </a:lnL>
+                    <a:lnR w="12700" cap="flat" cmpd="sng" algn="ctr">
+                      <a:noFill/>
+                      <a:prstDash val="solid"/>
+                      <a:round/>
+                      <a:headEnd type="none" w="med" len="med"/>
+                      <a:tailEnd type="none" w="med" len="med"/>
+                    </a:lnR>
+                    <a:lnT w="12700" cap="flat" cmpd="sng" algn="ctr">
+                      <a:solidFill>
+                        <a:schemeClr val="tx1"/>
+                      </a:solidFill>
+                      <a:prstDash val="solid"/>
+                      <a:round/>
+                      <a:headEnd type="none" w="med" len="med"/>
+                      <a:tailEnd type="none" w="med" len="med"/>
+                    </a:lnT>
+                    <a:lnB w="12700" cap="flat" cmpd="sng" algn="ctr">
+                      <a:solidFill>
+                        <a:schemeClr val="tx1"/>
+                      </a:solidFill>
+                      <a:prstDash val="solid"/>
+                      <a:round/>
+                      <a:headEnd type="none" w="med" len="med"/>
+                      <a:tailEnd type="none" w="med" len="med"/>
+                    </a:lnB>
+                    <a:lnTlToBr w="12700" cmpd="sng">
+                      <a:noFill/>
+                      <a:prstDash val="solid"/>
+                    </a:lnTlToBr>
+                    <a:lnBlToTr w="12700" cmpd="sng">
+                      <a:noFill/>
+                      <a:prstDash val="solid"/>
+                    </a:lnBlToTr>
+                    <a:noFill/>
+                  </a:tcPr>
+                </a:tc>
+              </a:tr>
+              <a:tr h="470035">
+                <a:tc>
+                  <a:txBody>
+                    <a:bodyPr/>
+                    <a:lstStyle/>
+                    <a:p>
+                      <a:pPr>
+                        <a:lnSpc>
+                          <a:spcPct val="115000"/>
+                        </a:lnSpc>
+                        <a:spcAft>
+                          <a:spcPts val="1000"/>
+                        </a:spcAft>
+                      </a:pPr>
+                      <a:r>
+                        <a:rPr lang="en-US" sz="1400" dirty="0">
+                          <a:effectLst/>
+                        </a:rPr>
+                        <a:t>Pad</a:t>
+                      </a:r>
+                      <a:endParaRPr lang="en-US" sz="1400" dirty="0">
+                        <a:effectLst/>
+                        <a:latin typeface="Calibri"/>
+                        <a:ea typeface="Calibri"/>
+                        <a:cs typeface="Times New Roman"/>
+                      </a:endParaRPr>
+                    </a:p>
+                  </a:txBody>
+                  <a:tcPr marL="594" marR="594" marT="594" marB="594" anchor="ctr">
+                    <a:lnL w="12700" cap="flat" cmpd="sng" algn="ctr">
+                      <a:noFill/>
+                      <a:prstDash val="solid"/>
+                      <a:round/>
+                      <a:headEnd type="none" w="med" len="med"/>
+                      <a:tailEnd type="none" w="med" len="med"/>
+                    </a:lnL>
+                    <a:lnR w="12700" cap="flat" cmpd="sng" algn="ctr">
+                      <a:noFill/>
+                      <a:prstDash val="solid"/>
+                      <a:round/>
+                      <a:headEnd type="none" w="med" len="med"/>
+                      <a:tailEnd type="none" w="med" len="med"/>
+                    </a:lnR>
+                    <a:lnT w="12700" cap="flat" cmpd="sng" algn="ctr">
+                      <a:solidFill>
+                        <a:schemeClr val="tx1"/>
+                      </a:solidFill>
+                      <a:prstDash val="solid"/>
+                      <a:round/>
+                      <a:headEnd type="none" w="med" len="med"/>
+                      <a:tailEnd type="none" w="med" len="med"/>
+                    </a:lnT>
+                    <a:lnB w="12700" cap="flat" cmpd="sng" algn="ctr">
+                      <a:solidFill>
+                        <a:schemeClr val="tx1"/>
+                      </a:solidFill>
+                      <a:prstDash val="solid"/>
+                      <a:round/>
+                      <a:headEnd type="none" w="med" len="med"/>
+                      <a:tailEnd type="none" w="med" len="med"/>
+                    </a:lnB>
+                    <a:lnTlToBr w="12700" cmpd="sng">
+                      <a:noFill/>
+                      <a:prstDash val="solid"/>
+                    </a:lnTlToBr>
+                    <a:lnBlToTr w="12700" cmpd="sng">
+                      <a:noFill/>
+                      <a:prstDash val="solid"/>
+                    </a:lnBlToTr>
+                    <a:noFill/>
+                  </a:tcPr>
+                </a:tc>
+                <a:tc>
+                  <a:txBody>
+                    <a:bodyPr/>
+                    <a:lstStyle/>
+                    <a:p>
+                      <a:pPr>
+                        <a:lnSpc>
+                          <a:spcPct val="115000"/>
+                        </a:lnSpc>
+                        <a:spcAft>
+                          <a:spcPts val="1000"/>
+                        </a:spcAft>
+                      </a:pPr>
+                      <a:r>
+                        <a:rPr lang="ru-RU" sz="1400" dirty="0">
+                          <a:effectLst/>
+                        </a:rPr>
+                        <a:t>Если количество элементов последовательности меньше заданного, дополняет последовательность значениями по умолчанию до заданного количества.</a:t>
+                      </a:r>
+                      <a:endParaRPr lang="en-US" sz="1400" dirty="0">
+                        <a:effectLst/>
+                        <a:latin typeface="Calibri"/>
+                        <a:ea typeface="Calibri"/>
+                        <a:cs typeface="Times New Roman"/>
+                      </a:endParaRPr>
+                    </a:p>
+                  </a:txBody>
+                  <a:tcPr marL="594" marR="594" marT="594" marB="594" anchor="ctr">
+                    <a:lnL w="12700" cap="flat" cmpd="sng" algn="ctr">
+                      <a:noFill/>
+                      <a:prstDash val="solid"/>
+                      <a:round/>
+                      <a:headEnd type="none" w="med" len="med"/>
+                      <a:tailEnd type="none" w="med" len="med"/>
+                    </a:lnL>
+                    <a:lnR w="12700" cap="flat" cmpd="sng" algn="ctr">
+                      <a:noFill/>
+                      <a:prstDash val="solid"/>
+                      <a:round/>
+                      <a:headEnd type="none" w="med" len="med"/>
+                      <a:tailEnd type="none" w="med" len="med"/>
+                    </a:lnR>
+                    <a:lnT w="12700" cap="flat" cmpd="sng" algn="ctr">
+                      <a:solidFill>
+                        <a:schemeClr val="tx1"/>
+                      </a:solidFill>
+                      <a:prstDash val="solid"/>
+                      <a:round/>
+                      <a:headEnd type="none" w="med" len="med"/>
+                      <a:tailEnd type="none" w="med" len="med"/>
+                    </a:lnT>
+                    <a:lnB w="12700" cap="flat" cmpd="sng" algn="ctr">
+                      <a:solidFill>
+                        <a:schemeClr val="tx1"/>
+                      </a:solidFill>
+                      <a:prstDash val="solid"/>
+                      <a:round/>
+                      <a:headEnd type="none" w="med" len="med"/>
+                      <a:tailEnd type="none" w="med" len="med"/>
+                    </a:lnB>
+                    <a:lnTlToBr w="12700" cmpd="sng">
+                      <a:noFill/>
+                      <a:prstDash val="solid"/>
+                    </a:lnTlToBr>
+                    <a:lnBlToTr w="12700" cmpd="sng">
+                      <a:noFill/>
+                      <a:prstDash val="solid"/>
+                    </a:lnBlToTr>
+                    <a:noFill/>
+                  </a:tcPr>
+                </a:tc>
+              </a:tr>
+              <a:tr h="409926">
+                <a:tc>
+                  <a:txBody>
+                    <a:bodyPr/>
+                    <a:lstStyle/>
+                    <a:p>
+                      <a:pPr>
+                        <a:lnSpc>
+                          <a:spcPct val="115000"/>
+                        </a:lnSpc>
+                        <a:spcAft>
+                          <a:spcPts val="1000"/>
+                        </a:spcAft>
+                      </a:pPr>
+                      <a:r>
+                        <a:rPr lang="en-US" sz="1400" dirty="0">
+                          <a:effectLst/>
+                        </a:rPr>
+                        <a:t>Pairwise</a:t>
+                      </a:r>
+                      <a:endParaRPr lang="en-US" sz="1400" dirty="0">
+                        <a:effectLst/>
+                        <a:latin typeface="Calibri"/>
+                        <a:ea typeface="Calibri"/>
+                        <a:cs typeface="Times New Roman"/>
+                      </a:endParaRPr>
+                    </a:p>
+                  </a:txBody>
+                  <a:tcPr marL="594" marR="594" marT="594" marB="594" anchor="ctr">
+                    <a:lnL w="12700" cap="flat" cmpd="sng" algn="ctr">
+                      <a:noFill/>
+                      <a:prstDash val="solid"/>
+                      <a:round/>
+                      <a:headEnd type="none" w="med" len="med"/>
+                      <a:tailEnd type="none" w="med" len="med"/>
+                    </a:lnL>
+                    <a:lnR w="12700" cap="flat" cmpd="sng" algn="ctr">
+                      <a:noFill/>
+                      <a:prstDash val="solid"/>
+                      <a:round/>
+                      <a:headEnd type="none" w="med" len="med"/>
+                      <a:tailEnd type="none" w="med" len="med"/>
+                    </a:lnR>
+                    <a:lnT w="12700" cap="flat" cmpd="sng" algn="ctr">
+                      <a:solidFill>
+                        <a:schemeClr val="tx1"/>
+                      </a:solidFill>
+                      <a:prstDash val="solid"/>
+                      <a:round/>
+                      <a:headEnd type="none" w="med" len="med"/>
+                      <a:tailEnd type="none" w="med" len="med"/>
+                    </a:lnT>
+                    <a:lnB w="12700" cap="flat" cmpd="sng" algn="ctr">
+                      <a:solidFill>
+                        <a:schemeClr val="tx1"/>
+                      </a:solidFill>
+                      <a:prstDash val="solid"/>
+                      <a:round/>
+                      <a:headEnd type="none" w="med" len="med"/>
+                      <a:tailEnd type="none" w="med" len="med"/>
+                    </a:lnB>
+                    <a:lnTlToBr w="12700" cmpd="sng">
+                      <a:noFill/>
+                      <a:prstDash val="solid"/>
+                    </a:lnTlToBr>
+                    <a:lnBlToTr w="12700" cmpd="sng">
+                      <a:noFill/>
+                      <a:prstDash val="solid"/>
+                    </a:lnBlToTr>
+                    <a:noFill/>
+                  </a:tcPr>
+                </a:tc>
+                <a:tc>
+                  <a:txBody>
+                    <a:bodyPr/>
+                    <a:lstStyle/>
+                    <a:p>
+                      <a:pPr>
+                        <a:lnSpc>
+                          <a:spcPct val="115000"/>
+                        </a:lnSpc>
+                        <a:spcAft>
+                          <a:spcPts val="1000"/>
+                        </a:spcAft>
+                      </a:pPr>
+                      <a:r>
+                        <a:rPr lang="ru-RU" sz="1400" dirty="0">
+                          <a:effectLst/>
+                        </a:rPr>
+                        <a:t>Возвращает последовательность результатов функции текущего и предыдущего элемента (не применяется к первому элементу).</a:t>
+                      </a:r>
+                      <a:endParaRPr lang="en-US" sz="1400" dirty="0">
+                        <a:effectLst/>
+                        <a:latin typeface="Calibri"/>
+                        <a:ea typeface="Calibri"/>
+                        <a:cs typeface="Times New Roman"/>
+                      </a:endParaRPr>
+                    </a:p>
+                  </a:txBody>
+                  <a:tcPr marL="594" marR="594" marT="594" marB="594" anchor="ctr">
+                    <a:lnL w="12700" cap="flat" cmpd="sng" algn="ctr">
+                      <a:noFill/>
+                      <a:prstDash val="solid"/>
+                      <a:round/>
+                      <a:headEnd type="none" w="med" len="med"/>
+                      <a:tailEnd type="none" w="med" len="med"/>
+                    </a:lnL>
+                    <a:lnR w="12700" cap="flat" cmpd="sng" algn="ctr">
+                      <a:noFill/>
+                      <a:prstDash val="solid"/>
+                      <a:round/>
+                      <a:headEnd type="none" w="med" len="med"/>
+                      <a:tailEnd type="none" w="med" len="med"/>
+                    </a:lnR>
+                    <a:lnT w="12700" cap="flat" cmpd="sng" algn="ctr">
+                      <a:solidFill>
+                        <a:schemeClr val="tx1"/>
+                      </a:solidFill>
+                      <a:prstDash val="solid"/>
+                      <a:round/>
+                      <a:headEnd type="none" w="med" len="med"/>
+                      <a:tailEnd type="none" w="med" len="med"/>
+                    </a:lnT>
+                    <a:lnB w="12700" cap="flat" cmpd="sng" algn="ctr">
+                      <a:solidFill>
+                        <a:schemeClr val="tx1"/>
+                      </a:solidFill>
+                      <a:prstDash val="solid"/>
+                      <a:round/>
+                      <a:headEnd type="none" w="med" len="med"/>
+                      <a:tailEnd type="none" w="med" len="med"/>
+                    </a:lnB>
+                    <a:lnTlToBr w="12700" cmpd="sng">
+                      <a:noFill/>
+                      <a:prstDash val="solid"/>
+                    </a:lnTlToBr>
+                    <a:lnBlToTr w="12700" cmpd="sng">
+                      <a:noFill/>
+                      <a:prstDash val="solid"/>
+                    </a:lnBlToTr>
+                    <a:noFill/>
+                  </a:tcPr>
+                </a:tc>
+              </a:tr>
+              <a:tr h="409926">
+                <a:tc>
+                  <a:txBody>
+                    <a:bodyPr/>
+                    <a:lstStyle/>
+                    <a:p>
+                      <a:pPr>
+                        <a:lnSpc>
+                          <a:spcPct val="115000"/>
+                        </a:lnSpc>
+                        <a:spcAft>
+                          <a:spcPts val="1000"/>
+                        </a:spcAft>
+                      </a:pPr>
+                      <a:r>
+                        <a:rPr lang="en-US" sz="1400" dirty="0" smtClean="0">
+                          <a:effectLst/>
+                          <a:latin typeface="Calibri"/>
+                          <a:ea typeface="Calibri"/>
+                          <a:cs typeface="Times New Roman"/>
+                        </a:rPr>
+                        <a:t>Pipe</a:t>
+                      </a:r>
+                      <a:endParaRPr lang="en-US" sz="1400" dirty="0">
+                        <a:effectLst/>
+                        <a:latin typeface="Calibri"/>
+                        <a:ea typeface="Calibri"/>
+                        <a:cs typeface="Times New Roman"/>
+                      </a:endParaRPr>
+                    </a:p>
+                  </a:txBody>
+                  <a:tcPr marL="594" marR="594" marT="594" marB="594" anchor="ctr">
+                    <a:lnL w="12700" cap="flat" cmpd="sng" algn="ctr">
+                      <a:noFill/>
+                      <a:prstDash val="solid"/>
+                      <a:round/>
+                      <a:headEnd type="none" w="med" len="med"/>
+                      <a:tailEnd type="none" w="med" len="med"/>
+                    </a:lnL>
+                    <a:lnR w="12700" cap="flat" cmpd="sng" algn="ctr">
+                      <a:noFill/>
+                      <a:prstDash val="solid"/>
+                      <a:round/>
+                      <a:headEnd type="none" w="med" len="med"/>
+                      <a:tailEnd type="none" w="med" len="med"/>
+                    </a:lnR>
+                    <a:lnT w="12700" cap="flat" cmpd="sng" algn="ctr">
+                      <a:solidFill>
+                        <a:schemeClr val="tx1"/>
+                      </a:solidFill>
+                      <a:prstDash val="solid"/>
+                      <a:round/>
+                      <a:headEnd type="none" w="med" len="med"/>
+                      <a:tailEnd type="none" w="med" len="med"/>
+                    </a:lnT>
+                    <a:lnB w="12700" cap="flat" cmpd="sng" algn="ctr">
+                      <a:solidFill>
+                        <a:schemeClr val="tx1"/>
+                      </a:solidFill>
+                      <a:prstDash val="solid"/>
+                      <a:round/>
+                      <a:headEnd type="none" w="med" len="med"/>
+                      <a:tailEnd type="none" w="med" len="med"/>
+                    </a:lnB>
+                    <a:lnTlToBr w="12700" cmpd="sng">
+                      <a:noFill/>
+                      <a:prstDash val="solid"/>
+                    </a:lnTlToBr>
+                    <a:lnBlToTr w="12700" cmpd="sng">
+                      <a:noFill/>
+                      <a:prstDash val="solid"/>
+                    </a:lnBlToTr>
+                    <a:noFill/>
+                  </a:tcPr>
+                </a:tc>
+                <a:tc>
+                  <a:txBody>
+                    <a:bodyPr/>
+                    <a:lstStyle/>
+                    <a:p>
+                      <a:pPr>
+                        <a:lnSpc>
+                          <a:spcPct val="115000"/>
+                        </a:lnSpc>
+                        <a:spcAft>
+                          <a:spcPts val="1000"/>
+                        </a:spcAft>
+                      </a:pPr>
+                      <a:r>
+                        <a:rPr lang="ru-RU" sz="1400" b="0" dirty="0" smtClean="0">
+                          <a:effectLst/>
+                        </a:rPr>
+                        <a:t>Возвращает исходную последовательность, выполняя </a:t>
+                      </a:r>
+                      <a:r>
+                        <a:rPr lang="en-US" sz="1400" b="0" dirty="0" smtClean="0">
+                          <a:effectLst/>
+                        </a:rPr>
+                        <a:t>Action</a:t>
+                      </a:r>
+                      <a:r>
+                        <a:rPr lang="ru-RU" sz="1400" b="0" dirty="0" smtClean="0">
+                          <a:effectLst/>
+                        </a:rPr>
+                        <a:t> над каждым элементом.</a:t>
+                      </a:r>
+                      <a:endParaRPr lang="en-US" sz="1400" dirty="0">
+                        <a:effectLst/>
+                        <a:latin typeface="Calibri"/>
+                        <a:ea typeface="Calibri"/>
+                        <a:cs typeface="Times New Roman"/>
+                      </a:endParaRPr>
+                    </a:p>
+                  </a:txBody>
+                  <a:tcPr marL="594" marR="594" marT="594" marB="594" anchor="ctr">
+                    <a:lnL w="12700" cap="flat" cmpd="sng" algn="ctr">
+                      <a:noFill/>
+                      <a:prstDash val="solid"/>
+                      <a:round/>
+                      <a:headEnd type="none" w="med" len="med"/>
+                      <a:tailEnd type="none" w="med" len="med"/>
+                    </a:lnL>
+                    <a:lnR w="12700" cap="flat" cmpd="sng" algn="ctr">
+                      <a:noFill/>
+                      <a:prstDash val="solid"/>
+                      <a:round/>
+                      <a:headEnd type="none" w="med" len="med"/>
+                      <a:tailEnd type="none" w="med" len="med"/>
+                    </a:lnR>
+                    <a:lnT w="12700" cap="flat" cmpd="sng" algn="ctr">
+                      <a:solidFill>
+                        <a:schemeClr val="tx1"/>
+                      </a:solidFill>
+                      <a:prstDash val="solid"/>
+                      <a:round/>
+                      <a:headEnd type="none" w="med" len="med"/>
+                      <a:tailEnd type="none" w="med" len="med"/>
+                    </a:lnT>
+                    <a:lnB w="12700" cap="flat" cmpd="sng" algn="ctr">
+                      <a:solidFill>
+                        <a:schemeClr val="tx1"/>
+                      </a:solidFill>
+                      <a:prstDash val="solid"/>
+                      <a:round/>
+                      <a:headEnd type="none" w="med" len="med"/>
+                      <a:tailEnd type="none" w="med" len="med"/>
+                    </a:lnB>
+                    <a:lnTlToBr w="12700" cmpd="sng">
+                      <a:noFill/>
+                      <a:prstDash val="solid"/>
+                    </a:lnTlToBr>
+                    <a:lnBlToTr w="12700" cmpd="sng">
+                      <a:noFill/>
+                      <a:prstDash val="solid"/>
+                    </a:lnBlToTr>
+                    <a:noFill/>
+                  </a:tcPr>
+                </a:tc>
+              </a:tr>
+              <a:tr h="409926">
+                <a:tc>
+                  <a:txBody>
+                    <a:bodyPr/>
+                    <a:lstStyle/>
+                    <a:p>
+                      <a:pPr>
+                        <a:lnSpc>
+                          <a:spcPct val="115000"/>
+                        </a:lnSpc>
+                        <a:spcAft>
+                          <a:spcPts val="1000"/>
+                        </a:spcAft>
+                      </a:pPr>
+                      <a:r>
+                        <a:rPr lang="en-US" sz="1400" dirty="0" smtClean="0">
+                          <a:effectLst/>
+                        </a:rPr>
+                        <a:t>Prepend</a:t>
+                      </a:r>
+                      <a:endParaRPr lang="en-US" sz="1400" dirty="0">
+                        <a:effectLst/>
+                        <a:latin typeface="Calibri"/>
+                        <a:ea typeface="Calibri"/>
+                        <a:cs typeface="Times New Roman"/>
+                      </a:endParaRPr>
+                    </a:p>
+                  </a:txBody>
+                  <a:tcPr marL="594" marR="594" marT="594" marB="594" anchor="ctr">
+                    <a:lnL w="12700" cap="flat" cmpd="sng" algn="ctr">
+                      <a:noFill/>
+                      <a:prstDash val="solid"/>
+                      <a:round/>
+                      <a:headEnd type="none" w="med" len="med"/>
+                      <a:tailEnd type="none" w="med" len="med"/>
+                    </a:lnL>
+                    <a:lnR w="12700" cap="flat" cmpd="sng" algn="ctr">
+                      <a:noFill/>
+                      <a:prstDash val="solid"/>
+                      <a:round/>
+                      <a:headEnd type="none" w="med" len="med"/>
+                      <a:tailEnd type="none" w="med" len="med"/>
+                    </a:lnR>
+                    <a:lnT w="12700" cap="flat" cmpd="sng" algn="ctr">
+                      <a:solidFill>
+                        <a:schemeClr val="tx1"/>
+                      </a:solidFill>
+                      <a:prstDash val="solid"/>
+                      <a:round/>
+                      <a:headEnd type="none" w="med" len="med"/>
+                      <a:tailEnd type="none" w="med" len="med"/>
+                    </a:lnT>
+                    <a:lnB w="12700" cap="flat" cmpd="sng" algn="ctr">
+                      <a:solidFill>
+                        <a:schemeClr val="tx1"/>
+                      </a:solidFill>
+                      <a:prstDash val="solid"/>
+                      <a:round/>
+                      <a:headEnd type="none" w="med" len="med"/>
+                      <a:tailEnd type="none" w="med" len="med"/>
+                    </a:lnB>
+                    <a:lnTlToBr w="12700" cmpd="sng">
+                      <a:noFill/>
+                      <a:prstDash val="solid"/>
+                    </a:lnTlToBr>
+                    <a:lnBlToTr w="12700" cmpd="sng">
+                      <a:noFill/>
+                      <a:prstDash val="solid"/>
+                    </a:lnBlToTr>
+                    <a:noFill/>
+                  </a:tcPr>
+                </a:tc>
+                <a:tc>
+                  <a:txBody>
+                    <a:bodyPr/>
+                    <a:lstStyle/>
+                    <a:p>
+                      <a:pPr>
+                        <a:lnSpc>
+                          <a:spcPct val="115000"/>
+                        </a:lnSpc>
+                        <a:spcAft>
+                          <a:spcPts val="1000"/>
+                        </a:spcAft>
+                      </a:pPr>
+                      <a:r>
+                        <a:rPr lang="ru-RU" sz="1400" b="0" dirty="0" smtClean="0">
+                          <a:effectLst/>
+                        </a:rPr>
+                        <a:t>Дополняет начало коллекции заданным элементом.</a:t>
+                      </a:r>
+                      <a:endParaRPr lang="en-US" sz="1400" dirty="0">
+                        <a:effectLst/>
+                        <a:latin typeface="Calibri"/>
+                        <a:ea typeface="Calibri"/>
+                        <a:cs typeface="Times New Roman"/>
+                      </a:endParaRPr>
+                    </a:p>
+                  </a:txBody>
+                  <a:tcPr marL="594" marR="594" marT="594" marB="594" anchor="ctr">
+                    <a:lnL w="12700" cap="flat" cmpd="sng" algn="ctr">
+                      <a:noFill/>
+                      <a:prstDash val="solid"/>
+                      <a:round/>
+                      <a:headEnd type="none" w="med" len="med"/>
+                      <a:tailEnd type="none" w="med" len="med"/>
+                    </a:lnL>
+                    <a:lnR w="12700" cap="flat" cmpd="sng" algn="ctr">
+                      <a:noFill/>
+                      <a:prstDash val="solid"/>
+                      <a:round/>
+                      <a:headEnd type="none" w="med" len="med"/>
+                      <a:tailEnd type="none" w="med" len="med"/>
+                    </a:lnR>
+                    <a:lnT w="12700" cap="flat" cmpd="sng" algn="ctr">
+                      <a:solidFill>
+                        <a:schemeClr val="tx1"/>
+                      </a:solidFill>
+                      <a:prstDash val="solid"/>
+                      <a:round/>
+                      <a:headEnd type="none" w="med" len="med"/>
+                      <a:tailEnd type="none" w="med" len="med"/>
+                    </a:lnT>
+                    <a:lnB w="12700" cap="flat" cmpd="sng" algn="ctr">
+                      <a:solidFill>
+                        <a:schemeClr val="tx1"/>
+                      </a:solidFill>
+                      <a:prstDash val="solid"/>
+                      <a:round/>
+                      <a:headEnd type="none" w="med" len="med"/>
+                      <a:tailEnd type="none" w="med" len="med"/>
+                    </a:lnB>
+                    <a:lnTlToBr w="12700" cmpd="sng">
+                      <a:noFill/>
+                      <a:prstDash val="solid"/>
+                    </a:lnTlToBr>
+                    <a:lnBlToTr w="12700" cmpd="sng">
+                      <a:noFill/>
+                      <a:prstDash val="solid"/>
+                    </a:lnBlToTr>
+                    <a:noFill/>
+                  </a:tcPr>
+                </a:tc>
+              </a:tr>
+            </a:tbl>
+          </a:graphicData>
+        </a:graphic>
+      </p:graphicFrame>
+    </p:spTree>
+    <p:extLst>
+      <p:ext uri="{BB962C8B-B14F-4D97-AF65-F5344CB8AC3E}">
+        <p14:creationId xmlns:p14="http://schemas.microsoft.com/office/powerpoint/2010/main" val="3913675265"/>
+      </p:ext>
+    </p:extLst>
+  </p:cSld>
+  <p:clrMapOvr>
+    <a:masterClrMapping/>
+  </p:clrMapOvr>
+  <p:timing>
+    <p:tnLst>
+      <p:par>
+        <p:cTn id="1" dur="indefinite" restart="never" nodeType="tmRoot"/>
+      </p:par>
+    </p:tnLst>
+  </p:timing>
+</p:sld>
+</file>
+
+<file path=ppt/slides/slide11.xml><?xml version="1.0" encoding="utf-8"?>
+<p:sld xmlns:a="http://schemas.openxmlformats.org/drawingml/2006/main" xmlns:r="http://schemas.openxmlformats.org/officeDocument/2006/relationships" xmlns:p="http://schemas.openxmlformats.org/presentationml/2006/main">
+  <p:cSld>
+    <p:spTree>
+      <p:nvGrpSpPr>
+        <p:cNvPr id="1" name=""/>
+        <p:cNvGrpSpPr/>
+        <p:nvPr/>
+      </p:nvGrpSpPr>
+      <p:grpSpPr>
+        <a:xfrm>
+          <a:off x="0" y="0"/>
+          <a:ext cx="0" cy="0"/>
+          <a:chOff x="0" y="0"/>
+          <a:chExt cx="0" cy="0"/>
+        </a:xfrm>
+      </p:grpSpPr>
+      <p:sp>
+        <p:nvSpPr>
+          <p:cNvPr id="2" name="Title 1"/>
+          <p:cNvSpPr>
+            <a:spLocks noGrp="1"/>
+          </p:cNvSpPr>
+          <p:nvPr>
+            <p:ph type="title"/>
+          </p:nvPr>
+        </p:nvSpPr>
+        <p:spPr>
+          <a:xfrm>
+            <a:off x="457200" y="-99392"/>
+            <a:ext cx="8229600" cy="1143000"/>
+          </a:xfrm>
+        </p:spPr>
+        <p:txBody>
+          <a:bodyPr/>
+          <a:lstStyle/>
+          <a:p>
+            <a:r>
+              <a:rPr lang="ru-RU" dirty="0"/>
+              <a:t>Методы </a:t>
+            </a:r>
+            <a:r>
+              <a:rPr lang="ru-RU" dirty="0" smtClean="0"/>
+              <a:t>из библиотеки </a:t>
+            </a:r>
+            <a:r>
+              <a:rPr lang="en-US" dirty="0" smtClean="0"/>
+              <a:t>morelinq</a:t>
+            </a:r>
+            <a:r>
+              <a:rPr lang="ru-RU" dirty="0" smtClean="0"/>
+              <a:t> </a:t>
+            </a:r>
+            <a:endParaRPr lang="en-US" dirty="0"/>
+          </a:p>
+        </p:txBody>
+      </p:sp>
+      <p:graphicFrame>
+        <p:nvGraphicFramePr>
+          <p:cNvPr id="3" name="Table 2"/>
+          <p:cNvGraphicFramePr>
+            <a:graphicFrameLocks noGrp="1"/>
+          </p:cNvGraphicFramePr>
+          <p:nvPr>
+            <p:extLst>
+              <p:ext uri="{D42A27DB-BD31-4B8C-83A1-F6EECF244321}">
+                <p14:modId xmlns:p14="http://schemas.microsoft.com/office/powerpoint/2010/main" val="734462515"/>
+              </p:ext>
+            </p:extLst>
+          </p:nvPr>
+        </p:nvGraphicFramePr>
+        <p:xfrm>
+          <a:off x="323528" y="836712"/>
+          <a:ext cx="8424936" cy="5572082"/>
+        </p:xfrm>
+        <a:graphic>
+          <a:graphicData uri="http://schemas.openxmlformats.org/drawingml/2006/table">
+            <a:tbl>
+              <a:tblPr firstRow="1" firstCol="1" bandRow="1">
+                <a:tableStyleId>{5C22544A-7EE6-4342-B048-85BDC9FD1C3A}</a:tableStyleId>
+              </a:tblPr>
+              <a:tblGrid>
+                <a:gridCol w="1440160"/>
+                <a:gridCol w="6984776"/>
+              </a:tblGrid>
+              <a:tr h="406735">
+                <a:tc>
+                  <a:txBody>
+                    <a:bodyPr/>
+                    <a:lstStyle/>
+                    <a:p>
+                      <a:pPr>
+                        <a:lnSpc>
+                          <a:spcPct val="115000"/>
+                        </a:lnSpc>
+                        <a:spcAft>
+                          <a:spcPts val="1000"/>
+                        </a:spcAft>
+                      </a:pPr>
+                      <a:r>
+                        <a:rPr lang="en-US" sz="1400" dirty="0" err="1">
+                          <a:effectLst/>
+                        </a:rPr>
+                        <a:t>PreScan</a:t>
+                      </a:r>
+                      <a:endParaRPr lang="en-US" sz="1400" dirty="0">
+                        <a:effectLst/>
+                        <a:latin typeface="Calibri"/>
+                        <a:ea typeface="Calibri"/>
+                        <a:cs typeface="Times New Roman"/>
+                      </a:endParaRPr>
+                    </a:p>
+                  </a:txBody>
+                  <a:tcPr marL="6485" marR="6485" marT="6485" marB="6485" anchor="ctr">
+                    <a:lnL w="12700" cmpd="sng">
+                      <a:noFill/>
+                    </a:lnL>
+                    <a:lnR w="12700" cmpd="sng">
+                      <a:noFill/>
+                    </a:lnR>
+                    <a:lnT w="12700" cap="flat" cmpd="sng" algn="ctr">
+                      <a:solidFill>
+                        <a:schemeClr val="tx1"/>
+                      </a:solidFill>
+                      <a:prstDash val="solid"/>
+                      <a:round/>
+                      <a:headEnd type="none" w="med" len="med"/>
+                      <a:tailEnd type="none" w="med" len="med"/>
+                    </a:lnT>
+                    <a:lnB w="12700" cap="flat" cmpd="sng" algn="ctr">
+                      <a:solidFill>
+                        <a:schemeClr val="tx1"/>
+                      </a:solidFill>
+                      <a:prstDash val="solid"/>
+                      <a:round/>
+                      <a:headEnd type="none" w="med" len="med"/>
+                      <a:tailEnd type="none" w="med" len="med"/>
+                    </a:lnB>
+                    <a:lnTlToBr w="12700" cmpd="sng">
+                      <a:noFill/>
+                      <a:prstDash val="solid"/>
+                    </a:lnTlToBr>
+                    <a:lnBlToTr w="12700" cmpd="sng">
+                      <a:noFill/>
+                      <a:prstDash val="solid"/>
+                    </a:lnBlToTr>
+                    <a:noFill/>
+                  </a:tcPr>
+                </a:tc>
+                <a:tc>
+                  <a:txBody>
+                    <a:bodyPr/>
+                    <a:lstStyle/>
+                    <a:p>
+                      <a:pPr>
+                        <a:lnSpc>
+                          <a:spcPct val="115000"/>
+                        </a:lnSpc>
+                        <a:spcAft>
+                          <a:spcPts val="1000"/>
+                        </a:spcAft>
+                      </a:pPr>
+                      <a:r>
+                        <a:rPr lang="ru-RU" sz="1400" b="0" dirty="0">
+                          <a:effectLst/>
+                        </a:rPr>
+                        <a:t>Возвращает последовательность исходной длины, в которой </a:t>
+                      </a:r>
+                      <a:r>
+                        <a:rPr lang="en-US" sz="1400" b="0" dirty="0">
+                          <a:effectLst/>
+                        </a:rPr>
+                        <a:t>N</a:t>
+                      </a:r>
+                      <a:r>
+                        <a:rPr lang="ru-RU" sz="1400" b="0" dirty="0">
+                          <a:effectLst/>
+                        </a:rPr>
+                        <a:t>-й элемент определяется применением заданного преобразования к </a:t>
+                      </a:r>
+                      <a:r>
+                        <a:rPr lang="en-US" sz="1400" b="0" dirty="0">
+                          <a:effectLst/>
+                        </a:rPr>
+                        <a:t>N</a:t>
+                      </a:r>
+                      <a:r>
+                        <a:rPr lang="ru-RU" sz="1400" b="0" dirty="0">
+                          <a:effectLst/>
+                        </a:rPr>
+                        <a:t>-1 элементов.</a:t>
+                      </a:r>
+                      <a:endParaRPr lang="en-US" sz="1400" b="0" dirty="0">
+                        <a:effectLst/>
+                        <a:latin typeface="Calibri"/>
+                        <a:ea typeface="Calibri"/>
+                        <a:cs typeface="Times New Roman"/>
+                      </a:endParaRPr>
+                    </a:p>
+                  </a:txBody>
+                  <a:tcPr marL="6485" marR="6485" marT="6485" marB="6485" anchor="ctr">
+                    <a:lnL w="12700" cmpd="sng">
+                      <a:noFill/>
+                    </a:lnL>
+                    <a:lnR w="12700" cmpd="sng">
+                      <a:noFill/>
+                    </a:lnR>
+                    <a:lnT w="12700" cap="flat" cmpd="sng" algn="ctr">
+                      <a:solidFill>
+                        <a:schemeClr val="tx1"/>
+                      </a:solidFill>
+                      <a:prstDash val="solid"/>
+                      <a:round/>
+                      <a:headEnd type="none" w="med" len="med"/>
+                      <a:tailEnd type="none" w="med" len="med"/>
+                    </a:lnT>
+                    <a:lnB w="12700" cap="flat" cmpd="sng" algn="ctr">
+                      <a:solidFill>
+                        <a:schemeClr val="tx1"/>
+                      </a:solidFill>
+                      <a:prstDash val="solid"/>
+                      <a:round/>
+                      <a:headEnd type="none" w="med" len="med"/>
+                      <a:tailEnd type="none" w="med" len="med"/>
+                    </a:lnB>
+                    <a:lnTlToBr w="12700" cmpd="sng">
+                      <a:noFill/>
+                      <a:prstDash val="solid"/>
+                    </a:lnTlToBr>
+                    <a:lnBlToTr w="12700" cmpd="sng">
+                      <a:noFill/>
+                      <a:prstDash val="solid"/>
+                    </a:lnBlToTr>
+                    <a:noFill/>
+                  </a:tcPr>
+                </a:tc>
+              </a:tr>
+              <a:tr h="406735">
+                <a:tc>
+                  <a:txBody>
+                    <a:bodyPr/>
+                    <a:lstStyle/>
+                    <a:p>
+                      <a:pPr>
+                        <a:lnSpc>
+                          <a:spcPct val="115000"/>
+                        </a:lnSpc>
+                        <a:spcAft>
+                          <a:spcPts val="1000"/>
+                        </a:spcAft>
+                      </a:pPr>
+                      <a:r>
+                        <a:rPr lang="en-US" sz="1400" dirty="0">
+                          <a:effectLst/>
+                        </a:rPr>
+                        <a:t>Scan</a:t>
+                      </a:r>
+                      <a:endParaRPr lang="en-US" sz="1400" dirty="0">
+                        <a:effectLst/>
+                        <a:latin typeface="Calibri"/>
+                        <a:ea typeface="Calibri"/>
+                        <a:cs typeface="Times New Roman"/>
+                      </a:endParaRPr>
+                    </a:p>
+                  </a:txBody>
+                  <a:tcPr marL="6485" marR="6485" marT="6485" marB="6485" anchor="ctr">
+                    <a:lnL w="12700" cmpd="sng">
+                      <a:noFill/>
+                    </a:lnL>
+                    <a:lnR w="12700" cmpd="sng">
+                      <a:noFill/>
+                    </a:lnR>
+                    <a:lnT w="12700" cap="flat" cmpd="sng" algn="ctr">
+                      <a:solidFill>
+                        <a:schemeClr val="tx1"/>
+                      </a:solidFill>
+                      <a:prstDash val="solid"/>
+                      <a:round/>
+                      <a:headEnd type="none" w="med" len="med"/>
+                      <a:tailEnd type="none" w="med" len="med"/>
+                    </a:lnT>
+                    <a:lnB w="12700" cap="flat" cmpd="sng" algn="ctr">
+                      <a:solidFill>
+                        <a:schemeClr val="tx1"/>
+                      </a:solidFill>
+                      <a:prstDash val="solid"/>
+                      <a:round/>
+                      <a:headEnd type="none" w="med" len="med"/>
+                      <a:tailEnd type="none" w="med" len="med"/>
+                    </a:lnB>
+                    <a:lnTlToBr w="12700" cmpd="sng">
+                      <a:noFill/>
+                      <a:prstDash val="solid"/>
+                    </a:lnTlToBr>
+                    <a:lnBlToTr w="12700" cmpd="sng">
+                      <a:noFill/>
+                      <a:prstDash val="solid"/>
+                    </a:lnBlToTr>
+                    <a:noFill/>
+                  </a:tcPr>
+                </a:tc>
+                <a:tc>
+                  <a:txBody>
+                    <a:bodyPr/>
+                    <a:lstStyle/>
+                    <a:p>
+                      <a:pPr>
+                        <a:lnSpc>
+                          <a:spcPct val="115000"/>
+                        </a:lnSpc>
+                        <a:spcAft>
+                          <a:spcPts val="1000"/>
+                        </a:spcAft>
+                      </a:pPr>
+                      <a:r>
+                        <a:rPr lang="ru-RU" sz="1400" dirty="0">
+                          <a:effectLst/>
+                        </a:rPr>
+                        <a:t>Возвращает последовательность исходной длины, в которой </a:t>
+                      </a:r>
+                      <a:r>
+                        <a:rPr lang="en-US" sz="1400" dirty="0">
+                          <a:effectLst/>
+                        </a:rPr>
+                        <a:t>N</a:t>
+                      </a:r>
+                      <a:r>
+                        <a:rPr lang="ru-RU" sz="1400" dirty="0">
+                          <a:effectLst/>
+                        </a:rPr>
+                        <a:t>-й элемент определяется применением заданного преобразования к </a:t>
+                      </a:r>
+                      <a:r>
+                        <a:rPr lang="en-US" sz="1400" dirty="0">
+                          <a:effectLst/>
+                        </a:rPr>
+                        <a:t>N</a:t>
+                      </a:r>
+                      <a:r>
+                        <a:rPr lang="ru-RU" sz="1400" dirty="0">
+                          <a:effectLst/>
+                        </a:rPr>
+                        <a:t> элементов.</a:t>
+                      </a:r>
+                      <a:endParaRPr lang="en-US" sz="1400" dirty="0">
+                        <a:effectLst/>
+                        <a:latin typeface="Calibri"/>
+                        <a:ea typeface="Calibri"/>
+                        <a:cs typeface="Times New Roman"/>
+                      </a:endParaRPr>
+                    </a:p>
+                  </a:txBody>
+                  <a:tcPr marL="6485" marR="6485" marT="6485" marB="6485" anchor="ctr">
+                    <a:lnL w="12700" cmpd="sng">
+                      <a:noFill/>
+                    </a:lnL>
+                    <a:lnR w="12700" cmpd="sng">
+                      <a:noFill/>
+                    </a:lnR>
+                    <a:lnT w="12700" cap="flat" cmpd="sng" algn="ctr">
+                      <a:solidFill>
+                        <a:schemeClr val="tx1"/>
+                      </a:solidFill>
+                      <a:prstDash val="solid"/>
+                      <a:round/>
+                      <a:headEnd type="none" w="med" len="med"/>
+                      <a:tailEnd type="none" w="med" len="med"/>
+                    </a:lnT>
+                    <a:lnB w="12700" cap="flat" cmpd="sng" algn="ctr">
+                      <a:solidFill>
+                        <a:schemeClr val="tx1"/>
+                      </a:solidFill>
+                      <a:prstDash val="solid"/>
+                      <a:round/>
+                      <a:headEnd type="none" w="med" len="med"/>
+                      <a:tailEnd type="none" w="med" len="med"/>
+                    </a:lnB>
+                    <a:lnTlToBr w="12700" cmpd="sng">
+                      <a:noFill/>
+                      <a:prstDash val="solid"/>
+                    </a:lnTlToBr>
+                    <a:lnBlToTr w="12700" cmpd="sng">
+                      <a:noFill/>
+                      <a:prstDash val="solid"/>
+                    </a:lnBlToTr>
+                    <a:noFill/>
+                  </a:tcPr>
+                </a:tc>
+              </a:tr>
+              <a:tr h="275480">
+                <a:tc>
+                  <a:txBody>
+                    <a:bodyPr/>
+                    <a:lstStyle/>
+                    <a:p>
+                      <a:pPr>
+                        <a:lnSpc>
+                          <a:spcPct val="115000"/>
+                        </a:lnSpc>
+                        <a:spcAft>
+                          <a:spcPts val="1000"/>
+                        </a:spcAft>
+                      </a:pPr>
+                      <a:r>
+                        <a:rPr lang="en-US" sz="1400">
+                          <a:effectLst/>
+                        </a:rPr>
+                        <a:t>SingleOrFallback</a:t>
+                      </a:r>
+                      <a:endParaRPr lang="en-US" sz="1400">
+                        <a:effectLst/>
+                        <a:latin typeface="Calibri"/>
+                        <a:ea typeface="Calibri"/>
+                        <a:cs typeface="Times New Roman"/>
+                      </a:endParaRPr>
+                    </a:p>
+                  </a:txBody>
+                  <a:tcPr marL="6485" marR="6485" marT="6485" marB="6485" anchor="ctr">
+                    <a:lnL w="12700" cmpd="sng">
+                      <a:noFill/>
+                    </a:lnL>
+                    <a:lnR w="12700" cmpd="sng">
+                      <a:noFill/>
+                    </a:lnR>
+                    <a:lnT w="12700" cap="flat" cmpd="sng" algn="ctr">
+                      <a:solidFill>
+                        <a:schemeClr val="tx1"/>
+                      </a:solidFill>
+                      <a:prstDash val="solid"/>
+                      <a:round/>
+                      <a:headEnd type="none" w="med" len="med"/>
+                      <a:tailEnd type="none" w="med" len="med"/>
+                    </a:lnT>
+                    <a:lnB w="12700" cap="flat" cmpd="sng" algn="ctr">
+                      <a:solidFill>
+                        <a:schemeClr val="tx1"/>
+                      </a:solidFill>
+                      <a:prstDash val="solid"/>
+                      <a:round/>
+                      <a:headEnd type="none" w="med" len="med"/>
+                      <a:tailEnd type="none" w="med" len="med"/>
+                    </a:lnB>
+                    <a:lnTlToBr w="12700" cmpd="sng">
+                      <a:noFill/>
+                      <a:prstDash val="solid"/>
+                    </a:lnTlToBr>
+                    <a:lnBlToTr w="12700" cmpd="sng">
+                      <a:noFill/>
+                      <a:prstDash val="solid"/>
+                    </a:lnBlToTr>
+                    <a:noFill/>
+                  </a:tcPr>
+                </a:tc>
+                <a:tc>
+                  <a:txBody>
+                    <a:bodyPr/>
+                    <a:lstStyle/>
+                    <a:p>
+                      <a:pPr>
+                        <a:lnSpc>
+                          <a:spcPct val="115000"/>
+                        </a:lnSpc>
+                        <a:spcAft>
+                          <a:spcPts val="1000"/>
+                        </a:spcAft>
+                      </a:pPr>
+                      <a:r>
+                        <a:rPr lang="ru-RU" sz="1400">
+                          <a:effectLst/>
+                        </a:rPr>
+                        <a:t>Возвращает единственный элемент последовательности либо результат заданного делегата, если последовательность пуста.</a:t>
+                      </a:r>
+                      <a:endParaRPr lang="en-US" sz="1400">
+                        <a:effectLst/>
+                        <a:latin typeface="Calibri"/>
+                        <a:ea typeface="Calibri"/>
+                        <a:cs typeface="Times New Roman"/>
+                      </a:endParaRPr>
+                    </a:p>
+                  </a:txBody>
+                  <a:tcPr marL="6485" marR="6485" marT="6485" marB="6485" anchor="ctr">
+                    <a:lnL w="12700" cmpd="sng">
+                      <a:noFill/>
+                    </a:lnL>
+                    <a:lnR w="12700" cmpd="sng">
+                      <a:noFill/>
+                    </a:lnR>
+                    <a:lnT w="12700" cap="flat" cmpd="sng" algn="ctr">
+                      <a:solidFill>
+                        <a:schemeClr val="tx1"/>
+                      </a:solidFill>
+                      <a:prstDash val="solid"/>
+                      <a:round/>
+                      <a:headEnd type="none" w="med" len="med"/>
+                      <a:tailEnd type="none" w="med" len="med"/>
+                    </a:lnT>
+                    <a:lnB w="12700" cap="flat" cmpd="sng" algn="ctr">
+                      <a:solidFill>
+                        <a:schemeClr val="tx1"/>
+                      </a:solidFill>
+                      <a:prstDash val="solid"/>
+                      <a:round/>
+                      <a:headEnd type="none" w="med" len="med"/>
+                      <a:tailEnd type="none" w="med" len="med"/>
+                    </a:lnB>
+                    <a:lnTlToBr w="12700" cmpd="sng">
+                      <a:noFill/>
+                      <a:prstDash val="solid"/>
+                    </a:lnTlToBr>
+                    <a:lnBlToTr w="12700" cmpd="sng">
+                      <a:noFill/>
+                      <a:prstDash val="solid"/>
+                    </a:lnBlToTr>
+                    <a:noFill/>
+                  </a:tcPr>
+                </a:tc>
+              </a:tr>
+              <a:tr h="406735">
+                <a:tc>
+                  <a:txBody>
+                    <a:bodyPr/>
+                    <a:lstStyle/>
+                    <a:p>
+                      <a:pPr>
+                        <a:lnSpc>
+                          <a:spcPct val="115000"/>
+                        </a:lnSpc>
+                        <a:spcAft>
+                          <a:spcPts val="1000"/>
+                        </a:spcAft>
+                      </a:pPr>
+                      <a:r>
+                        <a:rPr lang="en-US" sz="1400">
+                          <a:effectLst/>
+                        </a:rPr>
+                        <a:t>SkipUntil</a:t>
+                      </a:r>
+                      <a:endParaRPr lang="en-US" sz="1400">
+                        <a:effectLst/>
+                        <a:latin typeface="Calibri"/>
+                        <a:ea typeface="Calibri"/>
+                        <a:cs typeface="Times New Roman"/>
+                      </a:endParaRPr>
+                    </a:p>
+                  </a:txBody>
+                  <a:tcPr marL="6485" marR="6485" marT="6485" marB="6485" anchor="ctr">
+                    <a:lnL w="12700" cmpd="sng">
+                      <a:noFill/>
+                    </a:lnL>
+                    <a:lnR w="12700" cmpd="sng">
+                      <a:noFill/>
+                    </a:lnR>
+                    <a:lnT w="12700" cap="flat" cmpd="sng" algn="ctr">
+                      <a:solidFill>
+                        <a:schemeClr val="tx1"/>
+                      </a:solidFill>
+                      <a:prstDash val="solid"/>
+                      <a:round/>
+                      <a:headEnd type="none" w="med" len="med"/>
+                      <a:tailEnd type="none" w="med" len="med"/>
+                    </a:lnT>
+                    <a:lnB w="12700" cap="flat" cmpd="sng" algn="ctr">
+                      <a:solidFill>
+                        <a:schemeClr val="tx1"/>
+                      </a:solidFill>
+                      <a:prstDash val="solid"/>
+                      <a:round/>
+                      <a:headEnd type="none" w="med" len="med"/>
+                      <a:tailEnd type="none" w="med" len="med"/>
+                    </a:lnB>
+                    <a:lnTlToBr w="12700" cmpd="sng">
+                      <a:noFill/>
+                      <a:prstDash val="solid"/>
+                    </a:lnTlToBr>
+                    <a:lnBlToTr w="12700" cmpd="sng">
+                      <a:noFill/>
+                      <a:prstDash val="solid"/>
+                    </a:lnBlToTr>
+                    <a:noFill/>
+                  </a:tcPr>
+                </a:tc>
+                <a:tc>
+                  <a:txBody>
+                    <a:bodyPr/>
+                    <a:lstStyle/>
+                    <a:p>
+                      <a:pPr>
+                        <a:lnSpc>
+                          <a:spcPct val="115000"/>
+                        </a:lnSpc>
+                        <a:spcAft>
+                          <a:spcPts val="1000"/>
+                        </a:spcAft>
+                      </a:pPr>
+                      <a:r>
+                        <a:rPr lang="ru-RU" sz="1400" dirty="0">
+                          <a:effectLst/>
+                        </a:rPr>
+                        <a:t>Пропускает элементы исходной последовательности, пока заданное условие не станет истинным. </a:t>
+                      </a:r>
+                      <a:r>
+                        <a:rPr lang="en-US" sz="1400" dirty="0" err="1">
+                          <a:effectLst/>
+                        </a:rPr>
+                        <a:t>Текущий</a:t>
+                      </a:r>
+                      <a:r>
+                        <a:rPr lang="en-US" sz="1400" dirty="0">
+                          <a:effectLst/>
+                        </a:rPr>
+                        <a:t> </a:t>
+                      </a:r>
+                      <a:r>
+                        <a:rPr lang="en-US" sz="1400" dirty="0" err="1">
+                          <a:effectLst/>
+                        </a:rPr>
+                        <a:t>элемент</a:t>
+                      </a:r>
+                      <a:r>
+                        <a:rPr lang="en-US" sz="1400" dirty="0">
+                          <a:effectLst/>
+                        </a:rPr>
+                        <a:t> </a:t>
+                      </a:r>
+                      <a:r>
+                        <a:rPr lang="en-US" sz="1400" dirty="0" err="1">
+                          <a:effectLst/>
+                        </a:rPr>
+                        <a:t>будет</a:t>
+                      </a:r>
+                      <a:r>
+                        <a:rPr lang="en-US" sz="1400" dirty="0">
+                          <a:effectLst/>
+                        </a:rPr>
+                        <a:t> </a:t>
+                      </a:r>
+                      <a:r>
+                        <a:rPr lang="en-US" sz="1400" dirty="0" err="1">
+                          <a:effectLst/>
+                        </a:rPr>
+                        <a:t>последним</a:t>
+                      </a:r>
+                      <a:r>
+                        <a:rPr lang="en-US" sz="1400" dirty="0">
+                          <a:effectLst/>
+                        </a:rPr>
+                        <a:t> </a:t>
+                      </a:r>
+                      <a:r>
+                        <a:rPr lang="en-US" sz="1400" dirty="0" err="1">
+                          <a:effectLst/>
+                        </a:rPr>
+                        <a:t>пропущенным</a:t>
+                      </a:r>
+                      <a:r>
+                        <a:rPr lang="en-US" sz="1400" dirty="0">
+                          <a:effectLst/>
+                        </a:rPr>
+                        <a:t>.</a:t>
+                      </a:r>
+                      <a:endParaRPr lang="en-US" sz="1400" dirty="0">
+                        <a:effectLst/>
+                        <a:latin typeface="Calibri"/>
+                        <a:ea typeface="Calibri"/>
+                        <a:cs typeface="Times New Roman"/>
+                      </a:endParaRPr>
+                    </a:p>
+                  </a:txBody>
+                  <a:tcPr marL="6485" marR="6485" marT="6485" marB="6485" anchor="ctr">
+                    <a:lnL w="12700" cmpd="sng">
+                      <a:noFill/>
+                    </a:lnL>
+                    <a:lnR w="12700" cmpd="sng">
+                      <a:noFill/>
+                    </a:lnR>
+                    <a:lnT w="12700" cap="flat" cmpd="sng" algn="ctr">
+                      <a:solidFill>
+                        <a:schemeClr val="tx1"/>
+                      </a:solidFill>
+                      <a:prstDash val="solid"/>
+                      <a:round/>
+                      <a:headEnd type="none" w="med" len="med"/>
+                      <a:tailEnd type="none" w="med" len="med"/>
+                    </a:lnT>
+                    <a:lnB w="12700" cap="flat" cmpd="sng" algn="ctr">
+                      <a:solidFill>
+                        <a:schemeClr val="tx1"/>
+                      </a:solidFill>
+                      <a:prstDash val="solid"/>
+                      <a:round/>
+                      <a:headEnd type="none" w="med" len="med"/>
+                      <a:tailEnd type="none" w="med" len="med"/>
+                    </a:lnB>
+                    <a:lnTlToBr w="12700" cmpd="sng">
+                      <a:noFill/>
+                      <a:prstDash val="solid"/>
+                    </a:lnTlToBr>
+                    <a:lnBlToTr w="12700" cmpd="sng">
+                      <a:noFill/>
+                      <a:prstDash val="solid"/>
+                    </a:lnBlToTr>
+                    <a:noFill/>
+                  </a:tcPr>
+                </a:tc>
+              </a:tr>
+              <a:tr h="275480">
+                <a:tc>
+                  <a:txBody>
+                    <a:bodyPr/>
+                    <a:lstStyle/>
+                    <a:p>
+                      <a:pPr>
+                        <a:lnSpc>
+                          <a:spcPct val="115000"/>
+                        </a:lnSpc>
+                        <a:spcAft>
+                          <a:spcPts val="1000"/>
+                        </a:spcAft>
+                      </a:pPr>
+                      <a:r>
+                        <a:rPr lang="en-US" sz="1400">
+                          <a:effectLst/>
+                        </a:rPr>
+                        <a:t>Split</a:t>
+                      </a:r>
+                      <a:endParaRPr lang="en-US" sz="1400">
+                        <a:effectLst/>
+                        <a:latin typeface="Calibri"/>
+                        <a:ea typeface="Calibri"/>
+                        <a:cs typeface="Times New Roman"/>
+                      </a:endParaRPr>
+                    </a:p>
+                  </a:txBody>
+                  <a:tcPr marL="6485" marR="6485" marT="6485" marB="6485" anchor="ctr">
+                    <a:lnL w="12700" cmpd="sng">
+                      <a:noFill/>
+                    </a:lnL>
+                    <a:lnR w="12700" cmpd="sng">
+                      <a:noFill/>
+                    </a:lnR>
+                    <a:lnT w="12700" cap="flat" cmpd="sng" algn="ctr">
+                      <a:solidFill>
+                        <a:schemeClr val="tx1"/>
+                      </a:solidFill>
+                      <a:prstDash val="solid"/>
+                      <a:round/>
+                      <a:headEnd type="none" w="med" len="med"/>
+                      <a:tailEnd type="none" w="med" len="med"/>
+                    </a:lnT>
+                    <a:lnB w="12700" cap="flat" cmpd="sng" algn="ctr">
+                      <a:solidFill>
+                        <a:schemeClr val="tx1"/>
+                      </a:solidFill>
+                      <a:prstDash val="solid"/>
+                      <a:round/>
+                      <a:headEnd type="none" w="med" len="med"/>
+                      <a:tailEnd type="none" w="med" len="med"/>
+                    </a:lnB>
+                    <a:lnTlToBr w="12700" cmpd="sng">
+                      <a:noFill/>
+                      <a:prstDash val="solid"/>
+                    </a:lnTlToBr>
+                    <a:lnBlToTr w="12700" cmpd="sng">
+                      <a:noFill/>
+                      <a:prstDash val="solid"/>
+                    </a:lnBlToTr>
+                    <a:noFill/>
+                  </a:tcPr>
+                </a:tc>
+                <a:tc>
+                  <a:txBody>
+                    <a:bodyPr/>
+                    <a:lstStyle/>
+                    <a:p>
+                      <a:pPr>
+                        <a:lnSpc>
+                          <a:spcPct val="115000"/>
+                        </a:lnSpc>
+                        <a:spcAft>
+                          <a:spcPts val="1000"/>
+                        </a:spcAft>
+                      </a:pPr>
+                      <a:r>
+                        <a:rPr lang="ru-RU" sz="1400" dirty="0">
+                          <a:effectLst/>
+                        </a:rPr>
+                        <a:t>Разделяет последовательность заданным </a:t>
+                      </a:r>
+                      <a:r>
+                        <a:rPr lang="ru-RU" sz="1400" dirty="0" smtClean="0">
+                          <a:effectLst/>
+                        </a:rPr>
+                        <a:t>разделителем.</a:t>
+                      </a:r>
+                      <a:endParaRPr lang="en-US" sz="1400" dirty="0">
+                        <a:effectLst/>
+                        <a:latin typeface="Calibri"/>
+                        <a:ea typeface="Calibri"/>
+                        <a:cs typeface="Times New Roman"/>
+                      </a:endParaRPr>
+                    </a:p>
+                  </a:txBody>
+                  <a:tcPr marL="6485" marR="6485" marT="6485" marB="6485" anchor="ctr">
+                    <a:lnL w="12700" cmpd="sng">
+                      <a:noFill/>
+                    </a:lnL>
+                    <a:lnR w="12700" cmpd="sng">
+                      <a:noFill/>
+                    </a:lnR>
+                    <a:lnT w="12700" cap="flat" cmpd="sng" algn="ctr">
+                      <a:solidFill>
+                        <a:schemeClr val="tx1"/>
+                      </a:solidFill>
+                      <a:prstDash val="solid"/>
+                      <a:round/>
+                      <a:headEnd type="none" w="med" len="med"/>
+                      <a:tailEnd type="none" w="med" len="med"/>
+                    </a:lnT>
+                    <a:lnB w="12700" cap="flat" cmpd="sng" algn="ctr">
+                      <a:solidFill>
+                        <a:schemeClr val="tx1"/>
+                      </a:solidFill>
+                      <a:prstDash val="solid"/>
+                      <a:round/>
+                      <a:headEnd type="none" w="med" len="med"/>
+                      <a:tailEnd type="none" w="med" len="med"/>
+                    </a:lnB>
+                    <a:lnTlToBr w="12700" cmpd="sng">
+                      <a:noFill/>
+                      <a:prstDash val="solid"/>
+                    </a:lnTlToBr>
+                    <a:lnBlToTr w="12700" cmpd="sng">
+                      <a:noFill/>
+                      <a:prstDash val="solid"/>
+                    </a:lnBlToTr>
+                    <a:noFill/>
+                  </a:tcPr>
+                </a:tc>
+              </a:tr>
+              <a:tr h="144225">
+                <a:tc>
+                  <a:txBody>
+                    <a:bodyPr/>
+                    <a:lstStyle/>
+                    <a:p>
+                      <a:pPr>
+                        <a:lnSpc>
+                          <a:spcPct val="115000"/>
+                        </a:lnSpc>
+                        <a:spcAft>
+                          <a:spcPts val="1000"/>
+                        </a:spcAft>
+                      </a:pPr>
+                      <a:r>
+                        <a:rPr lang="en-US" sz="1400">
+                          <a:effectLst/>
+                        </a:rPr>
+                        <a:t>TakeEvery</a:t>
+                      </a:r>
+                      <a:endParaRPr lang="en-US" sz="1400">
+                        <a:effectLst/>
+                        <a:latin typeface="Calibri"/>
+                        <a:ea typeface="Calibri"/>
+                        <a:cs typeface="Times New Roman"/>
+                      </a:endParaRPr>
+                    </a:p>
+                  </a:txBody>
+                  <a:tcPr marL="6485" marR="6485" marT="6485" marB="6485" anchor="ctr">
+                    <a:lnL w="12700" cmpd="sng">
+                      <a:noFill/>
+                    </a:lnL>
+                    <a:lnR w="12700" cmpd="sng">
+                      <a:noFill/>
+                    </a:lnR>
+                    <a:lnT w="12700" cap="flat" cmpd="sng" algn="ctr">
+                      <a:solidFill>
+                        <a:schemeClr val="tx1"/>
+                      </a:solidFill>
+                      <a:prstDash val="solid"/>
+                      <a:round/>
+                      <a:headEnd type="none" w="med" len="med"/>
+                      <a:tailEnd type="none" w="med" len="med"/>
+                    </a:lnT>
+                    <a:lnB w="12700" cap="flat" cmpd="sng" algn="ctr">
+                      <a:solidFill>
+                        <a:schemeClr val="tx1"/>
+                      </a:solidFill>
+                      <a:prstDash val="solid"/>
+                      <a:round/>
+                      <a:headEnd type="none" w="med" len="med"/>
+                      <a:tailEnd type="none" w="med" len="med"/>
+                    </a:lnB>
+                    <a:lnTlToBr w="12700" cmpd="sng">
+                      <a:noFill/>
+                      <a:prstDash val="solid"/>
+                    </a:lnTlToBr>
+                    <a:lnBlToTr w="12700" cmpd="sng">
+                      <a:noFill/>
+                      <a:prstDash val="solid"/>
+                    </a:lnBlToTr>
+                    <a:noFill/>
+                  </a:tcPr>
+                </a:tc>
+                <a:tc>
+                  <a:txBody>
+                    <a:bodyPr/>
+                    <a:lstStyle/>
+                    <a:p>
+                      <a:pPr>
+                        <a:lnSpc>
+                          <a:spcPct val="115000"/>
+                        </a:lnSpc>
+                        <a:spcAft>
+                          <a:spcPts val="1000"/>
+                        </a:spcAft>
+                      </a:pPr>
+                      <a:r>
+                        <a:rPr lang="ru-RU" sz="1400" dirty="0">
+                          <a:effectLst/>
+                        </a:rPr>
+                        <a:t>Возвращает каждый </a:t>
+                      </a:r>
+                      <a:r>
+                        <a:rPr lang="en-US" sz="1400" dirty="0">
+                          <a:effectLst/>
+                        </a:rPr>
+                        <a:t>N</a:t>
+                      </a:r>
+                      <a:r>
+                        <a:rPr lang="ru-RU" sz="1400" dirty="0">
+                          <a:effectLst/>
+                        </a:rPr>
+                        <a:t>-й элемент исходной последовательности.</a:t>
+                      </a:r>
+                      <a:endParaRPr lang="en-US" sz="1400" dirty="0">
+                        <a:effectLst/>
+                        <a:latin typeface="Calibri"/>
+                        <a:ea typeface="Calibri"/>
+                        <a:cs typeface="Times New Roman"/>
+                      </a:endParaRPr>
+                    </a:p>
+                  </a:txBody>
+                  <a:tcPr marL="6485" marR="6485" marT="6485" marB="6485" anchor="ctr">
+                    <a:lnL w="12700" cmpd="sng">
+                      <a:noFill/>
+                    </a:lnL>
+                    <a:lnR w="12700" cmpd="sng">
+                      <a:noFill/>
+                    </a:lnR>
+                    <a:lnT w="12700" cap="flat" cmpd="sng" algn="ctr">
+                      <a:solidFill>
+                        <a:schemeClr val="tx1"/>
+                      </a:solidFill>
+                      <a:prstDash val="solid"/>
+                      <a:round/>
+                      <a:headEnd type="none" w="med" len="med"/>
+                      <a:tailEnd type="none" w="med" len="med"/>
+                    </a:lnT>
+                    <a:lnB w="12700" cap="flat" cmpd="sng" algn="ctr">
+                      <a:solidFill>
+                        <a:schemeClr val="tx1"/>
+                      </a:solidFill>
+                      <a:prstDash val="solid"/>
+                      <a:round/>
+                      <a:headEnd type="none" w="med" len="med"/>
+                      <a:tailEnd type="none" w="med" len="med"/>
+                    </a:lnB>
+                    <a:lnTlToBr w="12700" cmpd="sng">
+                      <a:noFill/>
+                      <a:prstDash val="solid"/>
+                    </a:lnTlToBr>
+                    <a:lnBlToTr w="12700" cmpd="sng">
+                      <a:noFill/>
+                      <a:prstDash val="solid"/>
+                    </a:lnBlToTr>
+                    <a:noFill/>
+                  </a:tcPr>
+                </a:tc>
+              </a:tr>
+              <a:tr h="144225">
+                <a:tc>
+                  <a:txBody>
+                    <a:bodyPr/>
+                    <a:lstStyle/>
+                    <a:p>
+                      <a:pPr>
+                        <a:lnSpc>
+                          <a:spcPct val="115000"/>
+                        </a:lnSpc>
+                        <a:spcAft>
+                          <a:spcPts val="1000"/>
+                        </a:spcAft>
+                      </a:pPr>
+                      <a:r>
+                        <a:rPr lang="en-US" sz="1400">
+                          <a:effectLst/>
+                        </a:rPr>
+                        <a:t>TakeLast</a:t>
+                      </a:r>
+                      <a:endParaRPr lang="en-US" sz="1400">
+                        <a:effectLst/>
+                        <a:latin typeface="Calibri"/>
+                        <a:ea typeface="Calibri"/>
+                        <a:cs typeface="Times New Roman"/>
+                      </a:endParaRPr>
+                    </a:p>
+                  </a:txBody>
+                  <a:tcPr marL="6485" marR="6485" marT="6485" marB="6485" anchor="ctr">
+                    <a:lnL w="12700" cmpd="sng">
+                      <a:noFill/>
+                    </a:lnL>
+                    <a:lnR w="12700" cmpd="sng">
+                      <a:noFill/>
+                    </a:lnR>
+                    <a:lnT w="12700" cap="flat" cmpd="sng" algn="ctr">
+                      <a:solidFill>
+                        <a:schemeClr val="tx1"/>
+                      </a:solidFill>
+                      <a:prstDash val="solid"/>
+                      <a:round/>
+                      <a:headEnd type="none" w="med" len="med"/>
+                      <a:tailEnd type="none" w="med" len="med"/>
+                    </a:lnT>
+                    <a:lnB w="12700" cap="flat" cmpd="sng" algn="ctr">
+                      <a:solidFill>
+                        <a:schemeClr val="tx1"/>
+                      </a:solidFill>
+                      <a:prstDash val="solid"/>
+                      <a:round/>
+                      <a:headEnd type="none" w="med" len="med"/>
+                      <a:tailEnd type="none" w="med" len="med"/>
+                    </a:lnB>
+                    <a:lnTlToBr w="12700" cmpd="sng">
+                      <a:noFill/>
+                      <a:prstDash val="solid"/>
+                    </a:lnTlToBr>
+                    <a:lnBlToTr w="12700" cmpd="sng">
+                      <a:noFill/>
+                      <a:prstDash val="solid"/>
+                    </a:lnBlToTr>
+                    <a:noFill/>
+                  </a:tcPr>
+                </a:tc>
+                <a:tc>
+                  <a:txBody>
+                    <a:bodyPr/>
+                    <a:lstStyle/>
+                    <a:p>
+                      <a:pPr>
+                        <a:lnSpc>
+                          <a:spcPct val="115000"/>
+                        </a:lnSpc>
+                        <a:spcAft>
+                          <a:spcPts val="1000"/>
+                        </a:spcAft>
+                      </a:pPr>
+                      <a:r>
+                        <a:rPr lang="ru-RU" sz="1400" dirty="0">
+                          <a:effectLst/>
+                        </a:rPr>
+                        <a:t>Возвращает последние </a:t>
+                      </a:r>
+                      <a:r>
+                        <a:rPr lang="en-US" sz="1400" dirty="0">
+                          <a:effectLst/>
+                        </a:rPr>
+                        <a:t>N</a:t>
+                      </a:r>
+                      <a:r>
+                        <a:rPr lang="ru-RU" sz="1400" dirty="0">
+                          <a:effectLst/>
+                        </a:rPr>
+                        <a:t> элементов исходной последовательности.</a:t>
+                      </a:r>
+                      <a:endParaRPr lang="en-US" sz="1400" dirty="0">
+                        <a:effectLst/>
+                        <a:latin typeface="Calibri"/>
+                        <a:ea typeface="Calibri"/>
+                        <a:cs typeface="Times New Roman"/>
+                      </a:endParaRPr>
+                    </a:p>
+                  </a:txBody>
+                  <a:tcPr marL="6485" marR="6485" marT="6485" marB="6485" anchor="ctr">
+                    <a:lnL w="12700" cmpd="sng">
+                      <a:noFill/>
+                    </a:lnL>
+                    <a:lnR w="12700" cmpd="sng">
+                      <a:noFill/>
+                    </a:lnR>
+                    <a:lnT w="12700" cap="flat" cmpd="sng" algn="ctr">
+                      <a:solidFill>
+                        <a:schemeClr val="tx1"/>
+                      </a:solidFill>
+                      <a:prstDash val="solid"/>
+                      <a:round/>
+                      <a:headEnd type="none" w="med" len="med"/>
+                      <a:tailEnd type="none" w="med" len="med"/>
+                    </a:lnT>
+                    <a:lnB w="12700" cap="flat" cmpd="sng" algn="ctr">
+                      <a:solidFill>
+                        <a:schemeClr val="tx1"/>
+                      </a:solidFill>
+                      <a:prstDash val="solid"/>
+                      <a:round/>
+                      <a:headEnd type="none" w="med" len="med"/>
+                      <a:tailEnd type="none" w="med" len="med"/>
+                    </a:lnB>
+                    <a:lnTlToBr w="12700" cmpd="sng">
+                      <a:noFill/>
+                      <a:prstDash val="solid"/>
+                    </a:lnTlToBr>
+                    <a:lnBlToTr w="12700" cmpd="sng">
+                      <a:noFill/>
+                      <a:prstDash val="solid"/>
+                    </a:lnBlToTr>
+                    <a:noFill/>
+                  </a:tcPr>
+                </a:tc>
+              </a:tr>
+              <a:tr h="406735">
+                <a:tc>
+                  <a:txBody>
+                    <a:bodyPr/>
+                    <a:lstStyle/>
+                    <a:p>
+                      <a:pPr>
+                        <a:lnSpc>
+                          <a:spcPct val="115000"/>
+                        </a:lnSpc>
+                        <a:spcAft>
+                          <a:spcPts val="1000"/>
+                        </a:spcAft>
+                      </a:pPr>
+                      <a:r>
+                        <a:rPr lang="en-US" sz="1400">
+                          <a:effectLst/>
+                        </a:rPr>
+                        <a:t>TakeUntil</a:t>
+                      </a:r>
+                      <a:endParaRPr lang="en-US" sz="1400">
+                        <a:effectLst/>
+                        <a:latin typeface="Calibri"/>
+                        <a:ea typeface="Calibri"/>
+                        <a:cs typeface="Times New Roman"/>
+                      </a:endParaRPr>
+                    </a:p>
+                  </a:txBody>
+                  <a:tcPr marL="6485" marR="6485" marT="6485" marB="6485" anchor="ctr">
+                    <a:lnL w="12700" cmpd="sng">
+                      <a:noFill/>
+                    </a:lnL>
+                    <a:lnR w="12700" cmpd="sng">
+                      <a:noFill/>
+                    </a:lnR>
+                    <a:lnT w="12700" cap="flat" cmpd="sng" algn="ctr">
+                      <a:solidFill>
+                        <a:schemeClr val="tx1"/>
+                      </a:solidFill>
+                      <a:prstDash val="solid"/>
+                      <a:round/>
+                      <a:headEnd type="none" w="med" len="med"/>
+                      <a:tailEnd type="none" w="med" len="med"/>
+                    </a:lnT>
+                    <a:lnB w="12700" cap="flat" cmpd="sng" algn="ctr">
+                      <a:solidFill>
+                        <a:schemeClr val="tx1"/>
+                      </a:solidFill>
+                      <a:prstDash val="solid"/>
+                      <a:round/>
+                      <a:headEnd type="none" w="med" len="med"/>
+                      <a:tailEnd type="none" w="med" len="med"/>
+                    </a:lnB>
+                    <a:lnTlToBr w="12700" cmpd="sng">
+                      <a:noFill/>
+                      <a:prstDash val="solid"/>
+                    </a:lnTlToBr>
+                    <a:lnBlToTr w="12700" cmpd="sng">
+                      <a:noFill/>
+                      <a:prstDash val="solid"/>
+                    </a:lnBlToTr>
+                    <a:noFill/>
+                  </a:tcPr>
+                </a:tc>
+                <a:tc>
+                  <a:txBody>
+                    <a:bodyPr/>
+                    <a:lstStyle/>
+                    <a:p>
+                      <a:pPr>
+                        <a:lnSpc>
+                          <a:spcPct val="115000"/>
+                        </a:lnSpc>
+                        <a:spcAft>
+                          <a:spcPts val="1000"/>
+                        </a:spcAft>
+                      </a:pPr>
+                      <a:r>
+                        <a:rPr lang="ru-RU" sz="1400">
+                          <a:effectLst/>
+                        </a:rPr>
+                        <a:t>Возвращает элементы исходной последовательности, пока заданное условие не станет истинным. </a:t>
+                      </a:r>
+                      <a:r>
+                        <a:rPr lang="en-US" sz="1400">
+                          <a:effectLst/>
+                        </a:rPr>
+                        <a:t>Текущий элемент будет последним возвращенным.</a:t>
+                      </a:r>
+                      <a:endParaRPr lang="en-US" sz="1400">
+                        <a:effectLst/>
+                        <a:latin typeface="Calibri"/>
+                        <a:ea typeface="Calibri"/>
+                        <a:cs typeface="Times New Roman"/>
+                      </a:endParaRPr>
+                    </a:p>
+                  </a:txBody>
+                  <a:tcPr marL="6485" marR="6485" marT="6485" marB="6485" anchor="ctr">
+                    <a:lnL w="12700" cmpd="sng">
+                      <a:noFill/>
+                    </a:lnL>
+                    <a:lnR w="12700" cmpd="sng">
+                      <a:noFill/>
+                    </a:lnR>
+                    <a:lnT w="12700" cap="flat" cmpd="sng" algn="ctr">
+                      <a:solidFill>
+                        <a:schemeClr val="tx1"/>
+                      </a:solidFill>
+                      <a:prstDash val="solid"/>
+                      <a:round/>
+                      <a:headEnd type="none" w="med" len="med"/>
+                      <a:tailEnd type="none" w="med" len="med"/>
+                    </a:lnT>
+                    <a:lnB w="12700" cap="flat" cmpd="sng" algn="ctr">
+                      <a:solidFill>
+                        <a:schemeClr val="tx1"/>
+                      </a:solidFill>
+                      <a:prstDash val="solid"/>
+                      <a:round/>
+                      <a:headEnd type="none" w="med" len="med"/>
+                      <a:tailEnd type="none" w="med" len="med"/>
+                    </a:lnB>
+                    <a:lnTlToBr w="12700" cmpd="sng">
+                      <a:noFill/>
+                      <a:prstDash val="solid"/>
+                    </a:lnTlToBr>
+                    <a:lnBlToTr w="12700" cmpd="sng">
+                      <a:noFill/>
+                      <a:prstDash val="solid"/>
+                    </a:lnBlToTr>
+                    <a:noFill/>
+                  </a:tcPr>
+                </a:tc>
+              </a:tr>
+              <a:tr h="406735">
+                <a:tc>
+                  <a:txBody>
+                    <a:bodyPr/>
+                    <a:lstStyle/>
+                    <a:p>
+                      <a:pPr>
+                        <a:lnSpc>
+                          <a:spcPct val="115000"/>
+                        </a:lnSpc>
+                        <a:spcAft>
+                          <a:spcPts val="1000"/>
+                        </a:spcAft>
+                      </a:pPr>
+                      <a:r>
+                        <a:rPr lang="en-US" sz="1400">
+                          <a:effectLst/>
+                        </a:rPr>
+                        <a:t>ToDataTable</a:t>
+                      </a:r>
+                      <a:endParaRPr lang="en-US" sz="1400">
+                        <a:effectLst/>
+                        <a:latin typeface="Calibri"/>
+                        <a:ea typeface="Calibri"/>
+                        <a:cs typeface="Times New Roman"/>
+                      </a:endParaRPr>
+                    </a:p>
+                  </a:txBody>
+                  <a:tcPr marL="6485" marR="6485" marT="6485" marB="6485" anchor="ctr">
+                    <a:lnL w="12700" cmpd="sng">
+                      <a:noFill/>
+                    </a:lnL>
+                    <a:lnR w="12700" cmpd="sng">
+                      <a:noFill/>
+                    </a:lnR>
+                    <a:lnT w="12700" cap="flat" cmpd="sng" algn="ctr">
+                      <a:solidFill>
+                        <a:schemeClr val="tx1"/>
+                      </a:solidFill>
+                      <a:prstDash val="solid"/>
+                      <a:round/>
+                      <a:headEnd type="none" w="med" len="med"/>
+                      <a:tailEnd type="none" w="med" len="med"/>
+                    </a:lnT>
+                    <a:lnB w="12700" cap="flat" cmpd="sng" algn="ctr">
+                      <a:solidFill>
+                        <a:schemeClr val="tx1"/>
+                      </a:solidFill>
+                      <a:prstDash val="solid"/>
+                      <a:round/>
+                      <a:headEnd type="none" w="med" len="med"/>
+                      <a:tailEnd type="none" w="med" len="med"/>
+                    </a:lnB>
+                    <a:lnTlToBr w="12700" cmpd="sng">
+                      <a:noFill/>
+                      <a:prstDash val="solid"/>
+                    </a:lnTlToBr>
+                    <a:lnBlToTr w="12700" cmpd="sng">
+                      <a:noFill/>
+                      <a:prstDash val="solid"/>
+                    </a:lnBlToTr>
+                    <a:noFill/>
+                  </a:tcPr>
+                </a:tc>
+                <a:tc>
+                  <a:txBody>
+                    <a:bodyPr/>
+                    <a:lstStyle/>
+                    <a:p>
+                      <a:pPr>
+                        <a:lnSpc>
+                          <a:spcPct val="115000"/>
+                        </a:lnSpc>
+                        <a:spcAft>
+                          <a:spcPts val="1000"/>
+                        </a:spcAft>
+                      </a:pPr>
+                      <a:r>
+                        <a:rPr lang="ru-RU" sz="1400" dirty="0">
+                          <a:effectLst/>
+                        </a:rPr>
+                        <a:t>Позволяет преобразовать последовательность в новую </a:t>
+                      </a:r>
+                      <a:r>
+                        <a:rPr lang="en-US" sz="1400" dirty="0" err="1">
+                          <a:effectLst/>
+                        </a:rPr>
+                        <a:t>DataTable</a:t>
+                      </a:r>
+                      <a:r>
+                        <a:rPr lang="ru-RU" sz="1400" dirty="0">
+                          <a:effectLst/>
+                        </a:rPr>
+                        <a:t> или заполнить имеющуюся</a:t>
+                      </a:r>
+                      <a:r>
+                        <a:rPr lang="ru-RU" sz="1400" dirty="0" smtClean="0">
+                          <a:effectLst/>
+                        </a:rPr>
+                        <a:t>.</a:t>
+                      </a:r>
+                      <a:endParaRPr lang="en-US" sz="1400" dirty="0">
+                        <a:effectLst/>
+                        <a:latin typeface="Calibri"/>
+                        <a:ea typeface="Calibri"/>
+                        <a:cs typeface="Times New Roman"/>
+                      </a:endParaRPr>
+                    </a:p>
+                  </a:txBody>
+                  <a:tcPr marL="6485" marR="6485" marT="6485" marB="6485" anchor="ctr">
+                    <a:lnL w="12700" cmpd="sng">
+                      <a:noFill/>
+                    </a:lnL>
+                    <a:lnR w="12700" cmpd="sng">
+                      <a:noFill/>
+                    </a:lnR>
+                    <a:lnT w="12700" cap="flat" cmpd="sng" algn="ctr">
+                      <a:solidFill>
+                        <a:schemeClr val="tx1"/>
+                      </a:solidFill>
+                      <a:prstDash val="solid"/>
+                      <a:round/>
+                      <a:headEnd type="none" w="med" len="med"/>
+                      <a:tailEnd type="none" w="med" len="med"/>
+                    </a:lnT>
+                    <a:lnB w="12700" cap="flat" cmpd="sng" algn="ctr">
+                      <a:solidFill>
+                        <a:schemeClr val="tx1"/>
+                      </a:solidFill>
+                      <a:prstDash val="solid"/>
+                      <a:round/>
+                      <a:headEnd type="none" w="med" len="med"/>
+                      <a:tailEnd type="none" w="med" len="med"/>
+                    </a:lnB>
+                    <a:lnTlToBr w="12700" cmpd="sng">
+                      <a:noFill/>
+                      <a:prstDash val="solid"/>
+                    </a:lnTlToBr>
+                    <a:lnBlToTr w="12700" cmpd="sng">
+                      <a:noFill/>
+                      <a:prstDash val="solid"/>
+                    </a:lnBlToTr>
+                    <a:noFill/>
+                  </a:tcPr>
+                </a:tc>
+              </a:tr>
+              <a:tr h="275480">
+                <a:tc>
+                  <a:txBody>
+                    <a:bodyPr/>
+                    <a:lstStyle/>
+                    <a:p>
+                      <a:pPr>
+                        <a:lnSpc>
+                          <a:spcPct val="115000"/>
+                        </a:lnSpc>
+                        <a:spcAft>
+                          <a:spcPts val="1000"/>
+                        </a:spcAft>
+                      </a:pPr>
+                      <a:r>
+                        <a:rPr lang="en-US" sz="1400">
+                          <a:effectLst/>
+                        </a:rPr>
+                        <a:t>ToDelimitedString</a:t>
+                      </a:r>
+                      <a:endParaRPr lang="en-US" sz="1400">
+                        <a:effectLst/>
+                        <a:latin typeface="Calibri"/>
+                        <a:ea typeface="Calibri"/>
+                        <a:cs typeface="Times New Roman"/>
+                      </a:endParaRPr>
+                    </a:p>
+                  </a:txBody>
+                  <a:tcPr marL="6485" marR="6485" marT="6485" marB="6485" anchor="ctr">
+                    <a:lnL w="12700" cmpd="sng">
+                      <a:noFill/>
+                    </a:lnL>
+                    <a:lnR w="12700" cmpd="sng">
+                      <a:noFill/>
+                    </a:lnR>
+                    <a:lnT w="12700" cap="flat" cmpd="sng" algn="ctr">
+                      <a:solidFill>
+                        <a:schemeClr val="tx1"/>
+                      </a:solidFill>
+                      <a:prstDash val="solid"/>
+                      <a:round/>
+                      <a:headEnd type="none" w="med" len="med"/>
+                      <a:tailEnd type="none" w="med" len="med"/>
+                    </a:lnT>
+                    <a:lnB w="12700" cap="flat" cmpd="sng" algn="ctr">
+                      <a:solidFill>
+                        <a:schemeClr val="tx1"/>
+                      </a:solidFill>
+                      <a:prstDash val="solid"/>
+                      <a:round/>
+                      <a:headEnd type="none" w="med" len="med"/>
+                      <a:tailEnd type="none" w="med" len="med"/>
+                    </a:lnB>
+                    <a:lnTlToBr w="12700" cmpd="sng">
+                      <a:noFill/>
+                      <a:prstDash val="solid"/>
+                    </a:lnTlToBr>
+                    <a:lnBlToTr w="12700" cmpd="sng">
+                      <a:noFill/>
+                      <a:prstDash val="solid"/>
+                    </a:lnBlToTr>
+                    <a:noFill/>
+                  </a:tcPr>
+                </a:tc>
+                <a:tc>
+                  <a:txBody>
+                    <a:bodyPr/>
+                    <a:lstStyle/>
+                    <a:p>
+                      <a:pPr>
+                        <a:lnSpc>
+                          <a:spcPct val="115000"/>
+                        </a:lnSpc>
+                        <a:spcAft>
+                          <a:spcPts val="1000"/>
+                        </a:spcAft>
+                      </a:pPr>
+                      <a:r>
+                        <a:rPr lang="ru-RU" sz="1400" dirty="0">
+                          <a:effectLst/>
+                        </a:rPr>
+                        <a:t>Преобразует последовательность в строку с </a:t>
+                      </a:r>
+                      <a:r>
+                        <a:rPr lang="ru-RU" sz="1400" dirty="0" smtClean="0">
+                          <a:effectLst/>
+                        </a:rPr>
+                        <a:t>разделителями.</a:t>
+                      </a:r>
+                      <a:endParaRPr lang="en-US" sz="1400" dirty="0">
+                        <a:effectLst/>
+                        <a:latin typeface="Calibri"/>
+                        <a:ea typeface="Calibri"/>
+                        <a:cs typeface="Times New Roman"/>
+                      </a:endParaRPr>
+                    </a:p>
+                  </a:txBody>
+                  <a:tcPr marL="6485" marR="6485" marT="6485" marB="6485" anchor="ctr">
+                    <a:lnL w="12700" cmpd="sng">
+                      <a:noFill/>
+                    </a:lnL>
+                    <a:lnR w="12700" cmpd="sng">
+                      <a:noFill/>
+                    </a:lnR>
+                    <a:lnT w="12700" cap="flat" cmpd="sng" algn="ctr">
+                      <a:solidFill>
+                        <a:schemeClr val="tx1"/>
+                      </a:solidFill>
+                      <a:prstDash val="solid"/>
+                      <a:round/>
+                      <a:headEnd type="none" w="med" len="med"/>
+                      <a:tailEnd type="none" w="med" len="med"/>
+                    </a:lnT>
+                    <a:lnB w="12700" cap="flat" cmpd="sng" algn="ctr">
+                      <a:solidFill>
+                        <a:schemeClr val="tx1"/>
+                      </a:solidFill>
+                      <a:prstDash val="solid"/>
+                      <a:round/>
+                      <a:headEnd type="none" w="med" len="med"/>
+                      <a:tailEnd type="none" w="med" len="med"/>
+                    </a:lnB>
+                    <a:lnTlToBr w="12700" cmpd="sng">
+                      <a:noFill/>
+                      <a:prstDash val="solid"/>
+                    </a:lnTlToBr>
+                    <a:lnBlToTr w="12700" cmpd="sng">
+                      <a:noFill/>
+                      <a:prstDash val="solid"/>
+                    </a:lnBlToTr>
+                    <a:noFill/>
+                  </a:tcPr>
+                </a:tc>
+              </a:tr>
+              <a:tr h="144225">
+                <a:tc>
+                  <a:txBody>
+                    <a:bodyPr/>
+                    <a:lstStyle/>
+                    <a:p>
+                      <a:pPr>
+                        <a:lnSpc>
+                          <a:spcPct val="115000"/>
+                        </a:lnSpc>
+                        <a:spcAft>
+                          <a:spcPts val="1000"/>
+                        </a:spcAft>
+                      </a:pPr>
+                      <a:r>
+                        <a:rPr lang="en-US" sz="1400">
+                          <a:effectLst/>
+                        </a:rPr>
+                        <a:t>ToHashSet</a:t>
+                      </a:r>
+                      <a:endParaRPr lang="en-US" sz="1400">
+                        <a:effectLst/>
+                        <a:latin typeface="Calibri"/>
+                        <a:ea typeface="Calibri"/>
+                        <a:cs typeface="Times New Roman"/>
+                      </a:endParaRPr>
+                    </a:p>
+                  </a:txBody>
+                  <a:tcPr marL="6485" marR="6485" marT="6485" marB="6485" anchor="ctr">
+                    <a:lnL w="12700" cmpd="sng">
+                      <a:noFill/>
+                    </a:lnL>
+                    <a:lnR w="12700" cmpd="sng">
+                      <a:noFill/>
+                    </a:lnR>
+                    <a:lnT w="12700" cap="flat" cmpd="sng" algn="ctr">
+                      <a:solidFill>
+                        <a:schemeClr val="tx1"/>
+                      </a:solidFill>
+                      <a:prstDash val="solid"/>
+                      <a:round/>
+                      <a:headEnd type="none" w="med" len="med"/>
+                      <a:tailEnd type="none" w="med" len="med"/>
+                    </a:lnT>
+                    <a:lnB w="12700" cap="flat" cmpd="sng" algn="ctr">
+                      <a:solidFill>
+                        <a:schemeClr val="tx1"/>
+                      </a:solidFill>
+                      <a:prstDash val="solid"/>
+                      <a:round/>
+                      <a:headEnd type="none" w="med" len="med"/>
+                      <a:tailEnd type="none" w="med" len="med"/>
+                    </a:lnB>
+                    <a:lnTlToBr w="12700" cmpd="sng">
+                      <a:noFill/>
+                      <a:prstDash val="solid"/>
+                    </a:lnTlToBr>
+                    <a:lnBlToTr w="12700" cmpd="sng">
+                      <a:noFill/>
+                      <a:prstDash val="solid"/>
+                    </a:lnBlToTr>
+                    <a:noFill/>
+                  </a:tcPr>
+                </a:tc>
+                <a:tc>
+                  <a:txBody>
+                    <a:bodyPr/>
+                    <a:lstStyle/>
+                    <a:p>
+                      <a:pPr>
+                        <a:lnSpc>
+                          <a:spcPct val="115000"/>
+                        </a:lnSpc>
+                        <a:spcAft>
+                          <a:spcPts val="1000"/>
+                        </a:spcAft>
+                      </a:pPr>
+                      <a:r>
+                        <a:rPr lang="ru-RU" sz="1400" dirty="0">
+                          <a:effectLst/>
+                        </a:rPr>
+                        <a:t>Возвращает </a:t>
+                      </a:r>
+                      <a:r>
+                        <a:rPr lang="en-US" sz="1400" dirty="0" err="1" smtClean="0">
+                          <a:effectLst/>
+                        </a:rPr>
+                        <a:t>HashSet</a:t>
+                      </a:r>
+                      <a:r>
+                        <a:rPr lang="en-US" sz="1400" dirty="0" smtClean="0">
+                          <a:effectLst/>
+                        </a:rPr>
+                        <a:t>&lt;T&gt;</a:t>
+                      </a:r>
+                      <a:r>
+                        <a:rPr lang="ru-RU" sz="1400" dirty="0" smtClean="0">
+                          <a:effectLst/>
+                        </a:rPr>
+                        <a:t> </a:t>
+                      </a:r>
+                      <a:r>
+                        <a:rPr lang="ru-RU" sz="1400" dirty="0">
+                          <a:effectLst/>
+                        </a:rPr>
+                        <a:t>от исходных элементов.</a:t>
+                      </a:r>
+                      <a:endParaRPr lang="en-US" sz="1400" dirty="0">
+                        <a:effectLst/>
+                        <a:latin typeface="Calibri"/>
+                        <a:ea typeface="Calibri"/>
+                        <a:cs typeface="Times New Roman"/>
+                      </a:endParaRPr>
+                    </a:p>
+                  </a:txBody>
+                  <a:tcPr marL="6485" marR="6485" marT="6485" marB="6485" anchor="ctr">
+                    <a:lnL w="12700" cmpd="sng">
+                      <a:noFill/>
+                    </a:lnL>
+                    <a:lnR w="12700" cmpd="sng">
+                      <a:noFill/>
+                    </a:lnR>
+                    <a:lnT w="12700" cap="flat" cmpd="sng" algn="ctr">
+                      <a:solidFill>
+                        <a:schemeClr val="tx1"/>
+                      </a:solidFill>
+                      <a:prstDash val="solid"/>
+                      <a:round/>
+                      <a:headEnd type="none" w="med" len="med"/>
+                      <a:tailEnd type="none" w="med" len="med"/>
+                    </a:lnT>
+                    <a:lnB w="12700" cap="flat" cmpd="sng" algn="ctr">
+                      <a:solidFill>
+                        <a:schemeClr val="tx1"/>
+                      </a:solidFill>
+                      <a:prstDash val="solid"/>
+                      <a:round/>
+                      <a:headEnd type="none" w="med" len="med"/>
+                      <a:tailEnd type="none" w="med" len="med"/>
+                    </a:lnB>
+                    <a:lnTlToBr w="12700" cmpd="sng">
+                      <a:noFill/>
+                      <a:prstDash val="solid"/>
+                    </a:lnTlToBr>
+                    <a:lnBlToTr w="12700" cmpd="sng">
+                      <a:noFill/>
+                      <a:prstDash val="solid"/>
+                    </a:lnBlToTr>
+                    <a:noFill/>
+                  </a:tcPr>
+                </a:tc>
+              </a:tr>
+              <a:tr h="275480">
+                <a:tc>
+                  <a:txBody>
+                    <a:bodyPr/>
+                    <a:lstStyle/>
+                    <a:p>
+                      <a:pPr>
+                        <a:lnSpc>
+                          <a:spcPct val="115000"/>
+                        </a:lnSpc>
+                        <a:spcAft>
+                          <a:spcPts val="1000"/>
+                        </a:spcAft>
+                      </a:pPr>
+                      <a:r>
+                        <a:rPr lang="en-US" sz="1400">
+                          <a:effectLst/>
+                        </a:rPr>
+                        <a:t>Zip</a:t>
+                      </a:r>
+                      <a:endParaRPr lang="en-US" sz="1400">
+                        <a:effectLst/>
+                        <a:latin typeface="Calibri"/>
+                        <a:ea typeface="Calibri"/>
+                        <a:cs typeface="Times New Roman"/>
+                      </a:endParaRPr>
+                    </a:p>
+                  </a:txBody>
+                  <a:tcPr marL="6485" marR="6485" marT="6485" marB="6485" anchor="ctr">
+                    <a:lnL w="12700" cmpd="sng">
+                      <a:noFill/>
+                    </a:lnL>
+                    <a:lnR w="12700" cmpd="sng">
+                      <a:noFill/>
+                    </a:lnR>
+                    <a:lnT w="12700" cap="flat" cmpd="sng" algn="ctr">
+                      <a:solidFill>
+                        <a:schemeClr val="tx1"/>
+                      </a:solidFill>
+                      <a:prstDash val="solid"/>
+                      <a:round/>
+                      <a:headEnd type="none" w="med" len="med"/>
+                      <a:tailEnd type="none" w="med" len="med"/>
+                    </a:lnT>
+                    <a:lnB w="12700" cap="flat" cmpd="sng" algn="ctr">
+                      <a:solidFill>
+                        <a:schemeClr val="tx1"/>
+                      </a:solidFill>
+                      <a:prstDash val="solid"/>
+                      <a:round/>
+                      <a:headEnd type="none" w="med" len="med"/>
+                      <a:tailEnd type="none" w="med" len="med"/>
+                    </a:lnB>
+                    <a:lnTlToBr w="12700" cmpd="sng">
+                      <a:noFill/>
+                      <a:prstDash val="solid"/>
+                    </a:lnTlToBr>
+                    <a:lnBlToTr w="12700" cmpd="sng">
+                      <a:noFill/>
+                      <a:prstDash val="solid"/>
+                    </a:lnBlToTr>
+                    <a:noFill/>
+                  </a:tcPr>
+                </a:tc>
+                <a:tc>
+                  <a:txBody>
+                    <a:bodyPr/>
+                    <a:lstStyle/>
+                    <a:p>
+                      <a:pPr>
+                        <a:lnSpc>
+                          <a:spcPct val="115000"/>
+                        </a:lnSpc>
+                        <a:spcAft>
+                          <a:spcPts val="1000"/>
+                        </a:spcAft>
+                      </a:pPr>
+                      <a:r>
+                        <a:rPr lang="ru-RU" sz="1400" dirty="0">
+                          <a:effectLst/>
+                        </a:rPr>
+                        <a:t>То же, что </a:t>
+                      </a:r>
+                      <a:r>
+                        <a:rPr lang="en-US" sz="1400" dirty="0" err="1">
+                          <a:effectLst/>
+                        </a:rPr>
+                        <a:t>EquiZip</a:t>
+                      </a:r>
+                      <a:r>
+                        <a:rPr lang="ru-RU" sz="1400" dirty="0">
+                          <a:effectLst/>
+                        </a:rPr>
+                        <a:t>, но длина результирующей последовательности будет равна длине наименьшей из исходных.</a:t>
+                      </a:r>
+                      <a:endParaRPr lang="en-US" sz="1400" dirty="0">
+                        <a:effectLst/>
+                        <a:latin typeface="Calibri"/>
+                        <a:ea typeface="Calibri"/>
+                        <a:cs typeface="Times New Roman"/>
+                      </a:endParaRPr>
+                    </a:p>
+                  </a:txBody>
+                  <a:tcPr marL="6485" marR="6485" marT="6485" marB="6485" anchor="ctr">
+                    <a:lnL w="12700" cmpd="sng">
+                      <a:noFill/>
+                    </a:lnL>
+                    <a:lnR w="12700" cmpd="sng">
+                      <a:noFill/>
+                    </a:lnR>
+                    <a:lnT w="12700" cap="flat" cmpd="sng" algn="ctr">
+                      <a:solidFill>
+                        <a:schemeClr val="tx1"/>
+                      </a:solidFill>
+                      <a:prstDash val="solid"/>
+                      <a:round/>
+                      <a:headEnd type="none" w="med" len="med"/>
+                      <a:tailEnd type="none" w="med" len="med"/>
+                    </a:lnT>
+                    <a:lnB w="12700" cap="flat" cmpd="sng" algn="ctr">
+                      <a:solidFill>
+                        <a:schemeClr val="tx1"/>
+                      </a:solidFill>
+                      <a:prstDash val="solid"/>
+                      <a:round/>
+                      <a:headEnd type="none" w="med" len="med"/>
+                      <a:tailEnd type="none" w="med" len="med"/>
+                    </a:lnB>
+                    <a:lnTlToBr w="12700" cmpd="sng">
+                      <a:noFill/>
+                      <a:prstDash val="solid"/>
+                    </a:lnTlToBr>
+                    <a:lnBlToTr w="12700" cmpd="sng">
+                      <a:noFill/>
+                      <a:prstDash val="solid"/>
+                    </a:lnBlToTr>
+                    <a:noFill/>
+                  </a:tcPr>
+                </a:tc>
+              </a:tr>
+              <a:tr h="537990">
+                <a:tc>
+                  <a:txBody>
+                    <a:bodyPr/>
+                    <a:lstStyle/>
+                    <a:p>
+                      <a:pPr>
+                        <a:lnSpc>
+                          <a:spcPct val="115000"/>
+                        </a:lnSpc>
+                        <a:spcAft>
+                          <a:spcPts val="1000"/>
+                        </a:spcAft>
+                      </a:pPr>
+                      <a:r>
+                        <a:rPr lang="en-US" sz="1400">
+                          <a:effectLst/>
+                        </a:rPr>
+                        <a:t>ZipLongest</a:t>
+                      </a:r>
+                      <a:endParaRPr lang="en-US" sz="1400">
+                        <a:effectLst/>
+                        <a:latin typeface="Calibri"/>
+                        <a:ea typeface="Calibri"/>
+                        <a:cs typeface="Times New Roman"/>
+                      </a:endParaRPr>
+                    </a:p>
+                  </a:txBody>
+                  <a:tcPr marL="6485" marR="6485" marT="6485" marB="6485" anchor="ctr">
+                    <a:lnL w="12700" cmpd="sng">
+                      <a:noFill/>
+                    </a:lnL>
+                    <a:lnR w="12700" cmpd="sng">
+                      <a:noFill/>
+                    </a:lnR>
+                    <a:lnT w="12700" cap="flat" cmpd="sng" algn="ctr">
+                      <a:solidFill>
+                        <a:schemeClr val="tx1"/>
+                      </a:solidFill>
+                      <a:prstDash val="solid"/>
+                      <a:round/>
+                      <a:headEnd type="none" w="med" len="med"/>
+                      <a:tailEnd type="none" w="med" len="med"/>
+                    </a:lnT>
+                    <a:lnB w="12700" cap="flat" cmpd="sng" algn="ctr">
+                      <a:solidFill>
+                        <a:schemeClr val="tx1"/>
+                      </a:solidFill>
+                      <a:prstDash val="solid"/>
+                      <a:round/>
+                      <a:headEnd type="none" w="med" len="med"/>
+                      <a:tailEnd type="none" w="med" len="med"/>
+                    </a:lnB>
+                    <a:lnTlToBr w="12700" cmpd="sng">
+                      <a:noFill/>
+                      <a:prstDash val="solid"/>
+                    </a:lnTlToBr>
+                    <a:lnBlToTr w="12700" cmpd="sng">
+                      <a:noFill/>
+                      <a:prstDash val="solid"/>
+                    </a:lnBlToTr>
+                    <a:noFill/>
+                  </a:tcPr>
+                </a:tc>
+                <a:tc>
+                  <a:txBody>
+                    <a:bodyPr/>
+                    <a:lstStyle/>
+                    <a:p>
+                      <a:pPr>
+                        <a:lnSpc>
+                          <a:spcPct val="115000"/>
+                        </a:lnSpc>
+                        <a:spcAft>
+                          <a:spcPts val="1000"/>
+                        </a:spcAft>
+                      </a:pPr>
+                      <a:r>
+                        <a:rPr lang="ru-RU" sz="1400" dirty="0">
+                          <a:effectLst/>
+                        </a:rPr>
+                        <a:t>То же, что </a:t>
+                      </a:r>
+                      <a:r>
+                        <a:rPr lang="en-US" sz="1400" dirty="0" err="1">
+                          <a:effectLst/>
+                        </a:rPr>
+                        <a:t>EquiZip</a:t>
+                      </a:r>
+                      <a:r>
+                        <a:rPr lang="ru-RU" sz="1400" dirty="0">
+                          <a:effectLst/>
+                        </a:rPr>
+                        <a:t>, но длина результирующей последовательности будет равна длине наибольшей из исходных (в качестве недостающих значений будет использовано значение по умолчанию).</a:t>
+                      </a:r>
+                      <a:endParaRPr lang="en-US" sz="1400" dirty="0">
+                        <a:effectLst/>
+                        <a:latin typeface="Calibri"/>
+                        <a:ea typeface="Calibri"/>
+                        <a:cs typeface="Times New Roman"/>
+                      </a:endParaRPr>
+                    </a:p>
+                  </a:txBody>
+                  <a:tcPr marL="6485" marR="6485" marT="6485" marB="6485" anchor="ctr">
+                    <a:lnL w="12700" cmpd="sng">
+                      <a:noFill/>
+                    </a:lnL>
+                    <a:lnR w="12700" cmpd="sng">
+                      <a:noFill/>
+                    </a:lnR>
+                    <a:lnT w="12700" cap="flat" cmpd="sng" algn="ctr">
+                      <a:solidFill>
+                        <a:schemeClr val="tx1"/>
+                      </a:solidFill>
+                      <a:prstDash val="solid"/>
+                      <a:round/>
+                      <a:headEnd type="none" w="med" len="med"/>
+                      <a:tailEnd type="none" w="med" len="med"/>
+                    </a:lnT>
+                    <a:lnB w="12700" cap="flat" cmpd="sng" algn="ctr">
+                      <a:solidFill>
+                        <a:schemeClr val="tx1"/>
+                      </a:solidFill>
+                      <a:prstDash val="solid"/>
+                      <a:round/>
+                      <a:headEnd type="none" w="med" len="med"/>
+                      <a:tailEnd type="none" w="med" len="med"/>
+                    </a:lnB>
+                    <a:lnTlToBr w="12700" cmpd="sng">
+                      <a:noFill/>
+                      <a:prstDash val="solid"/>
+                    </a:lnTlToBr>
+                    <a:lnBlToTr w="12700" cmpd="sng">
+                      <a:noFill/>
+                      <a:prstDash val="solid"/>
+                    </a:lnBlToTr>
+                    <a:noFill/>
+                  </a:tcPr>
+                </a:tc>
+              </a:tr>
+            </a:tbl>
+          </a:graphicData>
+        </a:graphic>
+      </p:graphicFrame>
+    </p:spTree>
+    <p:extLst>
+      <p:ext uri="{BB962C8B-B14F-4D97-AF65-F5344CB8AC3E}">
+        <p14:creationId xmlns:p14="http://schemas.microsoft.com/office/powerpoint/2010/main" val="11906281"/>
+      </p:ext>
+    </p:extLst>
+  </p:cSld>
+  <p:clrMapOvr>
+    <a:masterClrMapping/>
+  </p:clrMapOvr>
+  <p:timing>
+    <p:tnLst>
+      <p:par>
+        <p:cTn id="1" dur="indefinite" restart="never" nodeType="tmRoot"/>
+      </p:par>
+    </p:tnLst>
+  </p:timing>
+</p:sld>
+</file>
+
 <file path=ppt/slides/slide2.xml><?xml version="1.0" encoding="utf-8"?>
 <p:sld xmlns:a="http://schemas.openxmlformats.org/drawingml/2006/main" xmlns:r="http://schemas.openxmlformats.org/officeDocument/2006/relationships" xmlns:p="http://schemas.openxmlformats.org/presentationml/2006/main">
   <p:cSld>
@@ -3700,6 +8327,137 @@
           <a:lstStyle/>
           <a:p>
             <a:r>
+              <a:rPr lang="en-US" dirty="0" err="1" smtClean="0"/>
+              <a:t>LINQPad</a:t>
+            </a:r>
+            <a:endParaRPr lang="en-US" dirty="0"/>
+          </a:p>
+        </p:txBody>
+      </p:sp>
+      <p:sp>
+        <p:nvSpPr>
+          <p:cNvPr id="3" name="Content Placeholder 2"/>
+          <p:cNvSpPr>
+            <a:spLocks noGrp="1"/>
+          </p:cNvSpPr>
+          <p:nvPr>
+            <p:ph idx="1"/>
+          </p:nvPr>
+        </p:nvSpPr>
+        <p:spPr/>
+        <p:txBody>
+          <a:bodyPr/>
+          <a:lstStyle/>
+          <a:p>
+            <a:pPr marL="0" indent="0">
+              <a:buNone/>
+            </a:pPr>
+            <a:r>
+              <a:rPr lang="ru-RU" dirty="0" smtClean="0"/>
+              <a:t>Удобная утилита для тестирования </a:t>
+            </a:r>
+            <a:r>
+              <a:rPr lang="en-US" dirty="0" smtClean="0"/>
+              <a:t>LINQ </a:t>
+            </a:r>
+            <a:r>
+              <a:rPr lang="ru-RU" dirty="0" smtClean="0"/>
+              <a:t>запросов и написания </a:t>
+            </a:r>
+            <a:r>
+              <a:rPr lang="en-US" dirty="0" smtClean="0"/>
+              <a:t>C# </a:t>
+            </a:r>
+            <a:r>
+              <a:rPr lang="ru-RU" dirty="0" smtClean="0"/>
+              <a:t>скриптов.</a:t>
+            </a:r>
+          </a:p>
+          <a:p>
+            <a:pPr marL="0" indent="0">
+              <a:buNone/>
+            </a:pPr>
+            <a:endParaRPr lang="ru-RU" dirty="0"/>
+          </a:p>
+          <a:p>
+            <a:pPr marL="0" indent="0">
+              <a:buNone/>
+            </a:pPr>
+            <a:r>
+              <a:rPr lang="en-US" dirty="0">
+                <a:hlinkClick r:id="rId2"/>
+              </a:rPr>
+              <a:t>http://www.linqpad.net</a:t>
+            </a:r>
+            <a:r>
+              <a:rPr lang="en-US" dirty="0" smtClean="0">
+                <a:hlinkClick r:id="rId2"/>
+              </a:rPr>
+              <a:t>/</a:t>
+            </a:r>
+            <a:endParaRPr lang="ru-RU" dirty="0" smtClean="0"/>
+          </a:p>
+          <a:p>
+            <a:pPr marL="0" indent="0">
+              <a:buNone/>
+            </a:pPr>
+            <a:endParaRPr lang="en-US" dirty="0"/>
+          </a:p>
+        </p:txBody>
+      </p:sp>
+    </p:spTree>
+    <p:extLst>
+      <p:ext uri="{BB962C8B-B14F-4D97-AF65-F5344CB8AC3E}">
+        <p14:creationId xmlns:p14="http://schemas.microsoft.com/office/powerpoint/2010/main" val="3577814463"/>
+      </p:ext>
+    </p:extLst>
+  </p:cSld>
+  <p:clrMapOvr>
+    <a:masterClrMapping/>
+  </p:clrMapOvr>
+  <p:timing>
+    <p:tnLst>
+      <p:par>
+        <p:cTn id="1" dur="indefinite" restart="never" nodeType="tmRoot"/>
+      </p:par>
+    </p:tnLst>
+  </p:timing>
+</p:sld>
+</file>
+
+<file path=ppt/slides/slide5.xml><?xml version="1.0" encoding="utf-8"?>
+<p:sld xmlns:a="http://schemas.openxmlformats.org/drawingml/2006/main" xmlns:r="http://schemas.openxmlformats.org/officeDocument/2006/relationships" xmlns:p="http://schemas.openxmlformats.org/presentationml/2006/main">
+  <p:cSld>
+    <p:spTree>
+      <p:nvGrpSpPr>
+        <p:cNvPr id="1" name=""/>
+        <p:cNvGrpSpPr/>
+        <p:nvPr/>
+      </p:nvGrpSpPr>
+      <p:grpSpPr>
+        <a:xfrm>
+          <a:off x="0" y="0"/>
+          <a:ext cx="0" cy="0"/>
+          <a:chOff x="0" y="0"/>
+          <a:chExt cx="0" cy="0"/>
+        </a:xfrm>
+      </p:grpSpPr>
+      <p:sp>
+        <p:nvSpPr>
+          <p:cNvPr id="2" name="Title 1"/>
+          <p:cNvSpPr>
+            <a:spLocks noGrp="1"/>
+          </p:cNvSpPr>
+          <p:nvPr>
+            <p:ph type="title"/>
+          </p:nvPr>
+        </p:nvSpPr>
+        <p:spPr/>
+        <p:txBody>
+          <a:bodyPr/>
+          <a:lstStyle/>
+          <a:p>
+            <a:r>
               <a:rPr lang="ru-RU" dirty="0" smtClean="0"/>
               <a:t>Виды </a:t>
             </a:r>
@@ -3805,7 +8563,465 @@
 </p:sld>
 </file>
 
-<file path=ppt/slides/slide5.xml><?xml version="1.0" encoding="utf-8"?>
+<file path=ppt/slides/slide6.xml><?xml version="1.0" encoding="utf-8"?>
+<p:sld xmlns:a="http://schemas.openxmlformats.org/drawingml/2006/main" xmlns:r="http://schemas.openxmlformats.org/officeDocument/2006/relationships" xmlns:p="http://schemas.openxmlformats.org/presentationml/2006/main">
+  <p:cSld>
+    <p:spTree>
+      <p:nvGrpSpPr>
+        <p:cNvPr id="1" name=""/>
+        <p:cNvGrpSpPr/>
+        <p:nvPr/>
+      </p:nvGrpSpPr>
+      <p:grpSpPr>
+        <a:xfrm>
+          <a:off x="0" y="0"/>
+          <a:ext cx="0" cy="0"/>
+          <a:chOff x="0" y="0"/>
+          <a:chExt cx="0" cy="0"/>
+        </a:xfrm>
+      </p:grpSpPr>
+      <p:sp>
+        <p:nvSpPr>
+          <p:cNvPr id="2" name="Title 1"/>
+          <p:cNvSpPr>
+            <a:spLocks noGrp="1"/>
+          </p:cNvSpPr>
+          <p:nvPr>
+            <p:ph type="title"/>
+          </p:nvPr>
+        </p:nvSpPr>
+        <p:spPr/>
+        <p:txBody>
+          <a:bodyPr/>
+          <a:lstStyle/>
+          <a:p>
+            <a:r>
+              <a:rPr lang="en-US" dirty="0" smtClean="0"/>
+              <a:t>Extension </a:t>
+            </a:r>
+            <a:r>
+              <a:rPr lang="ru-RU" dirty="0" smtClean="0"/>
+              <a:t>методы</a:t>
+            </a:r>
+            <a:endParaRPr lang="en-US" dirty="0"/>
+          </a:p>
+        </p:txBody>
+      </p:sp>
+      <p:sp>
+        <p:nvSpPr>
+          <p:cNvPr id="3" name="Content Placeholder 2"/>
+          <p:cNvSpPr>
+            <a:spLocks noGrp="1"/>
+          </p:cNvSpPr>
+          <p:nvPr>
+            <p:ph idx="1"/>
+          </p:nvPr>
+        </p:nvSpPr>
+        <p:spPr/>
+        <p:txBody>
+          <a:bodyPr>
+            <a:normAutofit lnSpcReduction="10000"/>
+          </a:bodyPr>
+          <a:lstStyle/>
+          <a:p>
+            <a:pPr marL="0" indent="0">
+              <a:buNone/>
+            </a:pPr>
+            <a:r>
+              <a:rPr lang="ru-RU" dirty="0" smtClean="0"/>
+              <a:t>Позволяют добавлять методы к уже существующим классам без нарушения инкапсуляции.</a:t>
+            </a:r>
+          </a:p>
+          <a:p>
+            <a:pPr marL="0" indent="0">
+              <a:buNone/>
+            </a:pPr>
+            <a:endParaRPr lang="ru-RU" dirty="0"/>
+          </a:p>
+          <a:p>
+            <a:pPr marL="0" indent="0">
+              <a:buNone/>
+            </a:pPr>
+            <a:r>
+              <a:rPr lang="en-US" sz="1600" dirty="0" smtClean="0">
+                <a:solidFill>
+                  <a:srgbClr val="FFFF00"/>
+                </a:solidFill>
+                <a:latin typeface="Courier New" pitchFamily="49" charset="0"/>
+                <a:cs typeface="Courier New" pitchFamily="49" charset="0"/>
+              </a:rPr>
+              <a:t>static</a:t>
+            </a:r>
+            <a:r>
+              <a:rPr lang="en-US" sz="1600" dirty="0" smtClean="0">
+                <a:latin typeface="Courier New" pitchFamily="49" charset="0"/>
+                <a:cs typeface="Courier New" pitchFamily="49" charset="0"/>
+              </a:rPr>
+              <a:t> class </a:t>
+            </a:r>
+            <a:r>
+              <a:rPr lang="en-US" sz="1600" dirty="0" err="1" smtClean="0">
+                <a:latin typeface="Courier New" pitchFamily="49" charset="0"/>
+                <a:cs typeface="Courier New" pitchFamily="49" charset="0"/>
+              </a:rPr>
+              <a:t>DateTime</a:t>
+            </a:r>
+            <a:r>
+              <a:rPr lang="en-US" sz="1600" dirty="0" err="1" smtClean="0">
+                <a:solidFill>
+                  <a:srgbClr val="FFFF00"/>
+                </a:solidFill>
+                <a:latin typeface="Courier New" pitchFamily="49" charset="0"/>
+                <a:cs typeface="Courier New" pitchFamily="49" charset="0"/>
+              </a:rPr>
+              <a:t>Extensions</a:t>
+            </a:r>
+            <a:r>
+              <a:rPr lang="en-US" sz="1600" dirty="0" smtClean="0">
+                <a:latin typeface="Courier New" pitchFamily="49" charset="0"/>
+                <a:cs typeface="Courier New" pitchFamily="49" charset="0"/>
+              </a:rPr>
+              <a:t/>
+            </a:r>
+            <a:br>
+              <a:rPr lang="en-US" sz="1600" dirty="0" smtClean="0">
+                <a:latin typeface="Courier New" pitchFamily="49" charset="0"/>
+                <a:cs typeface="Courier New" pitchFamily="49" charset="0"/>
+              </a:rPr>
+            </a:br>
+            <a:r>
+              <a:rPr lang="en-US" sz="1600" dirty="0" smtClean="0">
+                <a:latin typeface="Courier New" pitchFamily="49" charset="0"/>
+                <a:cs typeface="Courier New" pitchFamily="49" charset="0"/>
+              </a:rPr>
+              <a:t>{</a:t>
+            </a:r>
+            <a:br>
+              <a:rPr lang="en-US" sz="1600" dirty="0" smtClean="0">
+                <a:latin typeface="Courier New" pitchFamily="49" charset="0"/>
+                <a:cs typeface="Courier New" pitchFamily="49" charset="0"/>
+              </a:rPr>
+            </a:br>
+            <a:r>
+              <a:rPr lang="en-US" sz="1600" dirty="0" smtClean="0">
+                <a:latin typeface="Courier New" pitchFamily="49" charset="0"/>
+                <a:cs typeface="Courier New" pitchFamily="49" charset="0"/>
+              </a:rPr>
+              <a:t>    ///&lt;summary&gt;</a:t>
+            </a:r>
+            <a:br>
+              <a:rPr lang="en-US" sz="1600" dirty="0" smtClean="0">
+                <a:latin typeface="Courier New" pitchFamily="49" charset="0"/>
+                <a:cs typeface="Courier New" pitchFamily="49" charset="0"/>
+              </a:rPr>
+            </a:br>
+            <a:r>
+              <a:rPr lang="en-US" sz="1600" dirty="0" smtClean="0">
+                <a:latin typeface="Courier New" pitchFamily="49" charset="0"/>
+                <a:cs typeface="Courier New" pitchFamily="49" charset="0"/>
+              </a:rPr>
+              <a:t>    ///</a:t>
+            </a:r>
+            <a:r>
+              <a:rPr lang="ru-RU" sz="1600" dirty="0" smtClean="0">
+                <a:latin typeface="Courier New" pitchFamily="49" charset="0"/>
+                <a:cs typeface="Courier New" pitchFamily="49" charset="0"/>
+              </a:rPr>
+              <a:t>Вернет строку вида </a:t>
+            </a:r>
+            <a:r>
+              <a:rPr lang="en-US" sz="1600" dirty="0">
+                <a:latin typeface="Courier New" pitchFamily="49" charset="0"/>
+                <a:cs typeface="Courier New" pitchFamily="49" charset="0"/>
+              </a:rPr>
+              <a:t>2008-04-10T06:30:00</a:t>
+            </a:r>
+            <a:endParaRPr lang="en-US" sz="1600" dirty="0" smtClean="0">
+              <a:latin typeface="Courier New" pitchFamily="49" charset="0"/>
+              <a:cs typeface="Courier New" pitchFamily="49" charset="0"/>
+            </a:endParaRPr>
+          </a:p>
+          <a:p>
+            <a:pPr marL="0" indent="0">
+              <a:buNone/>
+            </a:pPr>
+            <a:r>
+              <a:rPr lang="en-US" sz="1600" dirty="0" smtClean="0">
+                <a:latin typeface="Courier New" pitchFamily="49" charset="0"/>
+                <a:cs typeface="Courier New" pitchFamily="49" charset="0"/>
+              </a:rPr>
+              <a:t>    ///&lt;/summary</a:t>
+            </a:r>
+            <a:r>
+              <a:rPr lang="en-US" sz="1600" dirty="0">
+                <a:latin typeface="Courier New" pitchFamily="49" charset="0"/>
+                <a:cs typeface="Courier New" pitchFamily="49" charset="0"/>
+              </a:rPr>
+              <a:t>&gt;</a:t>
+            </a:r>
+            <a:endParaRPr lang="en-US" sz="1600" dirty="0" smtClean="0">
+              <a:latin typeface="Courier New" pitchFamily="49" charset="0"/>
+              <a:cs typeface="Courier New" pitchFamily="49" charset="0"/>
+            </a:endParaRPr>
+          </a:p>
+          <a:p>
+            <a:pPr marL="0" indent="0">
+              <a:buNone/>
+            </a:pPr>
+            <a:r>
+              <a:rPr lang="en-US" sz="1600" dirty="0" smtClean="0">
+                <a:latin typeface="Courier New" pitchFamily="49" charset="0"/>
+                <a:cs typeface="Courier New" pitchFamily="49" charset="0"/>
+              </a:rPr>
+              <a:t>    public static string ToIso8601String(</a:t>
+            </a:r>
+            <a:r>
+              <a:rPr lang="en-US" sz="1600" dirty="0" smtClean="0">
+                <a:solidFill>
+                  <a:srgbClr val="FFFF00"/>
+                </a:solidFill>
+                <a:latin typeface="Courier New" pitchFamily="49" charset="0"/>
+                <a:cs typeface="Courier New" pitchFamily="49" charset="0"/>
+              </a:rPr>
+              <a:t>this</a:t>
+            </a:r>
+            <a:r>
+              <a:rPr lang="en-US" sz="1600" dirty="0" smtClean="0">
+                <a:latin typeface="Courier New" pitchFamily="49" charset="0"/>
+                <a:cs typeface="Courier New" pitchFamily="49" charset="0"/>
+              </a:rPr>
+              <a:t> </a:t>
+            </a:r>
+            <a:r>
+              <a:rPr lang="en-US" sz="1600" dirty="0" err="1" smtClean="0">
+                <a:latin typeface="Courier New" pitchFamily="49" charset="0"/>
+                <a:cs typeface="Courier New" pitchFamily="49" charset="0"/>
+              </a:rPr>
+              <a:t>DateTime</a:t>
+            </a:r>
+            <a:r>
+              <a:rPr lang="en-US" sz="1600" dirty="0" smtClean="0">
+                <a:latin typeface="Courier New" pitchFamily="49" charset="0"/>
+                <a:cs typeface="Courier New" pitchFamily="49" charset="0"/>
+              </a:rPr>
+              <a:t> </a:t>
+            </a:r>
+            <a:r>
+              <a:rPr lang="en-US" sz="1600" dirty="0" err="1" smtClean="0">
+                <a:latin typeface="Courier New" pitchFamily="49" charset="0"/>
+                <a:cs typeface="Courier New" pitchFamily="49" charset="0"/>
+              </a:rPr>
+              <a:t>dt</a:t>
+            </a:r>
+            <a:r>
+              <a:rPr lang="en-US" sz="1600" dirty="0" smtClean="0">
+                <a:latin typeface="Courier New" pitchFamily="49" charset="0"/>
+                <a:cs typeface="Courier New" pitchFamily="49" charset="0"/>
+              </a:rPr>
+              <a:t>)</a:t>
+            </a:r>
+            <a:br>
+              <a:rPr lang="en-US" sz="1600" dirty="0" smtClean="0">
+                <a:latin typeface="Courier New" pitchFamily="49" charset="0"/>
+                <a:cs typeface="Courier New" pitchFamily="49" charset="0"/>
+              </a:rPr>
+            </a:br>
+            <a:r>
+              <a:rPr lang="en-US" sz="1600" dirty="0" smtClean="0">
+                <a:latin typeface="Courier New" pitchFamily="49" charset="0"/>
+                <a:cs typeface="Courier New" pitchFamily="49" charset="0"/>
+              </a:rPr>
+              <a:t>    {</a:t>
+            </a:r>
+          </a:p>
+          <a:p>
+            <a:pPr marL="0" indent="0">
+              <a:buNone/>
+            </a:pPr>
+            <a:r>
+              <a:rPr lang="en-US" sz="1600" dirty="0">
+                <a:latin typeface="Courier New" pitchFamily="49" charset="0"/>
+                <a:cs typeface="Courier New" pitchFamily="49" charset="0"/>
+              </a:rPr>
+              <a:t> </a:t>
+            </a:r>
+            <a:r>
+              <a:rPr lang="en-US" sz="1600" dirty="0" smtClean="0">
+                <a:latin typeface="Courier New" pitchFamily="49" charset="0"/>
+                <a:cs typeface="Courier New" pitchFamily="49" charset="0"/>
+              </a:rPr>
+              <a:t>       return </a:t>
+            </a:r>
+            <a:r>
+              <a:rPr lang="en-US" sz="1600" dirty="0" err="1" smtClean="0">
+                <a:latin typeface="Courier New" pitchFamily="49" charset="0"/>
+                <a:cs typeface="Courier New" pitchFamily="49" charset="0"/>
+              </a:rPr>
+              <a:t>dt.ToString</a:t>
+            </a:r>
+            <a:r>
+              <a:rPr lang="en-US" sz="1600" dirty="0">
+                <a:latin typeface="Courier New" pitchFamily="49" charset="0"/>
+                <a:cs typeface="Courier New" pitchFamily="49" charset="0"/>
+              </a:rPr>
+              <a:t>("</a:t>
+            </a:r>
+            <a:r>
+              <a:rPr lang="en-US" sz="1600" dirty="0" smtClean="0">
+                <a:latin typeface="Courier New" pitchFamily="49" charset="0"/>
+                <a:cs typeface="Courier New" pitchFamily="49" charset="0"/>
+              </a:rPr>
+              <a:t>s");</a:t>
+            </a:r>
+          </a:p>
+          <a:p>
+            <a:pPr marL="0" indent="0">
+              <a:buNone/>
+            </a:pPr>
+            <a:r>
+              <a:rPr lang="en-US" sz="1600" dirty="0">
+                <a:latin typeface="Courier New" pitchFamily="49" charset="0"/>
+                <a:cs typeface="Courier New" pitchFamily="49" charset="0"/>
+              </a:rPr>
+              <a:t> </a:t>
+            </a:r>
+            <a:r>
+              <a:rPr lang="en-US" sz="1600" dirty="0" smtClean="0">
+                <a:latin typeface="Courier New" pitchFamily="49" charset="0"/>
+                <a:cs typeface="Courier New" pitchFamily="49" charset="0"/>
+              </a:rPr>
+              <a:t>   }</a:t>
+            </a:r>
+          </a:p>
+          <a:p>
+            <a:pPr marL="0" indent="0">
+              <a:buNone/>
+            </a:pPr>
+            <a:r>
+              <a:rPr lang="en-US" sz="1600" dirty="0">
+                <a:latin typeface="Courier New" pitchFamily="49" charset="0"/>
+                <a:cs typeface="Courier New" pitchFamily="49" charset="0"/>
+              </a:rPr>
+              <a:t>}</a:t>
+            </a:r>
+          </a:p>
+        </p:txBody>
+      </p:sp>
+    </p:spTree>
+    <p:extLst>
+      <p:ext uri="{BB962C8B-B14F-4D97-AF65-F5344CB8AC3E}">
+        <p14:creationId xmlns:p14="http://schemas.microsoft.com/office/powerpoint/2010/main" val="3545898277"/>
+      </p:ext>
+    </p:extLst>
+  </p:cSld>
+  <p:clrMapOvr>
+    <a:masterClrMapping/>
+  </p:clrMapOvr>
+  <p:timing>
+    <p:tnLst>
+      <p:par>
+        <p:cTn id="1" dur="indefinite" restart="never" nodeType="tmRoot"/>
+      </p:par>
+    </p:tnLst>
+  </p:timing>
+</p:sld>
+</file>
+
+<file path=ppt/slides/slide7.xml><?xml version="1.0" encoding="utf-8"?>
+<p:sld xmlns:a="http://schemas.openxmlformats.org/drawingml/2006/main" xmlns:r="http://schemas.openxmlformats.org/officeDocument/2006/relationships" xmlns:p="http://schemas.openxmlformats.org/presentationml/2006/main">
+  <p:cSld>
+    <p:spTree>
+      <p:nvGrpSpPr>
+        <p:cNvPr id="1" name=""/>
+        <p:cNvGrpSpPr/>
+        <p:nvPr/>
+      </p:nvGrpSpPr>
+      <p:grpSpPr>
+        <a:xfrm>
+          <a:off x="0" y="0"/>
+          <a:ext cx="0" cy="0"/>
+          <a:chOff x="0" y="0"/>
+          <a:chExt cx="0" cy="0"/>
+        </a:xfrm>
+      </p:grpSpPr>
+      <p:sp>
+        <p:nvSpPr>
+          <p:cNvPr id="2" name="Title 1"/>
+          <p:cNvSpPr>
+            <a:spLocks noGrp="1"/>
+          </p:cNvSpPr>
+          <p:nvPr>
+            <p:ph type="title"/>
+          </p:nvPr>
+        </p:nvSpPr>
+        <p:spPr/>
+        <p:txBody>
+          <a:bodyPr/>
+          <a:lstStyle/>
+          <a:p>
+            <a:r>
+              <a:rPr lang="ru-RU" dirty="0" smtClean="0"/>
+              <a:t>Класс </a:t>
+            </a:r>
+            <a:r>
+              <a:rPr lang="en-US" dirty="0" err="1" smtClean="0"/>
+              <a:t>System.Linq.Enumerable</a:t>
+            </a:r>
+            <a:endParaRPr lang="en-US" dirty="0"/>
+          </a:p>
+        </p:txBody>
+      </p:sp>
+      <p:sp>
+        <p:nvSpPr>
+          <p:cNvPr id="3" name="Content Placeholder 2"/>
+          <p:cNvSpPr>
+            <a:spLocks noGrp="1"/>
+          </p:cNvSpPr>
+          <p:nvPr>
+            <p:ph idx="1"/>
+          </p:nvPr>
+        </p:nvSpPr>
+        <p:spPr/>
+        <p:txBody>
+          <a:bodyPr>
+            <a:normAutofit/>
+          </a:bodyPr>
+          <a:lstStyle/>
+          <a:p>
+            <a:pPr marL="0" indent="0">
+              <a:buNone/>
+            </a:pPr>
+            <a:endParaRPr lang="ru-RU" dirty="0" smtClean="0"/>
+          </a:p>
+          <a:p>
+            <a:pPr marL="0" indent="0">
+              <a:buNone/>
+            </a:pPr>
+            <a:endParaRPr lang="en-US" dirty="0"/>
+          </a:p>
+        </p:txBody>
+      </p:sp>
+    </p:spTree>
+    <p:extLst>
+      <p:ext uri="{BB962C8B-B14F-4D97-AF65-F5344CB8AC3E}">
+        <p14:creationId xmlns:p14="http://schemas.microsoft.com/office/powerpoint/2010/main" val="2250229024"/>
+      </p:ext>
+    </p:extLst>
+  </p:cSld>
+  <p:clrMapOvr>
+    <a:masterClrMapping/>
+  </p:clrMapOvr>
+  <p:timing>
+    <p:tnLst>
+      <p:par>
+        <p:cTn id="1" dur="indefinite" restart="never" nodeType="tmRoot"/>
+      </p:par>
+    </p:tnLst>
+  </p:timing>
+</p:sld>
+</file>
+
+<file path=ppt/slides/slide8.xml><?xml version="1.0" encoding="utf-8"?>
 <p:sld xmlns:a="http://schemas.openxmlformats.org/drawingml/2006/main" xmlns:r="http://schemas.openxmlformats.org/officeDocument/2006/relationships" xmlns:p="http://schemas.openxmlformats.org/presentationml/2006/main">
   <p:cSld>
     <p:bg>
@@ -3898,6 +9114,165 @@
     <p:extLst>
       <p:ext uri="{BB962C8B-B14F-4D97-AF65-F5344CB8AC3E}">
         <p14:creationId xmlns:p14="http://schemas.microsoft.com/office/powerpoint/2010/main" val="1377556597"/>
+      </p:ext>
+    </p:extLst>
+  </p:cSld>
+  <p:clrMapOvr>
+    <a:masterClrMapping/>
+  </p:clrMapOvr>
+  <p:timing>
+    <p:tnLst>
+      <p:par>
+        <p:cTn id="1" dur="indefinite" restart="never" nodeType="tmRoot"/>
+      </p:par>
+    </p:tnLst>
+  </p:timing>
+</p:sld>
+</file>
+
+<file path=ppt/slides/slide9.xml><?xml version="1.0" encoding="utf-8"?>
+<p:sld xmlns:a="http://schemas.openxmlformats.org/drawingml/2006/main" xmlns:r="http://schemas.openxmlformats.org/officeDocument/2006/relationships" xmlns:p="http://schemas.openxmlformats.org/presentationml/2006/main">
+  <p:cSld>
+    <p:spTree>
+      <p:nvGrpSpPr>
+        <p:cNvPr id="1" name=""/>
+        <p:cNvGrpSpPr/>
+        <p:nvPr/>
+      </p:nvGrpSpPr>
+      <p:grpSpPr>
+        <a:xfrm>
+          <a:off x="0" y="0"/>
+          <a:ext cx="0" cy="0"/>
+          <a:chOff x="0" y="0"/>
+          <a:chExt cx="0" cy="0"/>
+        </a:xfrm>
+      </p:grpSpPr>
+      <p:sp>
+        <p:nvSpPr>
+          <p:cNvPr id="2" name="Title 1"/>
+          <p:cNvSpPr>
+            <a:spLocks noGrp="1"/>
+          </p:cNvSpPr>
+          <p:nvPr>
+            <p:ph type="title"/>
+          </p:nvPr>
+        </p:nvSpPr>
+        <p:spPr/>
+        <p:txBody>
+          <a:bodyPr/>
+          <a:lstStyle/>
+          <a:p>
+            <a:r>
+              <a:rPr lang="ru-RU" dirty="0" smtClean="0"/>
+              <a:t>Библиотека </a:t>
+            </a:r>
+            <a:r>
+              <a:rPr lang="en-US" dirty="0" smtClean="0"/>
+              <a:t>morelinq</a:t>
+            </a:r>
+            <a:endParaRPr lang="en-US" dirty="0"/>
+          </a:p>
+        </p:txBody>
+      </p:sp>
+      <p:sp>
+        <p:nvSpPr>
+          <p:cNvPr id="3" name="Content Placeholder 2"/>
+          <p:cNvSpPr>
+            <a:spLocks noGrp="1"/>
+          </p:cNvSpPr>
+          <p:nvPr>
+            <p:ph idx="1"/>
+          </p:nvPr>
+        </p:nvSpPr>
+        <p:spPr/>
+        <p:txBody>
+          <a:bodyPr>
+            <a:normAutofit/>
+          </a:bodyPr>
+          <a:lstStyle/>
+          <a:p>
+            <a:pPr marL="0" indent="0">
+              <a:buNone/>
+            </a:pPr>
+            <a:r>
+              <a:rPr lang="ru-RU" dirty="0" smtClean="0"/>
+              <a:t>Добавляет полезные </a:t>
+            </a:r>
+            <a:r>
+              <a:rPr lang="en-US" dirty="0" smtClean="0"/>
+              <a:t>extension </a:t>
+            </a:r>
+            <a:r>
+              <a:rPr lang="ru-RU" dirty="0" smtClean="0"/>
+              <a:t>методы.</a:t>
+            </a:r>
+          </a:p>
+          <a:p>
+            <a:pPr marL="0" indent="0">
+              <a:buNone/>
+            </a:pPr>
+            <a:endParaRPr lang="ru-RU" dirty="0"/>
+          </a:p>
+          <a:p>
+            <a:pPr marL="0" indent="0">
+              <a:buNone/>
+            </a:pPr>
+            <a:r>
+              <a:rPr lang="en-US" dirty="0">
+                <a:hlinkClick r:id="rId2"/>
+              </a:rPr>
+              <a:t>http://code.google.com/p/morelinq</a:t>
+            </a:r>
+            <a:r>
+              <a:rPr lang="en-US" dirty="0" smtClean="0">
+                <a:hlinkClick r:id="rId2"/>
+              </a:rPr>
+              <a:t>/</a:t>
+            </a:r>
+            <a:endParaRPr lang="ru-RU" dirty="0" smtClean="0"/>
+          </a:p>
+          <a:p>
+            <a:pPr marL="0" indent="0">
+              <a:buNone/>
+            </a:pPr>
+            <a:endParaRPr lang="ru-RU" dirty="0"/>
+          </a:p>
+          <a:p>
+            <a:pPr marL="0" indent="0">
+              <a:buNone/>
+            </a:pPr>
+            <a:r>
+              <a:rPr lang="en-US" dirty="0" err="1" smtClean="0"/>
+              <a:t>NuGet</a:t>
+            </a:r>
+            <a:r>
+              <a:rPr lang="en-US" dirty="0" smtClean="0"/>
+              <a:t> </a:t>
+            </a:r>
+            <a:r>
+              <a:rPr lang="ru-RU" dirty="0" smtClean="0"/>
+              <a:t>пакет - </a:t>
+            </a:r>
+            <a:r>
+              <a:rPr lang="en-US" dirty="0">
+                <a:hlinkClick r:id="rId3"/>
+              </a:rPr>
+              <a:t>morelinq</a:t>
+            </a:r>
+            <a:endParaRPr lang="ru-RU" dirty="0" smtClean="0"/>
+          </a:p>
+          <a:p>
+            <a:pPr marL="0" indent="0">
+              <a:buNone/>
+            </a:pPr>
+            <a:endParaRPr lang="en-US" dirty="0"/>
+          </a:p>
+        </p:txBody>
+      </p:sp>
+    </p:spTree>
+    <p:extLst>
+      <p:ext uri="{BB962C8B-B14F-4D97-AF65-F5344CB8AC3E}">
+        <p14:creationId xmlns:p14="http://schemas.microsoft.com/office/powerpoint/2010/main" val="1834671459"/>
       </p:ext>
     </p:extLst>
   </p:cSld>
